--- a/web/3-CSS/css.pptx
+++ b/web/3-CSS/css.pptx
@@ -231,7 +231,7 @@
           <a:p>
             <a:fld id="{5EB47243-285B-2741-8C7D-C88258D9CCFA}" type="datetimeFigureOut">
               <a:rPr lang="fr-FR" smtClean="0"/>
-              <a:t>03/06/2019</a:t>
+              <a:t>05/06/2019</a:t>
             </a:fld>
             <a:endParaRPr lang="fr-FR"/>
           </a:p>
@@ -297,7 +297,7 @@
           <a:p>
             <a:fld id="{C5CA9166-BC48-2C47-B9BF-6F57720E77B8}" type="slidenum">
               <a:rPr lang="fr-FR" smtClean="0"/>
-              <a:t>‹N°›</a:t>
+              <a:t>‹#›</a:t>
             </a:fld>
             <a:endParaRPr lang="fr-FR"/>
           </a:p>
@@ -397,7 +397,7 @@
           <a:p>
             <a:fld id="{7D088D39-B4EA-D24B-B9C3-6A64886EABE2}" type="datetimeFigureOut">
               <a:rPr lang="fr-FR" smtClean="0"/>
-              <a:t>03/06/2019</a:t>
+              <a:t>05/06/2019</a:t>
             </a:fld>
             <a:endParaRPr lang="fr-FR"/>
           </a:p>
@@ -555,7 +555,7 @@
           <a:p>
             <a:fld id="{1C0E2CBA-6097-B848-A7DA-4D7BD6EB303B}" type="slidenum">
               <a:rPr lang="fr-FR" smtClean="0"/>
-              <a:t>‹N°›</a:t>
+              <a:t>‹#›</a:t>
             </a:fld>
             <a:endParaRPr lang="fr-FR"/>
           </a:p>
@@ -1913,7 +1913,7 @@
           <a:p>
             <a:fld id="{BB2FA04C-1355-4CE6-8050-4BD994E23BD5}" type="datetime4">
               <a:rPr lang="fr-FR" smtClean="0"/>
-              <a:t>3 juin 2019</a:t>
+              <a:t>5 juin 2019</a:t>
             </a:fld>
             <a:endParaRPr lang="fr-FR" dirty="0"/>
           </a:p>
@@ -1991,7 +1991,7 @@
             <a:fld id="{DCE37727-CC04-7A46-938D-2CCFF056F773}" type="slidenum">
               <a:rPr lang="fr-FR" smtClean="0"/>
               <a:pPr/>
-              <a:t>‹N°›</a:t>
+              <a:t>‹#›</a:t>
             </a:fld>
             <a:endParaRPr lang="fr-FR"/>
           </a:p>
@@ -2504,7 +2504,7 @@
           <a:p>
             <a:fld id="{A81C4219-47FF-4375-968D-EABA4A212953}" type="datetime4">
               <a:rPr lang="fr-FR" smtClean="0"/>
-              <a:t>3 juin 2019</a:t>
+              <a:t>5 juin 2019</a:t>
             </a:fld>
             <a:endParaRPr lang="fr-FR" dirty="0"/>
           </a:p>
@@ -2582,7 +2582,7 @@
             <a:fld id="{DCE37727-CC04-7A46-938D-2CCFF056F773}" type="slidenum">
               <a:rPr lang="fr-FR" smtClean="0"/>
               <a:pPr/>
-              <a:t>‹N°›</a:t>
+              <a:t>‹#›</a:t>
             </a:fld>
             <a:endParaRPr lang="fr-FR"/>
           </a:p>
@@ -4340,7 +4340,7 @@
           <a:p>
             <a:fld id="{81E3CCF4-D669-4BB6-B0BE-EE495E88AE6B}" type="datetime4">
               <a:rPr lang="fr-FR" smtClean="0"/>
-              <a:t>3 juin 2019</a:t>
+              <a:t>5 juin 2019</a:t>
             </a:fld>
             <a:endParaRPr lang="fr-FR" dirty="0"/>
           </a:p>
@@ -4418,7 +4418,7 @@
             <a:fld id="{DCE37727-CC04-7A46-938D-2CCFF056F773}" type="slidenum">
               <a:rPr lang="fr-FR" smtClean="0"/>
               <a:pPr/>
-              <a:t>‹N°›</a:t>
+              <a:t>‹#›</a:t>
             </a:fld>
             <a:endParaRPr lang="fr-FR"/>
           </a:p>
@@ -5276,7 +5276,7 @@
           <a:p>
             <a:fld id="{2E52B8B1-858B-4633-AE57-5B6CA9292F2B}" type="datetime4">
               <a:rPr lang="fr-FR" smtClean="0"/>
-              <a:t>3 juin 2019</a:t>
+              <a:t>5 juin 2019</a:t>
             </a:fld>
             <a:endParaRPr lang="fr-FR" dirty="0"/>
           </a:p>
@@ -5354,7 +5354,7 @@
             <a:fld id="{DCE37727-CC04-7A46-938D-2CCFF056F773}" type="slidenum">
               <a:rPr lang="fr-FR" smtClean="0"/>
               <a:pPr/>
-              <a:t>‹N°›</a:t>
+              <a:t>‹#›</a:t>
             </a:fld>
             <a:endParaRPr lang="fr-FR"/>
           </a:p>
@@ -5907,7 +5907,7 @@
           <a:p>
             <a:fld id="{BB2FA04C-1355-4CE6-8050-4BD994E23BD5}" type="datetime4">
               <a:rPr lang="fr-FR" smtClean="0"/>
-              <a:t>3 juin 2019</a:t>
+              <a:t>5 juin 2019</a:t>
             </a:fld>
             <a:endParaRPr lang="fr-FR" dirty="0"/>
           </a:p>
@@ -7421,7 +7421,7 @@
           <a:p>
             <a:fld id="{BB2FA04C-1355-4CE6-8050-4BD994E23BD5}" type="datetime4">
               <a:rPr lang="fr-FR" smtClean="0"/>
-              <a:t>3 juin 2019</a:t>
+              <a:t>5 juin 2019</a:t>
             </a:fld>
             <a:endParaRPr lang="fr-FR" dirty="0"/>
           </a:p>
@@ -7597,7 +7597,7 @@
         <p:spPr>
           <a:xfrm>
             <a:off x="901702" y="1840363"/>
-            <a:ext cx="6666471" cy="1640876"/>
+            <a:ext cx="6666471" cy="1643701"/>
           </a:xfrm>
           <a:prstGeom prst="rect">
             <a:avLst/>
@@ -7615,7 +7615,7 @@
         </p:spPr>
         <p:txBody>
           <a:bodyPr vert="horz" lIns="91440" tIns="45720" rIns="91440" bIns="45720" rtlCol="0" anchor="ctr">
-            <a:normAutofit/>
+            <a:normAutofit fontScale="92500"/>
           </a:bodyPr>
           <a:lstStyle>
             <a:lvl1pPr marL="447675" indent="-447675" algn="l" defTabSz="457200" rtl="0" eaLnBrk="1" latinLnBrk="0" hangingPunct="1">
@@ -8368,7 +8368,7 @@
           <a:p>
             <a:fld id="{BB2FA04C-1355-4CE6-8050-4BD994E23BD5}" type="datetime4">
               <a:rPr lang="fr-FR" smtClean="0"/>
-              <a:t>3 juin 2019</a:t>
+              <a:t>5 juin 2019</a:t>
             </a:fld>
             <a:endParaRPr lang="fr-FR" dirty="0"/>
           </a:p>
@@ -8455,7 +8455,22 @@
           <a:p>
             <a:r>
               <a:rPr lang="fr-FR" dirty="0"/>
-              <a:t>Classe automatique attribuée à un élément lorsqu’un événement se produit</a:t>
+              <a:t>Classe automatique attribuée à un élément </a:t>
+            </a:r>
+            <a:br>
+              <a:rPr lang="fr-FR" dirty="0"/>
+            </a:br>
+            <a:r>
+              <a:rPr lang="fr-FR" dirty="0"/>
+              <a:t>lorsqu’un </a:t>
+            </a:r>
+            <a:r>
+              <a:rPr lang="fr-FR" b="1" dirty="0"/>
+              <a:t>événement</a:t>
+            </a:r>
+            <a:r>
+              <a:rPr lang="fr-FR" dirty="0"/>
+              <a:t> se produit</a:t>
             </a:r>
           </a:p>
           <a:p>
@@ -9314,7 +9329,7 @@
           <a:p>
             <a:fld id="{BB2FA04C-1355-4CE6-8050-4BD994E23BD5}" type="datetime4">
               <a:rPr lang="fr-FR" smtClean="0"/>
-              <a:t>3 juin 2019</a:t>
+              <a:t>5 juin 2019</a:t>
             </a:fld>
             <a:endParaRPr lang="fr-FR" dirty="0"/>
           </a:p>
@@ -9463,7 +9478,7 @@
             </a:pPr>
             <a:r>
               <a:rPr lang="fr-FR" dirty="0"/>
-              <a:t>		plus aucune balise ne peut utiliser ce style !</a:t>
+              <a:t>		Plus aucune balise ne peut utiliser ce style !</a:t>
             </a:r>
           </a:p>
         </p:txBody>
@@ -10179,7 +10194,7 @@
           <a:p>
             <a:fld id="{BB2FA04C-1355-4CE6-8050-4BD994E23BD5}" type="datetime4">
               <a:rPr lang="fr-FR" smtClean="0"/>
-              <a:t>3 juin 2019</a:t>
+              <a:t>5 juin 2019</a:t>
             </a:fld>
             <a:endParaRPr lang="fr-FR" dirty="0"/>
           </a:p>
@@ -11339,7 +11354,7 @@
               <a:r>
                 <a:rPr lang="fr-FR" dirty="0">
                   <a:solidFill>
-                    <a:srgbClr val="008080"/>
+                    <a:srgbClr val="00B050"/>
                   </a:solidFill>
                 </a:rPr>
                 <a:t>Mon beau titre principal</a:t>
@@ -12111,7 +12126,7 @@
           <a:p>
             <a:fld id="{BB2FA04C-1355-4CE6-8050-4BD994E23BD5}" type="datetime4">
               <a:rPr lang="fr-FR" smtClean="0"/>
-              <a:t>3 juin 2019</a:t>
+              <a:t>5 juin 2019</a:t>
             </a:fld>
             <a:endParaRPr lang="fr-FR" dirty="0"/>
           </a:p>
@@ -12810,7 +12825,7 @@
           <a:p>
             <a:fld id="{BB2FA04C-1355-4CE6-8050-4BD994E23BD5}" type="datetime4">
               <a:rPr lang="fr-FR" smtClean="0"/>
-              <a:t>3 juin 2019</a:t>
+              <a:t>5 juin 2019</a:t>
             </a:fld>
             <a:endParaRPr lang="fr-FR" dirty="0"/>
           </a:p>
@@ -13150,7 +13165,7 @@
           <a:p>
             <a:fld id="{BB2FA04C-1355-4CE6-8050-4BD994E23BD5}" type="datetime4">
               <a:rPr lang="fr-FR" smtClean="0"/>
-              <a:t>3 juin 2019</a:t>
+              <a:t>5 juin 2019</a:t>
             </a:fld>
             <a:endParaRPr lang="fr-FR" dirty="0"/>
           </a:p>
@@ -13411,12 +13426,20 @@
               <a:t>être positionnée (</a:t>
             </a:r>
             <a:r>
-              <a:rPr lang="fr-FR" dirty="0" err="1"/>
+              <a:rPr lang="fr-FR" i="1" dirty="0" err="1"/>
               <a:t>float</a:t>
             </a:r>
             <a:r>
               <a:rPr lang="fr-FR" dirty="0"/>
-              <a:t>, position …)</a:t>
+              <a:t>, </a:t>
+            </a:r>
+            <a:r>
+              <a:rPr lang="fr-FR" i="1" dirty="0"/>
+              <a:t>position</a:t>
+            </a:r>
+            <a:r>
+              <a:rPr lang="fr-FR" dirty="0"/>
+              <a:t>…)</a:t>
             </a:r>
           </a:p>
         </p:txBody>
@@ -13540,7 +13563,7 @@
           <a:p>
             <a:fld id="{BB2FA04C-1355-4CE6-8050-4BD994E23BD5}" type="datetime4">
               <a:rPr lang="fr-FR" smtClean="0"/>
-              <a:t>3 juin 2019</a:t>
+              <a:t>5 juin 2019</a:t>
             </a:fld>
             <a:endParaRPr lang="fr-FR" dirty="0"/>
           </a:p>
@@ -13718,12 +13741,20 @@
               <a:t>être positionnée (</a:t>
             </a:r>
             <a:r>
-              <a:rPr lang="fr-FR" dirty="0" err="1"/>
+              <a:rPr lang="fr-FR" i="1" dirty="0" err="1"/>
               <a:t>float</a:t>
             </a:r>
             <a:r>
               <a:rPr lang="fr-FR" dirty="0"/>
-              <a:t>, position …)</a:t>
+              <a:t>, </a:t>
+            </a:r>
+            <a:r>
+              <a:rPr lang="fr-FR" i="1" dirty="0"/>
+              <a:t>position </a:t>
+            </a:r>
+            <a:r>
+              <a:rPr lang="fr-FR" dirty="0"/>
+              <a:t>…)</a:t>
             </a:r>
           </a:p>
         </p:txBody>
@@ -13839,7 +13870,7 @@
           <a:p>
             <a:fld id="{BB2FA04C-1355-4CE6-8050-4BD994E23BD5}" type="datetime4">
               <a:rPr lang="fr-FR" smtClean="0"/>
-              <a:t>3 juin 2019</a:t>
+              <a:t>5 juin 2019</a:t>
             </a:fld>
             <a:endParaRPr lang="fr-FR" dirty="0"/>
           </a:p>
@@ -14249,7 +14280,7 @@
           <a:p>
             <a:fld id="{BB2FA04C-1355-4CE6-8050-4BD994E23BD5}" type="datetime4">
               <a:rPr lang="fr-FR" smtClean="0"/>
-              <a:t>3 juin 2019</a:t>
+              <a:t>5 juin 2019</a:t>
             </a:fld>
             <a:endParaRPr lang="fr-FR" dirty="0"/>
           </a:p>
@@ -14595,9 +14626,10 @@
               <a:rPr lang="fr-FR" sz="2400" dirty="0"/>
             </a:br>
             <a:r>
-              <a:rPr lang="fr-FR" sz="2400" dirty="0"/>
+              <a:rPr lang="fr-FR" sz="2000" dirty="0"/>
               <a:t>(pagination adaptée à l’écran, menus, transitions animées, etc.)</a:t>
             </a:r>
+            <a:endParaRPr lang="fr-FR" sz="2400" dirty="0"/>
           </a:p>
         </p:txBody>
       </p:sp>
@@ -14618,7 +14650,7 @@
           <a:p>
             <a:fld id="{BB2FA04C-1355-4CE6-8050-4BD994E23BD5}" type="datetime4">
               <a:rPr lang="fr-FR" smtClean="0"/>
-              <a:t>3 juin 2019</a:t>
+              <a:t>5 juin 2019</a:t>
             </a:fld>
             <a:endParaRPr lang="fr-FR" dirty="0"/>
           </a:p>
@@ -14909,7 +14941,7 @@
           <a:p>
             <a:fld id="{1AC11C67-BE04-4C5F-B0EE-E01220C9093A}" type="datetime4">
               <a:rPr lang="fr-FR" smtClean="0"/>
-              <a:t>3 juin 2019</a:t>
+              <a:t>5 juin 2019</a:t>
             </a:fld>
             <a:endParaRPr lang="fr-FR" dirty="0"/>
           </a:p>
@@ -15434,7 +15466,7 @@
           <a:p>
             <a:fld id="{1AC11C67-BE04-4C5F-B0EE-E01220C9093A}" type="datetime4">
               <a:rPr lang="fr-FR" smtClean="0"/>
-              <a:t>3 juin 2019</a:t>
+              <a:t>5 juin 2019</a:t>
             </a:fld>
             <a:endParaRPr lang="fr-FR" dirty="0"/>
           </a:p>
@@ -15618,7 +15650,7 @@
         </p:nvSpPr>
         <p:spPr>
           <a:xfrm rot="5400000">
-            <a:off x="5073595" y="4408647"/>
+            <a:off x="5200407" y="4408647"/>
             <a:ext cx="224010" cy="504733"/>
           </a:xfrm>
           <a:prstGeom prst="leftBrace">
@@ -15670,7 +15702,7 @@
         </p:nvSpPr>
         <p:spPr>
           <a:xfrm>
-            <a:off x="4659045" y="3968545"/>
+            <a:off x="4785857" y="3968545"/>
             <a:ext cx="1064522" cy="461665"/>
           </a:xfrm>
           <a:prstGeom prst="rect">
@@ -16010,7 +16042,11 @@
               <a:t> séparé (</a:t>
             </a:r>
             <a:r>
-              <a:rPr lang="fr-FR" sz="2400" b="1" dirty="0"/>
+              <a:rPr lang="fr-FR" sz="2400" b="1" dirty="0">
+                <a:solidFill>
+                  <a:srgbClr val="008080"/>
+                </a:solidFill>
+              </a:rPr>
               <a:t>recommandé</a:t>
             </a:r>
             <a:r>
@@ -16053,7 +16089,14 @@
             <a:pPr lvl="1"/>
             <a:r>
               <a:rPr lang="fr-FR" sz="2000" dirty="0"/>
-              <a:t>Possibilité de lier plusieurs feuilles de styles à un même fichier HTML</a:t>
+              <a:t>Possibilité de lier plusieurs feuilles de styles </a:t>
+            </a:r>
+            <a:br>
+              <a:rPr lang="fr-FR" sz="2000" dirty="0"/>
+            </a:br>
+            <a:r>
+              <a:rPr lang="fr-FR" sz="2000" dirty="0"/>
+              <a:t>à un même fichier HTML</a:t>
             </a:r>
           </a:p>
         </p:txBody>
@@ -16075,7 +16118,7 @@
           <a:p>
             <a:fld id="{1AC11C67-BE04-4C5F-B0EE-E01220C9093A}" type="datetime4">
               <a:rPr lang="fr-FR" smtClean="0"/>
-              <a:t>3 juin 2019</a:t>
+              <a:t>5 juin 2019</a:t>
             </a:fld>
             <a:endParaRPr lang="fr-FR" dirty="0"/>
           </a:p>
@@ -16162,7 +16205,7 @@
         </p:spPr>
         <p:txBody>
           <a:bodyPr vert="horz" lIns="91440" tIns="45720" rIns="91440" bIns="45720" rtlCol="0" anchor="ctr">
-            <a:normAutofit/>
+            <a:normAutofit lnSpcReduction="10000"/>
           </a:bodyPr>
           <a:lstStyle>
             <a:lvl1pPr marL="447675" indent="-447675" algn="l" defTabSz="457200" rtl="0" eaLnBrk="1" latinLnBrk="0" hangingPunct="1">
@@ -17071,8 +17114,8 @@
         </p:nvSpPr>
         <p:spPr>
           <a:xfrm>
-            <a:off x="1465938" y="4894646"/>
-            <a:ext cx="1324402" cy="369332"/>
+            <a:off x="1494791" y="4930172"/>
+            <a:ext cx="1295546" cy="338554"/>
           </a:xfrm>
           <a:prstGeom prst="rect">
             <a:avLst/>
@@ -17085,14 +17128,15 @@
           </a:bodyPr>
           <a:lstStyle/>
           <a:p>
-            <a:r>
-              <a:rPr lang="fr-FR" dirty="0" err="1">
+            <a:pPr algn="r"/>
+            <a:r>
+              <a:rPr lang="fr-FR" sz="1600" dirty="0" err="1">
                 <a:latin typeface="Source Code Pro" panose="020B0509030403020204" pitchFamily="49" charset="0"/>
                 <a:ea typeface="Source Code Pro" panose="020B0509030403020204" pitchFamily="49" charset="0"/>
               </a:rPr>
               <a:t>style.css</a:t>
             </a:r>
-            <a:endParaRPr lang="fr-FR" dirty="0"/>
+            <a:endParaRPr lang="fr-FR" sz="1600" dirty="0"/>
           </a:p>
         </p:txBody>
       </p:sp>
@@ -17110,8 +17154,8 @@
         </p:nvSpPr>
         <p:spPr>
           <a:xfrm>
-            <a:off x="6735352" y="6079328"/>
-            <a:ext cx="1704313" cy="369332"/>
+            <a:off x="6767150" y="6112698"/>
+            <a:ext cx="1665841" cy="338554"/>
           </a:xfrm>
           <a:prstGeom prst="rect">
             <a:avLst/>
@@ -17124,14 +17168,15 @@
           </a:bodyPr>
           <a:lstStyle/>
           <a:p>
-            <a:r>
-              <a:rPr lang="fr-FR" dirty="0" err="1">
+            <a:pPr algn="r"/>
+            <a:r>
+              <a:rPr lang="fr-FR" sz="1600" dirty="0" err="1">
                 <a:latin typeface="Source Code Pro" panose="020B0509030403020204" pitchFamily="49" charset="0"/>
                 <a:ea typeface="Source Code Pro" panose="020B0509030403020204" pitchFamily="49" charset="0"/>
               </a:rPr>
               <a:t>example.html</a:t>
             </a:r>
-            <a:endParaRPr lang="fr-FR" dirty="0"/>
+            <a:endParaRPr lang="fr-FR" sz="1600" dirty="0"/>
           </a:p>
         </p:txBody>
       </p:sp>
@@ -17238,7 +17283,7 @@
           <a:p>
             <a:fld id="{1AC11C67-BE04-4C5F-B0EE-E01220C9093A}" type="datetime4">
               <a:rPr lang="fr-FR" smtClean="0"/>
-              <a:t>3 juin 2019</a:t>
+              <a:t>5 juin 2019</a:t>
             </a:fld>
             <a:endParaRPr lang="fr-FR" dirty="0"/>
           </a:p>
@@ -17306,7 +17351,7 @@
         </p:nvSpPr>
         <p:spPr>
           <a:xfrm>
-            <a:off x="1968502" y="2150076"/>
+            <a:off x="1968502" y="1976544"/>
             <a:ext cx="5165124" cy="4205908"/>
           </a:xfrm>
           <a:prstGeom prst="rect">
@@ -18078,9 +18123,13 @@
             </a:r>
           </a:p>
           <a:p>
-            <a:pPr marL="752475" lvl="1" indent="-457200"/>
-            <a:r>
-              <a:rPr lang="fr-FR" sz="2000" b="1" dirty="0"/>
+            <a:pPr marL="538163" lvl="1" indent="-242888"/>
+            <a:r>
+              <a:rPr lang="fr-FR" sz="2000" b="1" dirty="0">
+                <a:solidFill>
+                  <a:srgbClr val="990000"/>
+                </a:solidFill>
+              </a:rPr>
               <a:t>à éviter autant que possible</a:t>
             </a:r>
           </a:p>
@@ -18103,7 +18152,7 @@
           <a:p>
             <a:fld id="{1AC11C67-BE04-4C5F-B0EE-E01220C9093A}" type="datetime4">
               <a:rPr lang="fr-FR" smtClean="0"/>
-              <a:t>3 juin 2019</a:t>
+              <a:t>5 juin 2019</a:t>
             </a:fld>
             <a:endParaRPr lang="fr-FR" dirty="0"/>
           </a:p>
@@ -18788,7 +18837,7 @@
           <a:p>
             <a:fld id="{BB2FA04C-1355-4CE6-8050-4BD994E23BD5}" type="datetime4">
               <a:rPr lang="fr-FR" smtClean="0"/>
-              <a:t>3 juin 2019</a:t>
+              <a:t>5 juin 2019</a:t>
             </a:fld>
             <a:endParaRPr lang="fr-FR" dirty="0"/>
           </a:p>
@@ -18957,7 +19006,7 @@
         </p:nvSpPr>
         <p:spPr>
           <a:xfrm>
-            <a:off x="1238764" y="2321239"/>
+            <a:off x="1238764" y="2174401"/>
             <a:ext cx="6666471" cy="3869495"/>
           </a:xfrm>
           <a:prstGeom prst="rect">
@@ -19942,7 +19991,7 @@
           <a:p>
             <a:fld id="{BB2FA04C-1355-4CE6-8050-4BD994E23BD5}" type="datetime4">
               <a:rPr lang="fr-FR" smtClean="0"/>
-              <a:t>3 juin 2019</a:t>
+              <a:t>5 juin 2019</a:t>
             </a:fld>
             <a:endParaRPr lang="fr-FR" dirty="0"/>
           </a:p>
@@ -20048,104 +20097,6 @@
       </p:sp>
       <p:sp>
         <p:nvSpPr>
-          <p:cNvPr id="13" name="TextBox 12">
-            <a:extLst>
-              <a:ext uri="{FF2B5EF4-FFF2-40B4-BE49-F238E27FC236}">
-                <a16:creationId xmlns:a16="http://schemas.microsoft.com/office/drawing/2014/main" id="{05F50AA7-06FE-D848-9A6A-0ED4723B64E9}"/>
-              </a:ext>
-            </a:extLst>
-          </p:cNvPr>
-          <p:cNvSpPr txBox="1"/>
-          <p:nvPr/>
-        </p:nvSpPr>
-        <p:spPr>
-          <a:xfrm>
-            <a:off x="6256727" y="4823886"/>
-            <a:ext cx="1258678" cy="307777"/>
-          </a:xfrm>
-          <a:prstGeom prst="rect">
-            <a:avLst/>
-          </a:prstGeom>
-          <a:noFill/>
-        </p:spPr>
-        <p:txBody>
-          <a:bodyPr wrap="none" rtlCol="0">
-            <a:spAutoFit/>
-          </a:bodyPr>
-          <a:lstStyle/>
-          <a:p>
-            <a:pPr algn="r"/>
-            <a:r>
-              <a:rPr lang="fr-FR" sz="1400" b="1" i="1" dirty="0" err="1">
-                <a:solidFill>
-                  <a:schemeClr val="bg1"/>
-                </a:solidFill>
-                <a:latin typeface="Source Code Pro Semibold" panose="020B0509030403020204" pitchFamily="49" charset="0"/>
-                <a:ea typeface="Source Code Pro Semibold" panose="020B0509030403020204" pitchFamily="49" charset="0"/>
-              </a:rPr>
-              <a:t>styles.css</a:t>
-            </a:r>
-            <a:endParaRPr lang="fr-FR" sz="1400" b="1" i="1" dirty="0">
-              <a:solidFill>
-                <a:schemeClr val="bg1"/>
-              </a:solidFill>
-              <a:latin typeface="Source Code Pro Semibold" panose="020B0509030403020204" pitchFamily="49" charset="0"/>
-              <a:ea typeface="Source Code Pro Semibold" panose="020B0509030403020204" pitchFamily="49" charset="0"/>
-            </a:endParaRPr>
-          </a:p>
-        </p:txBody>
-      </p:sp>
-      <p:sp>
-        <p:nvSpPr>
-          <p:cNvPr id="17" name="TextBox 16">
-            <a:extLst>
-              <a:ext uri="{FF2B5EF4-FFF2-40B4-BE49-F238E27FC236}">
-                <a16:creationId xmlns:a16="http://schemas.microsoft.com/office/drawing/2014/main" id="{D42D9908-D467-AF49-90E1-78A4E85832D1}"/>
-              </a:ext>
-            </a:extLst>
-          </p:cNvPr>
-          <p:cNvSpPr txBox="1"/>
-          <p:nvPr/>
-        </p:nvSpPr>
-        <p:spPr>
-          <a:xfrm>
-            <a:off x="6628245" y="5143726"/>
-            <a:ext cx="1258678" cy="307777"/>
-          </a:xfrm>
-          <a:prstGeom prst="rect">
-            <a:avLst/>
-          </a:prstGeom>
-          <a:noFill/>
-        </p:spPr>
-        <p:txBody>
-          <a:bodyPr wrap="none" rtlCol="0">
-            <a:spAutoFit/>
-          </a:bodyPr>
-          <a:lstStyle/>
-          <a:p>
-            <a:pPr algn="r"/>
-            <a:r>
-              <a:rPr lang="fr-FR" sz="1400" b="1" i="1" dirty="0" err="1">
-                <a:solidFill>
-                  <a:schemeClr val="bg1"/>
-                </a:solidFill>
-                <a:latin typeface="Source Code Pro Semibold" panose="020B0509030403020204" pitchFamily="49" charset="0"/>
-                <a:ea typeface="Source Code Pro Semibold" panose="020B0509030403020204" pitchFamily="49" charset="0"/>
-              </a:rPr>
-              <a:t>index.html</a:t>
-            </a:r>
-            <a:endParaRPr lang="fr-FR" sz="1400" b="1" i="1" dirty="0">
-              <a:solidFill>
-                <a:schemeClr val="bg1"/>
-              </a:solidFill>
-              <a:latin typeface="Source Code Pro Semibold" panose="020B0509030403020204" pitchFamily="49" charset="0"/>
-              <a:ea typeface="Source Code Pro Semibold" panose="020B0509030403020204" pitchFamily="49" charset="0"/>
-            </a:endParaRPr>
-          </a:p>
-        </p:txBody>
-      </p:sp>
-      <p:sp>
-        <p:nvSpPr>
           <p:cNvPr id="7" name="TextBox 6">
             <a:extLst>
               <a:ext uri="{FF2B5EF4-FFF2-40B4-BE49-F238E27FC236}">
@@ -20158,7 +20109,7 @@
         </p:nvSpPr>
         <p:spPr>
           <a:xfrm>
-            <a:off x="1876922" y="5945798"/>
+            <a:off x="1876922" y="5752240"/>
             <a:ext cx="5149890" cy="369332"/>
           </a:xfrm>
           <a:prstGeom prst="rect">
@@ -20965,8 +20916,8 @@
         </p:nvSpPr>
         <p:spPr>
           <a:xfrm>
-            <a:off x="606280" y="3434542"/>
-            <a:ext cx="295422" cy="379828"/>
+            <a:off x="606279" y="3434542"/>
+            <a:ext cx="354841" cy="379828"/>
           </a:xfrm>
           <a:prstGeom prst="mathPlus">
             <a:avLst/>
@@ -21017,7 +20968,7 @@
         </p:nvSpPr>
         <p:spPr>
           <a:xfrm>
-            <a:off x="648434" y="5814758"/>
+            <a:off x="648434" y="5621200"/>
             <a:ext cx="633046" cy="344658"/>
           </a:xfrm>
           <a:prstGeom prst="stripedRightArrow">
@@ -21069,7 +21020,7 @@
         </p:nvSpPr>
         <p:spPr>
           <a:xfrm>
-            <a:off x="1786597" y="5463566"/>
+            <a:off x="1786597" y="5270008"/>
             <a:ext cx="5932516" cy="1049215"/>
           </a:xfrm>
           <a:prstGeom prst="roundRect">
@@ -21123,7 +21074,7 @@
         </p:nvSpPr>
         <p:spPr>
           <a:xfrm>
-            <a:off x="1800665" y="5475629"/>
+            <a:off x="1800665" y="5282071"/>
             <a:ext cx="5904000" cy="295713"/>
           </a:xfrm>
           <a:prstGeom prst="roundRect">
@@ -21179,7 +21130,7 @@
         </p:nvSpPr>
         <p:spPr>
           <a:xfrm>
-            <a:off x="1835167" y="5572821"/>
+            <a:off x="1835167" y="5379263"/>
             <a:ext cx="133335" cy="133335"/>
           </a:xfrm>
           <a:prstGeom prst="ellipse">
@@ -21231,7 +21182,7 @@
         </p:nvSpPr>
         <p:spPr>
           <a:xfrm>
-            <a:off x="2017072" y="5570338"/>
+            <a:off x="2017072" y="5376780"/>
             <a:ext cx="133335" cy="133335"/>
           </a:xfrm>
           <a:prstGeom prst="ellipse">
@@ -21283,7 +21234,7 @@
         </p:nvSpPr>
         <p:spPr>
           <a:xfrm>
-            <a:off x="2204017" y="5570337"/>
+            <a:off x="2204017" y="5376779"/>
             <a:ext cx="133335" cy="133335"/>
           </a:xfrm>
           <a:prstGeom prst="ellipse">
@@ -21335,7 +21286,7 @@
         </p:nvSpPr>
         <p:spPr>
           <a:xfrm>
-            <a:off x="2489982" y="5535167"/>
+            <a:off x="2489982" y="5341609"/>
             <a:ext cx="5106572" cy="183772"/>
           </a:xfrm>
           <a:prstGeom prst="rect">
@@ -21401,7 +21352,7 @@
         </p:blipFill>
         <p:spPr>
           <a:xfrm>
-            <a:off x="2521102" y="5552887"/>
+            <a:off x="2521102" y="5359329"/>
             <a:ext cx="150785" cy="150785"/>
           </a:xfrm>
           <a:prstGeom prst="rect">
@@ -21437,7 +21388,7 @@
         </p:blipFill>
         <p:spPr>
           <a:xfrm>
-            <a:off x="7338009" y="5538791"/>
+            <a:off x="7338009" y="5345233"/>
             <a:ext cx="196426" cy="196426"/>
           </a:xfrm>
           <a:prstGeom prst="rect">

--- a/web/3-CSS/css.pptx
+++ b/web/3-CSS/css.pptx
@@ -231,7 +231,7 @@
           <a:p>
             <a:fld id="{5EB47243-285B-2741-8C7D-C88258D9CCFA}" type="datetimeFigureOut">
               <a:rPr lang="fr-FR" smtClean="0"/>
-              <a:t>05/06/2019</a:t>
+              <a:t>06/06/2019</a:t>
             </a:fld>
             <a:endParaRPr lang="fr-FR"/>
           </a:p>
@@ -297,7 +297,7 @@
           <a:p>
             <a:fld id="{C5CA9166-BC48-2C47-B9BF-6F57720E77B8}" type="slidenum">
               <a:rPr lang="fr-FR" smtClean="0"/>
-              <a:t>‹#›</a:t>
+              <a:t>‹N°›</a:t>
             </a:fld>
             <a:endParaRPr lang="fr-FR"/>
           </a:p>
@@ -397,7 +397,7 @@
           <a:p>
             <a:fld id="{7D088D39-B4EA-D24B-B9C3-6A64886EABE2}" type="datetimeFigureOut">
               <a:rPr lang="fr-FR" smtClean="0"/>
-              <a:t>05/06/2019</a:t>
+              <a:t>06/06/2019</a:t>
             </a:fld>
             <a:endParaRPr lang="fr-FR"/>
           </a:p>
@@ -555,7 +555,7 @@
           <a:p>
             <a:fld id="{1C0E2CBA-6097-B848-A7DA-4D7BD6EB303B}" type="slidenum">
               <a:rPr lang="fr-FR" smtClean="0"/>
-              <a:t>‹#›</a:t>
+              <a:t>‹N°›</a:t>
             </a:fld>
             <a:endParaRPr lang="fr-FR"/>
           </a:p>
@@ -1913,7 +1913,7 @@
           <a:p>
             <a:fld id="{BB2FA04C-1355-4CE6-8050-4BD994E23BD5}" type="datetime4">
               <a:rPr lang="fr-FR" smtClean="0"/>
-              <a:t>5 juin 2019</a:t>
+              <a:t>6 juin 2019</a:t>
             </a:fld>
             <a:endParaRPr lang="fr-FR" dirty="0"/>
           </a:p>
@@ -1991,7 +1991,7 @@
             <a:fld id="{DCE37727-CC04-7A46-938D-2CCFF056F773}" type="slidenum">
               <a:rPr lang="fr-FR" smtClean="0"/>
               <a:pPr/>
-              <a:t>‹#›</a:t>
+              <a:t>‹N°›</a:t>
             </a:fld>
             <a:endParaRPr lang="fr-FR"/>
           </a:p>
@@ -2058,7 +2058,7 @@
           <p:cNvPr id="11" name="Espace réservé du contenu 2">
             <a:extLst>
               <a:ext uri="{FF2B5EF4-FFF2-40B4-BE49-F238E27FC236}">
-                <a16:creationId xmlns:a16="http://schemas.microsoft.com/office/drawing/2014/main" id="{C310EBA0-0ADD-3240-A81F-2B58BA16143A}"/>
+                <a16:creationId xmlns="" xmlns:a16="http://schemas.microsoft.com/office/drawing/2014/main" id="{C310EBA0-0ADD-3240-A81F-2B58BA16143A}"/>
               </a:ext>
             </a:extLst>
           </p:cNvPr>
@@ -2504,7 +2504,7 @@
           <a:p>
             <a:fld id="{A81C4219-47FF-4375-968D-EABA4A212953}" type="datetime4">
               <a:rPr lang="fr-FR" smtClean="0"/>
-              <a:t>5 juin 2019</a:t>
+              <a:t>6 juin 2019</a:t>
             </a:fld>
             <a:endParaRPr lang="fr-FR" dirty="0"/>
           </a:p>
@@ -2582,7 +2582,7 @@
             <a:fld id="{DCE37727-CC04-7A46-938D-2CCFF056F773}" type="slidenum">
               <a:rPr lang="fr-FR" smtClean="0"/>
               <a:pPr/>
-              <a:t>‹#›</a:t>
+              <a:t>‹N°›</a:t>
             </a:fld>
             <a:endParaRPr lang="fr-FR"/>
           </a:p>
@@ -4340,7 +4340,7 @@
           <a:p>
             <a:fld id="{81E3CCF4-D669-4BB6-B0BE-EE495E88AE6B}" type="datetime4">
               <a:rPr lang="fr-FR" smtClean="0"/>
-              <a:t>5 juin 2019</a:t>
+              <a:t>6 juin 2019</a:t>
             </a:fld>
             <a:endParaRPr lang="fr-FR" dirty="0"/>
           </a:p>
@@ -4418,7 +4418,7 @@
             <a:fld id="{DCE37727-CC04-7A46-938D-2CCFF056F773}" type="slidenum">
               <a:rPr lang="fr-FR" smtClean="0"/>
               <a:pPr/>
-              <a:t>‹#›</a:t>
+              <a:t>‹N°›</a:t>
             </a:fld>
             <a:endParaRPr lang="fr-FR"/>
           </a:p>
@@ -5276,7 +5276,7 @@
           <a:p>
             <a:fld id="{2E52B8B1-858B-4633-AE57-5B6CA9292F2B}" type="datetime4">
               <a:rPr lang="fr-FR" smtClean="0"/>
-              <a:t>5 juin 2019</a:t>
+              <a:t>6 juin 2019</a:t>
             </a:fld>
             <a:endParaRPr lang="fr-FR" dirty="0"/>
           </a:p>
@@ -5354,7 +5354,7 @@
             <a:fld id="{DCE37727-CC04-7A46-938D-2CCFF056F773}" type="slidenum">
               <a:rPr lang="fr-FR" smtClean="0"/>
               <a:pPr/>
-              <a:t>‹#›</a:t>
+              <a:t>‹N°›</a:t>
             </a:fld>
             <a:endParaRPr lang="fr-FR"/>
           </a:p>
@@ -5861,7 +5861,7 @@
           <p:cNvPr id="2" name="Titre 1">
             <a:extLst>
               <a:ext uri="{FF2B5EF4-FFF2-40B4-BE49-F238E27FC236}">
-                <a16:creationId xmlns:a16="http://schemas.microsoft.com/office/drawing/2014/main" id="{C3AF04FB-8408-9D4D-9B6F-DF89E2C8614A}"/>
+                <a16:creationId xmlns="" xmlns:a16="http://schemas.microsoft.com/office/drawing/2014/main" id="{C3AF04FB-8408-9D4D-9B6F-DF89E2C8614A}"/>
               </a:ext>
             </a:extLst>
           </p:cNvPr>
@@ -5878,7 +5878,7 @@
           <a:lstStyle/>
           <a:p>
             <a:r>
-              <a:rPr lang="fr-FR" dirty="0"/>
+              <a:rPr lang="fr-FR" b="1" dirty="0"/>
               <a:t>Sélecteurs d’éléments</a:t>
             </a:r>
           </a:p>
@@ -5889,7 +5889,7 @@
           <p:cNvPr id="3" name="Espace réservé de la date 2">
             <a:extLst>
               <a:ext uri="{FF2B5EF4-FFF2-40B4-BE49-F238E27FC236}">
-                <a16:creationId xmlns:a16="http://schemas.microsoft.com/office/drawing/2014/main" id="{9AAE995C-F935-B843-A54A-CF3BEAB7BDAE}"/>
+                <a16:creationId xmlns="" xmlns:a16="http://schemas.microsoft.com/office/drawing/2014/main" id="{9AAE995C-F935-B843-A54A-CF3BEAB7BDAE}"/>
               </a:ext>
             </a:extLst>
           </p:cNvPr>
@@ -5907,7 +5907,7 @@
           <a:p>
             <a:fld id="{BB2FA04C-1355-4CE6-8050-4BD994E23BD5}" type="datetime4">
               <a:rPr lang="fr-FR" smtClean="0"/>
-              <a:t>5 juin 2019</a:t>
+              <a:t>6 juin 2019</a:t>
             </a:fld>
             <a:endParaRPr lang="fr-FR" dirty="0"/>
           </a:p>
@@ -5918,7 +5918,7 @@
           <p:cNvPr id="4" name="Espace réservé du pied de page 3">
             <a:extLst>
               <a:ext uri="{FF2B5EF4-FFF2-40B4-BE49-F238E27FC236}">
-                <a16:creationId xmlns:a16="http://schemas.microsoft.com/office/drawing/2014/main" id="{EF4CE9D4-9B11-C044-AE6D-F2149B414C09}"/>
+                <a16:creationId xmlns="" xmlns:a16="http://schemas.microsoft.com/office/drawing/2014/main" id="{EF4CE9D4-9B11-C044-AE6D-F2149B414C09}"/>
               </a:ext>
             </a:extLst>
           </p:cNvPr>
@@ -5946,7 +5946,7 @@
           <p:cNvPr id="5" name="Espace réservé du numéro de diapositive 4">
             <a:extLst>
               <a:ext uri="{FF2B5EF4-FFF2-40B4-BE49-F238E27FC236}">
-                <a16:creationId xmlns:a16="http://schemas.microsoft.com/office/drawing/2014/main" id="{89C15AC4-EC15-294D-8FF1-448456BE7117}"/>
+                <a16:creationId xmlns="" xmlns:a16="http://schemas.microsoft.com/office/drawing/2014/main" id="{89C15AC4-EC15-294D-8FF1-448456BE7117}"/>
               </a:ext>
             </a:extLst>
           </p:cNvPr>
@@ -5976,7 +5976,7 @@
           <p:cNvPr id="6" name="Espace réservé du contenu 5">
             <a:extLst>
               <a:ext uri="{FF2B5EF4-FFF2-40B4-BE49-F238E27FC236}">
-                <a16:creationId xmlns:a16="http://schemas.microsoft.com/office/drawing/2014/main" id="{9391EA08-ADD6-F94E-A0EA-AB9C39E61E57}"/>
+                <a16:creationId xmlns="" xmlns:a16="http://schemas.microsoft.com/office/drawing/2014/main" id="{9391EA08-ADD6-F94E-A0EA-AB9C39E61E57}"/>
               </a:ext>
             </a:extLst>
           </p:cNvPr>
@@ -6141,7 +6141,7 @@
           <p:cNvPr id="7" name="Content Placeholder 2">
             <a:extLst>
               <a:ext uri="{FF2B5EF4-FFF2-40B4-BE49-F238E27FC236}">
-                <a16:creationId xmlns:a16="http://schemas.microsoft.com/office/drawing/2014/main" id="{572DE085-D13E-E746-ABE6-6EDACC4C4F07}"/>
+                <a16:creationId xmlns="" xmlns:a16="http://schemas.microsoft.com/office/drawing/2014/main" id="{572DE085-D13E-E746-ABE6-6EDACC4C4F07}"/>
               </a:ext>
             </a:extLst>
           </p:cNvPr>
@@ -6442,7 +6442,7 @@
           <p:cNvPr id="10" name="Content Placeholder 2">
             <a:extLst>
               <a:ext uri="{FF2B5EF4-FFF2-40B4-BE49-F238E27FC236}">
-                <a16:creationId xmlns:a16="http://schemas.microsoft.com/office/drawing/2014/main" id="{20BDA743-453C-D04E-A61B-DB4041B24873}"/>
+                <a16:creationId xmlns="" xmlns:a16="http://schemas.microsoft.com/office/drawing/2014/main" id="{20BDA743-453C-D04E-A61B-DB4041B24873}"/>
               </a:ext>
             </a:extLst>
           </p:cNvPr>
@@ -6743,7 +6743,7 @@
           <p:cNvPr id="11" name="Content Placeholder 2">
             <a:extLst>
               <a:ext uri="{FF2B5EF4-FFF2-40B4-BE49-F238E27FC236}">
-                <a16:creationId xmlns:a16="http://schemas.microsoft.com/office/drawing/2014/main" id="{4C1712D7-4BFD-9948-88AA-4CC62B199E9E}"/>
+                <a16:creationId xmlns="" xmlns:a16="http://schemas.microsoft.com/office/drawing/2014/main" id="{4C1712D7-4BFD-9948-88AA-4CC62B199E9E}"/>
               </a:ext>
             </a:extLst>
           </p:cNvPr>
@@ -7044,7 +7044,7 @@
           <p:cNvPr id="12" name="Content Placeholder 2">
             <a:extLst>
               <a:ext uri="{FF2B5EF4-FFF2-40B4-BE49-F238E27FC236}">
-                <a16:creationId xmlns:a16="http://schemas.microsoft.com/office/drawing/2014/main" id="{080D5F04-98EE-8D42-8F2D-37F92BE7C9EE}"/>
+                <a16:creationId xmlns="" xmlns:a16="http://schemas.microsoft.com/office/drawing/2014/main" id="{080D5F04-98EE-8D42-8F2D-37F92BE7C9EE}"/>
               </a:ext>
             </a:extLst>
           </p:cNvPr>
@@ -7375,7 +7375,7 @@
           <p:cNvPr id="2" name="Titre 1">
             <a:extLst>
               <a:ext uri="{FF2B5EF4-FFF2-40B4-BE49-F238E27FC236}">
-                <a16:creationId xmlns:a16="http://schemas.microsoft.com/office/drawing/2014/main" id="{693CCB8C-B28C-C947-918B-80C0A530049C}"/>
+                <a16:creationId xmlns="" xmlns:a16="http://schemas.microsoft.com/office/drawing/2014/main" id="{693CCB8C-B28C-C947-918B-80C0A530049C}"/>
               </a:ext>
             </a:extLst>
           </p:cNvPr>
@@ -7392,7 +7392,7 @@
           <a:lstStyle/>
           <a:p>
             <a:r>
-              <a:rPr lang="fr-FR" dirty="0"/>
+              <a:rPr lang="fr-FR" b="1" dirty="0"/>
               <a:t>Sélecteur de classe</a:t>
             </a:r>
           </a:p>
@@ -7403,7 +7403,7 @@
           <p:cNvPr id="3" name="Espace réservé de la date 2">
             <a:extLst>
               <a:ext uri="{FF2B5EF4-FFF2-40B4-BE49-F238E27FC236}">
-                <a16:creationId xmlns:a16="http://schemas.microsoft.com/office/drawing/2014/main" id="{A8AFED78-0C80-9F41-9A6C-C99094CB91A9}"/>
+                <a16:creationId xmlns="" xmlns:a16="http://schemas.microsoft.com/office/drawing/2014/main" id="{A8AFED78-0C80-9F41-9A6C-C99094CB91A9}"/>
               </a:ext>
             </a:extLst>
           </p:cNvPr>
@@ -7421,7 +7421,7 @@
           <a:p>
             <a:fld id="{BB2FA04C-1355-4CE6-8050-4BD994E23BD5}" type="datetime4">
               <a:rPr lang="fr-FR" smtClean="0"/>
-              <a:t>5 juin 2019</a:t>
+              <a:t>6 juin 2019</a:t>
             </a:fld>
             <a:endParaRPr lang="fr-FR" dirty="0"/>
           </a:p>
@@ -7432,7 +7432,7 @@
           <p:cNvPr id="4" name="Espace réservé du pied de page 3">
             <a:extLst>
               <a:ext uri="{FF2B5EF4-FFF2-40B4-BE49-F238E27FC236}">
-                <a16:creationId xmlns:a16="http://schemas.microsoft.com/office/drawing/2014/main" id="{ABED245A-0AD1-BE42-897A-E8A901675D43}"/>
+                <a16:creationId xmlns="" xmlns:a16="http://schemas.microsoft.com/office/drawing/2014/main" id="{ABED245A-0AD1-BE42-897A-E8A901675D43}"/>
               </a:ext>
             </a:extLst>
           </p:cNvPr>
@@ -7460,7 +7460,7 @@
           <p:cNvPr id="5" name="Espace réservé du numéro de diapositive 4">
             <a:extLst>
               <a:ext uri="{FF2B5EF4-FFF2-40B4-BE49-F238E27FC236}">
-                <a16:creationId xmlns:a16="http://schemas.microsoft.com/office/drawing/2014/main" id="{32584258-25F4-5F45-B880-D4DF846C7488}"/>
+                <a16:creationId xmlns="" xmlns:a16="http://schemas.microsoft.com/office/drawing/2014/main" id="{32584258-25F4-5F45-B880-D4DF846C7488}"/>
               </a:ext>
             </a:extLst>
           </p:cNvPr>
@@ -7490,7 +7490,7 @@
           <p:cNvPr id="6" name="Espace réservé du contenu 5">
             <a:extLst>
               <a:ext uri="{FF2B5EF4-FFF2-40B4-BE49-F238E27FC236}">
-                <a16:creationId xmlns:a16="http://schemas.microsoft.com/office/drawing/2014/main" id="{28C686FB-D53D-5343-96C0-FD3799EBACC9}"/>
+                <a16:creationId xmlns="" xmlns:a16="http://schemas.microsoft.com/office/drawing/2014/main" id="{28C686FB-D53D-5343-96C0-FD3799EBACC9}"/>
               </a:ext>
             </a:extLst>
           </p:cNvPr>
@@ -7585,7 +7585,7 @@
           <p:cNvPr id="7" name="Content Placeholder 2">
             <a:extLst>
               <a:ext uri="{FF2B5EF4-FFF2-40B4-BE49-F238E27FC236}">
-                <a16:creationId xmlns:a16="http://schemas.microsoft.com/office/drawing/2014/main" id="{52846071-AAB0-B04A-AD2B-C38095ED47FC}"/>
+                <a16:creationId xmlns="" xmlns:a16="http://schemas.microsoft.com/office/drawing/2014/main" id="{52846071-AAB0-B04A-AD2B-C38095ED47FC}"/>
               </a:ext>
             </a:extLst>
           </p:cNvPr>
@@ -7951,7 +7951,7 @@
           <p:cNvPr id="8" name="Content Placeholder 2">
             <a:extLst>
               <a:ext uri="{FF2B5EF4-FFF2-40B4-BE49-F238E27FC236}">
-                <a16:creationId xmlns:a16="http://schemas.microsoft.com/office/drawing/2014/main" id="{20D21177-2E74-7E44-B89A-2C0D6A2F9A97}"/>
+                <a16:creationId xmlns="" xmlns:a16="http://schemas.microsoft.com/office/drawing/2014/main" id="{20D21177-2E74-7E44-B89A-2C0D6A2F9A97}"/>
               </a:ext>
             </a:extLst>
           </p:cNvPr>
@@ -8256,7 +8256,7 @@
           <p:cNvPr id="12" name="Graphique 11" descr="Avertissement">
             <a:extLst>
               <a:ext uri="{FF2B5EF4-FFF2-40B4-BE49-F238E27FC236}">
-                <a16:creationId xmlns:a16="http://schemas.microsoft.com/office/drawing/2014/main" id="{0BC9223C-027F-D343-8FE6-890A2A77E6BA}"/>
+                <a16:creationId xmlns="" xmlns:a16="http://schemas.microsoft.com/office/drawing/2014/main" id="{0BC9223C-027F-D343-8FE6-890A2A77E6BA}"/>
               </a:ext>
             </a:extLst>
           </p:cNvPr>
@@ -8269,7 +8269,7 @@
           <a:blip r:embed="rId3">
             <a:extLst>
               <a:ext uri="{96DAC541-7B7A-43D3-8B79-37D633B846F1}">
-                <asvg:svgBlip xmlns:asvg="http://schemas.microsoft.com/office/drawing/2016/SVG/main" r:embed="rId4"/>
+                <asvg:svgBlip xmlns="" xmlns:asvg="http://schemas.microsoft.com/office/drawing/2016/SVG/main" r:embed="rId4"/>
               </a:ext>
             </a:extLst>
           </a:blip>
@@ -8322,7 +8322,7 @@
           <p:cNvPr id="2" name="Titre 1">
             <a:extLst>
               <a:ext uri="{FF2B5EF4-FFF2-40B4-BE49-F238E27FC236}">
-                <a16:creationId xmlns:a16="http://schemas.microsoft.com/office/drawing/2014/main" id="{AAF6BF8F-1C0A-6648-BB5C-FF2D204628C7}"/>
+                <a16:creationId xmlns="" xmlns:a16="http://schemas.microsoft.com/office/drawing/2014/main" id="{AAF6BF8F-1C0A-6648-BB5C-FF2D204628C7}"/>
               </a:ext>
             </a:extLst>
           </p:cNvPr>
@@ -8339,7 +8339,7 @@
           <a:lstStyle/>
           <a:p>
             <a:r>
-              <a:rPr lang="fr-FR" dirty="0"/>
+              <a:rPr lang="fr-FR" b="1" dirty="0"/>
               <a:t>Pseudo classes</a:t>
             </a:r>
           </a:p>
@@ -8350,7 +8350,7 @@
           <p:cNvPr id="3" name="Espace réservé de la date 2">
             <a:extLst>
               <a:ext uri="{FF2B5EF4-FFF2-40B4-BE49-F238E27FC236}">
-                <a16:creationId xmlns:a16="http://schemas.microsoft.com/office/drawing/2014/main" id="{E886F580-4B83-4A40-9E8A-2D186DCA3CC5}"/>
+                <a16:creationId xmlns="" xmlns:a16="http://schemas.microsoft.com/office/drawing/2014/main" id="{E886F580-4B83-4A40-9E8A-2D186DCA3CC5}"/>
               </a:ext>
             </a:extLst>
           </p:cNvPr>
@@ -8368,7 +8368,7 @@
           <a:p>
             <a:fld id="{BB2FA04C-1355-4CE6-8050-4BD994E23BD5}" type="datetime4">
               <a:rPr lang="fr-FR" smtClean="0"/>
-              <a:t>5 juin 2019</a:t>
+              <a:t>6 juin 2019</a:t>
             </a:fld>
             <a:endParaRPr lang="fr-FR" dirty="0"/>
           </a:p>
@@ -8379,7 +8379,7 @@
           <p:cNvPr id="4" name="Espace réservé du pied de page 3">
             <a:extLst>
               <a:ext uri="{FF2B5EF4-FFF2-40B4-BE49-F238E27FC236}">
-                <a16:creationId xmlns:a16="http://schemas.microsoft.com/office/drawing/2014/main" id="{75F40588-2712-1B41-9DA9-66C81B6ADE9B}"/>
+                <a16:creationId xmlns="" xmlns:a16="http://schemas.microsoft.com/office/drawing/2014/main" id="{75F40588-2712-1B41-9DA9-66C81B6ADE9B}"/>
               </a:ext>
             </a:extLst>
           </p:cNvPr>
@@ -8407,7 +8407,7 @@
           <p:cNvPr id="5" name="Espace réservé du numéro de diapositive 4">
             <a:extLst>
               <a:ext uri="{FF2B5EF4-FFF2-40B4-BE49-F238E27FC236}">
-                <a16:creationId xmlns:a16="http://schemas.microsoft.com/office/drawing/2014/main" id="{E025222F-3E77-4443-866D-037475DA3222}"/>
+                <a16:creationId xmlns="" xmlns:a16="http://schemas.microsoft.com/office/drawing/2014/main" id="{E025222F-3E77-4443-866D-037475DA3222}"/>
               </a:ext>
             </a:extLst>
           </p:cNvPr>
@@ -8437,7 +8437,7 @@
           <p:cNvPr id="6" name="Espace réservé du contenu 5">
             <a:extLst>
               <a:ext uri="{FF2B5EF4-FFF2-40B4-BE49-F238E27FC236}">
-                <a16:creationId xmlns:a16="http://schemas.microsoft.com/office/drawing/2014/main" id="{E3E3F21A-2F82-654D-A5DB-4C26F77A2994}"/>
+                <a16:creationId xmlns="" xmlns:a16="http://schemas.microsoft.com/office/drawing/2014/main" id="{E3E3F21A-2F82-654D-A5DB-4C26F77A2994}"/>
               </a:ext>
             </a:extLst>
           </p:cNvPr>
@@ -8508,7 +8508,7 @@
           <p:cNvPr id="8" name="Content Placeholder 2">
             <a:extLst>
               <a:ext uri="{FF2B5EF4-FFF2-40B4-BE49-F238E27FC236}">
-                <a16:creationId xmlns:a16="http://schemas.microsoft.com/office/drawing/2014/main" id="{4E251C71-B845-3745-95A0-621856B0FFCE}"/>
+                <a16:creationId xmlns="" xmlns:a16="http://schemas.microsoft.com/office/drawing/2014/main" id="{4E251C71-B845-3745-95A0-621856B0FFCE}"/>
               </a:ext>
             </a:extLst>
           </p:cNvPr>
@@ -9283,7 +9283,7 @@
           <p:cNvPr id="2" name="Titre 1">
             <a:extLst>
               <a:ext uri="{FF2B5EF4-FFF2-40B4-BE49-F238E27FC236}">
-                <a16:creationId xmlns:a16="http://schemas.microsoft.com/office/drawing/2014/main" id="{693CCB8C-B28C-C947-918B-80C0A530049C}"/>
+                <a16:creationId xmlns="" xmlns:a16="http://schemas.microsoft.com/office/drawing/2014/main" id="{693CCB8C-B28C-C947-918B-80C0A530049C}"/>
               </a:ext>
             </a:extLst>
           </p:cNvPr>
@@ -9300,7 +9300,7 @@
           <a:lstStyle/>
           <a:p>
             <a:r>
-              <a:rPr lang="fr-FR" dirty="0"/>
+              <a:rPr lang="fr-FR" b="1" dirty="0"/>
               <a:t>Sélecteur d’identificateur</a:t>
             </a:r>
           </a:p>
@@ -9311,7 +9311,7 @@
           <p:cNvPr id="3" name="Espace réservé de la date 2">
             <a:extLst>
               <a:ext uri="{FF2B5EF4-FFF2-40B4-BE49-F238E27FC236}">
-                <a16:creationId xmlns:a16="http://schemas.microsoft.com/office/drawing/2014/main" id="{A8AFED78-0C80-9F41-9A6C-C99094CB91A9}"/>
+                <a16:creationId xmlns="" xmlns:a16="http://schemas.microsoft.com/office/drawing/2014/main" id="{A8AFED78-0C80-9F41-9A6C-C99094CB91A9}"/>
               </a:ext>
             </a:extLst>
           </p:cNvPr>
@@ -9329,7 +9329,7 @@
           <a:p>
             <a:fld id="{BB2FA04C-1355-4CE6-8050-4BD994E23BD5}" type="datetime4">
               <a:rPr lang="fr-FR" smtClean="0"/>
-              <a:t>5 juin 2019</a:t>
+              <a:t>6 juin 2019</a:t>
             </a:fld>
             <a:endParaRPr lang="fr-FR" dirty="0"/>
           </a:p>
@@ -9340,7 +9340,7 @@
           <p:cNvPr id="4" name="Espace réservé du pied de page 3">
             <a:extLst>
               <a:ext uri="{FF2B5EF4-FFF2-40B4-BE49-F238E27FC236}">
-                <a16:creationId xmlns:a16="http://schemas.microsoft.com/office/drawing/2014/main" id="{ABED245A-0AD1-BE42-897A-E8A901675D43}"/>
+                <a16:creationId xmlns="" xmlns:a16="http://schemas.microsoft.com/office/drawing/2014/main" id="{ABED245A-0AD1-BE42-897A-E8A901675D43}"/>
               </a:ext>
             </a:extLst>
           </p:cNvPr>
@@ -9368,7 +9368,7 @@
           <p:cNvPr id="5" name="Espace réservé du numéro de diapositive 4">
             <a:extLst>
               <a:ext uri="{FF2B5EF4-FFF2-40B4-BE49-F238E27FC236}">
-                <a16:creationId xmlns:a16="http://schemas.microsoft.com/office/drawing/2014/main" id="{32584258-25F4-5F45-B880-D4DF846C7488}"/>
+                <a16:creationId xmlns="" xmlns:a16="http://schemas.microsoft.com/office/drawing/2014/main" id="{32584258-25F4-5F45-B880-D4DF846C7488}"/>
               </a:ext>
             </a:extLst>
           </p:cNvPr>
@@ -9398,7 +9398,7 @@
           <p:cNvPr id="6" name="Espace réservé du contenu 5">
             <a:extLst>
               <a:ext uri="{FF2B5EF4-FFF2-40B4-BE49-F238E27FC236}">
-                <a16:creationId xmlns:a16="http://schemas.microsoft.com/office/drawing/2014/main" id="{28C686FB-D53D-5343-96C0-FD3799EBACC9}"/>
+                <a16:creationId xmlns="" xmlns:a16="http://schemas.microsoft.com/office/drawing/2014/main" id="{28C686FB-D53D-5343-96C0-FD3799EBACC9}"/>
               </a:ext>
             </a:extLst>
           </p:cNvPr>
@@ -9488,7 +9488,7 @@
           <p:cNvPr id="7" name="Content Placeholder 2">
             <a:extLst>
               <a:ext uri="{FF2B5EF4-FFF2-40B4-BE49-F238E27FC236}">
-                <a16:creationId xmlns:a16="http://schemas.microsoft.com/office/drawing/2014/main" id="{52846071-AAB0-B04A-AD2B-C38095ED47FC}"/>
+                <a16:creationId xmlns="" xmlns:a16="http://schemas.microsoft.com/office/drawing/2014/main" id="{52846071-AAB0-B04A-AD2B-C38095ED47FC}"/>
               </a:ext>
             </a:extLst>
           </p:cNvPr>
@@ -9767,7 +9767,7 @@
           <p:cNvPr id="8" name="Content Placeholder 2">
             <a:extLst>
               <a:ext uri="{FF2B5EF4-FFF2-40B4-BE49-F238E27FC236}">
-                <a16:creationId xmlns:a16="http://schemas.microsoft.com/office/drawing/2014/main" id="{20D21177-2E74-7E44-B89A-2C0D6A2F9A97}"/>
+                <a16:creationId xmlns="" xmlns:a16="http://schemas.microsoft.com/office/drawing/2014/main" id="{20D21177-2E74-7E44-B89A-2C0D6A2F9A97}"/>
               </a:ext>
             </a:extLst>
           </p:cNvPr>
@@ -10082,7 +10082,7 @@
           <p:cNvPr id="12" name="Graphique 11" descr="Avertissement">
             <a:extLst>
               <a:ext uri="{FF2B5EF4-FFF2-40B4-BE49-F238E27FC236}">
-                <a16:creationId xmlns:a16="http://schemas.microsoft.com/office/drawing/2014/main" id="{0BC9223C-027F-D343-8FE6-890A2A77E6BA}"/>
+                <a16:creationId xmlns="" xmlns:a16="http://schemas.microsoft.com/office/drawing/2014/main" id="{0BC9223C-027F-D343-8FE6-890A2A77E6BA}"/>
               </a:ext>
             </a:extLst>
           </p:cNvPr>
@@ -10095,7 +10095,7 @@
           <a:blip r:embed="rId3">
             <a:extLst>
               <a:ext uri="{96DAC541-7B7A-43D3-8B79-37D633B846F1}">
-                <asvg:svgBlip xmlns:asvg="http://schemas.microsoft.com/office/drawing/2016/SVG/main" r:embed="rId4"/>
+                <asvg:svgBlip xmlns="" xmlns:asvg="http://schemas.microsoft.com/office/drawing/2016/SVG/main" r:embed="rId4"/>
               </a:ext>
             </a:extLst>
           </a:blip>
@@ -10148,7 +10148,7 @@
           <p:cNvPr id="2" name="Title 1">
             <a:extLst>
               <a:ext uri="{FF2B5EF4-FFF2-40B4-BE49-F238E27FC236}">
-                <a16:creationId xmlns:a16="http://schemas.microsoft.com/office/drawing/2014/main" id="{3D781D41-FD24-2A4C-A8D0-86EB5557FD04}"/>
+                <a16:creationId xmlns="" xmlns:a16="http://schemas.microsoft.com/office/drawing/2014/main" id="{3D781D41-FD24-2A4C-A8D0-86EB5557FD04}"/>
               </a:ext>
             </a:extLst>
           </p:cNvPr>
@@ -10165,7 +10165,7 @@
           <a:lstStyle/>
           <a:p>
             <a:r>
-              <a:rPr lang="fr-FR" dirty="0"/>
+              <a:rPr lang="fr-FR" b="1" dirty="0"/>
               <a:t>Cascade et priorités</a:t>
             </a:r>
           </a:p>
@@ -10176,7 +10176,7 @@
           <p:cNvPr id="4" name="Date Placeholder 3">
             <a:extLst>
               <a:ext uri="{FF2B5EF4-FFF2-40B4-BE49-F238E27FC236}">
-                <a16:creationId xmlns:a16="http://schemas.microsoft.com/office/drawing/2014/main" id="{420C55B6-3956-EB44-90B6-D4EB4D98C4FE}"/>
+                <a16:creationId xmlns="" xmlns:a16="http://schemas.microsoft.com/office/drawing/2014/main" id="{420C55B6-3956-EB44-90B6-D4EB4D98C4FE}"/>
               </a:ext>
             </a:extLst>
           </p:cNvPr>
@@ -10194,7 +10194,7 @@
           <a:p>
             <a:fld id="{BB2FA04C-1355-4CE6-8050-4BD994E23BD5}" type="datetime4">
               <a:rPr lang="fr-FR" smtClean="0"/>
-              <a:t>5 juin 2019</a:t>
+              <a:t>6 juin 2019</a:t>
             </a:fld>
             <a:endParaRPr lang="fr-FR" dirty="0"/>
           </a:p>
@@ -10205,7 +10205,7 @@
           <p:cNvPr id="5" name="Footer Placeholder 4">
             <a:extLst>
               <a:ext uri="{FF2B5EF4-FFF2-40B4-BE49-F238E27FC236}">
-                <a16:creationId xmlns:a16="http://schemas.microsoft.com/office/drawing/2014/main" id="{FB56D601-127F-104C-A384-EF5CEAAACB54}"/>
+                <a16:creationId xmlns="" xmlns:a16="http://schemas.microsoft.com/office/drawing/2014/main" id="{FB56D601-127F-104C-A384-EF5CEAAACB54}"/>
               </a:ext>
             </a:extLst>
           </p:cNvPr>
@@ -10233,7 +10233,7 @@
           <p:cNvPr id="6" name="Slide Number Placeholder 5">
             <a:extLst>
               <a:ext uri="{FF2B5EF4-FFF2-40B4-BE49-F238E27FC236}">
-                <a16:creationId xmlns:a16="http://schemas.microsoft.com/office/drawing/2014/main" id="{D22605A9-962F-7843-908C-8E40FDB95761}"/>
+                <a16:creationId xmlns="" xmlns:a16="http://schemas.microsoft.com/office/drawing/2014/main" id="{D22605A9-962F-7843-908C-8E40FDB95761}"/>
               </a:ext>
             </a:extLst>
           </p:cNvPr>
@@ -10263,7 +10263,7 @@
           <p:cNvPr id="7" name="Espace réservé du contenu 6">
             <a:extLst>
               <a:ext uri="{FF2B5EF4-FFF2-40B4-BE49-F238E27FC236}">
-                <a16:creationId xmlns:a16="http://schemas.microsoft.com/office/drawing/2014/main" id="{6DC640B6-42CC-FF48-8225-1EB65FC431F9}"/>
+                <a16:creationId xmlns="" xmlns:a16="http://schemas.microsoft.com/office/drawing/2014/main" id="{6DC640B6-42CC-FF48-8225-1EB65FC431F9}"/>
               </a:ext>
             </a:extLst>
           </p:cNvPr>
@@ -10360,7 +10360,7 @@
           <p:cNvPr id="11" name="TextBox 10">
             <a:extLst>
               <a:ext uri="{FF2B5EF4-FFF2-40B4-BE49-F238E27FC236}">
-                <a16:creationId xmlns:a16="http://schemas.microsoft.com/office/drawing/2014/main" id="{E26C1C2E-2242-6341-AAE2-7601707E27C7}"/>
+                <a16:creationId xmlns="" xmlns:a16="http://schemas.microsoft.com/office/drawing/2014/main" id="{E26C1C2E-2242-6341-AAE2-7601707E27C7}"/>
               </a:ext>
             </a:extLst>
           </p:cNvPr>
@@ -10409,7 +10409,7 @@
           <p:cNvPr id="13" name="Content Placeholder 2">
             <a:extLst>
               <a:ext uri="{FF2B5EF4-FFF2-40B4-BE49-F238E27FC236}">
-                <a16:creationId xmlns:a16="http://schemas.microsoft.com/office/drawing/2014/main" id="{6BF32D48-B375-0D44-9294-A95674B5359D}"/>
+                <a16:creationId xmlns="" xmlns:a16="http://schemas.microsoft.com/office/drawing/2014/main" id="{6BF32D48-B375-0D44-9294-A95674B5359D}"/>
               </a:ext>
             </a:extLst>
           </p:cNvPr>
@@ -10912,7 +10912,7 @@
           <p:cNvPr id="16" name="Content Placeholder 2">
             <a:extLst>
               <a:ext uri="{FF2B5EF4-FFF2-40B4-BE49-F238E27FC236}">
-                <a16:creationId xmlns:a16="http://schemas.microsoft.com/office/drawing/2014/main" id="{396DF387-90D7-D646-8AB3-3603D076AB45}"/>
+                <a16:creationId xmlns="" xmlns:a16="http://schemas.microsoft.com/office/drawing/2014/main" id="{396DF387-90D7-D646-8AB3-3603D076AB45}"/>
               </a:ext>
             </a:extLst>
           </p:cNvPr>
@@ -10942,7 +10942,7 @@
         </p:spPr>
         <p:txBody>
           <a:bodyPr vert="horz" lIns="91440" tIns="45720" rIns="91440" bIns="45720" rtlCol="0" anchor="ctr">
-            <a:normAutofit lnSpcReduction="10000"/>
+            <a:normAutofit fontScale="92500" lnSpcReduction="10000"/>
           </a:bodyPr>
           <a:lstStyle>
             <a:lvl1pPr marL="447675" indent="-447675" algn="l" defTabSz="457200" rtl="0" eaLnBrk="1" latinLnBrk="0" hangingPunct="1">
@@ -11201,7 +11201,7 @@
           <p:cNvPr id="20" name="Flèche droite rayée 19">
             <a:extLst>
               <a:ext uri="{FF2B5EF4-FFF2-40B4-BE49-F238E27FC236}">
-                <a16:creationId xmlns:a16="http://schemas.microsoft.com/office/drawing/2014/main" id="{F61641B7-3026-9348-BCBF-3182C1877534}"/>
+                <a16:creationId xmlns="" xmlns:a16="http://schemas.microsoft.com/office/drawing/2014/main" id="{F61641B7-3026-9348-BCBF-3182C1877534}"/>
               </a:ext>
             </a:extLst>
           </p:cNvPr>
@@ -11253,7 +11253,7 @@
           <p:cNvPr id="9" name="Groupe 8">
             <a:extLst>
               <a:ext uri="{FF2B5EF4-FFF2-40B4-BE49-F238E27FC236}">
-                <a16:creationId xmlns:a16="http://schemas.microsoft.com/office/drawing/2014/main" id="{ABE04A00-2BD6-FA41-892C-9FD5AB9CB833}"/>
+                <a16:creationId xmlns="" xmlns:a16="http://schemas.microsoft.com/office/drawing/2014/main" id="{ABE04A00-2BD6-FA41-892C-9FD5AB9CB833}"/>
               </a:ext>
             </a:extLst>
           </p:cNvPr>
@@ -11273,7 +11273,7 @@
             <p:cNvPr id="18" name="TextBox 16">
               <a:extLst>
                 <a:ext uri="{FF2B5EF4-FFF2-40B4-BE49-F238E27FC236}">
-                  <a16:creationId xmlns:a16="http://schemas.microsoft.com/office/drawing/2014/main" id="{595BF695-E72B-FE4C-9B8A-FDD64763EE11}"/>
+                  <a16:creationId xmlns="" xmlns:a16="http://schemas.microsoft.com/office/drawing/2014/main" id="{595BF695-E72B-FE4C-9B8A-FDD64763EE11}"/>
                 </a:ext>
               </a:extLst>
             </p:cNvPr>
@@ -11322,7 +11322,7 @@
             <p:cNvPr id="19" name="TextBox 6">
               <a:extLst>
                 <a:ext uri="{FF2B5EF4-FFF2-40B4-BE49-F238E27FC236}">
-                  <a16:creationId xmlns:a16="http://schemas.microsoft.com/office/drawing/2014/main" id="{DE561DF7-7202-AB4F-A8A4-D6856B08BFC9}"/>
+                  <a16:creationId xmlns="" xmlns:a16="http://schemas.microsoft.com/office/drawing/2014/main" id="{DE561DF7-7202-AB4F-A8A4-D6856B08BFC9}"/>
                 </a:ext>
               </a:extLst>
             </p:cNvPr>
@@ -11367,7 +11367,7 @@
             <p:cNvPr id="21" name="Rectangle : coins arrondis 20">
               <a:extLst>
                 <a:ext uri="{FF2B5EF4-FFF2-40B4-BE49-F238E27FC236}">
-                  <a16:creationId xmlns:a16="http://schemas.microsoft.com/office/drawing/2014/main" id="{404A649F-5039-D344-B8B0-9051828E9644}"/>
+                  <a16:creationId xmlns="" xmlns:a16="http://schemas.microsoft.com/office/drawing/2014/main" id="{404A649F-5039-D344-B8B0-9051828E9644}"/>
                 </a:ext>
               </a:extLst>
             </p:cNvPr>
@@ -11421,7 +11421,7 @@
             <p:cNvPr id="22" name="Rectangle : coins arrondis 21">
               <a:extLst>
                 <a:ext uri="{FF2B5EF4-FFF2-40B4-BE49-F238E27FC236}">
-                  <a16:creationId xmlns:a16="http://schemas.microsoft.com/office/drawing/2014/main" id="{6FD256F0-17B8-C242-9027-C6A9A92F2A4F}"/>
+                  <a16:creationId xmlns="" xmlns:a16="http://schemas.microsoft.com/office/drawing/2014/main" id="{6FD256F0-17B8-C242-9027-C6A9A92F2A4F}"/>
                 </a:ext>
               </a:extLst>
             </p:cNvPr>
@@ -11477,7 +11477,7 @@
             <p:cNvPr id="23" name="Ellipse 22">
               <a:extLst>
                 <a:ext uri="{FF2B5EF4-FFF2-40B4-BE49-F238E27FC236}">
-                  <a16:creationId xmlns:a16="http://schemas.microsoft.com/office/drawing/2014/main" id="{EF735648-0012-B94B-809B-A571431CACC4}"/>
+                  <a16:creationId xmlns="" xmlns:a16="http://schemas.microsoft.com/office/drawing/2014/main" id="{EF735648-0012-B94B-809B-A571431CACC4}"/>
                 </a:ext>
               </a:extLst>
             </p:cNvPr>
@@ -11529,7 +11529,7 @@
             <p:cNvPr id="24" name="Ellipse 23">
               <a:extLst>
                 <a:ext uri="{FF2B5EF4-FFF2-40B4-BE49-F238E27FC236}">
-                  <a16:creationId xmlns:a16="http://schemas.microsoft.com/office/drawing/2014/main" id="{AD90B05A-1839-A442-8729-11444EF260C1}"/>
+                  <a16:creationId xmlns="" xmlns:a16="http://schemas.microsoft.com/office/drawing/2014/main" id="{AD90B05A-1839-A442-8729-11444EF260C1}"/>
                 </a:ext>
               </a:extLst>
             </p:cNvPr>
@@ -11581,7 +11581,7 @@
             <p:cNvPr id="25" name="Ellipse 24">
               <a:extLst>
                 <a:ext uri="{FF2B5EF4-FFF2-40B4-BE49-F238E27FC236}">
-                  <a16:creationId xmlns:a16="http://schemas.microsoft.com/office/drawing/2014/main" id="{A789492A-B64D-834A-AD06-E9BF988337AA}"/>
+                  <a16:creationId xmlns="" xmlns:a16="http://schemas.microsoft.com/office/drawing/2014/main" id="{A789492A-B64D-834A-AD06-E9BF988337AA}"/>
                 </a:ext>
               </a:extLst>
             </p:cNvPr>
@@ -11633,7 +11633,7 @@
             <p:cNvPr id="26" name="Rectangle 25">
               <a:extLst>
                 <a:ext uri="{FF2B5EF4-FFF2-40B4-BE49-F238E27FC236}">
-                  <a16:creationId xmlns:a16="http://schemas.microsoft.com/office/drawing/2014/main" id="{E2CB2214-1C90-654A-9A27-4A2801DDA6FB}"/>
+                  <a16:creationId xmlns="" xmlns:a16="http://schemas.microsoft.com/office/drawing/2014/main" id="{E2CB2214-1C90-654A-9A27-4A2801DDA6FB}"/>
                 </a:ext>
               </a:extLst>
             </p:cNvPr>
@@ -11685,7 +11685,7 @@
             <p:cNvPr id="27" name="Graphique 26" descr="Loupe">
               <a:extLst>
                 <a:ext uri="{FF2B5EF4-FFF2-40B4-BE49-F238E27FC236}">
-                  <a16:creationId xmlns:a16="http://schemas.microsoft.com/office/drawing/2014/main" id="{FACAF2D0-56DC-E24C-A06A-57E8ADAF2DD1}"/>
+                  <a16:creationId xmlns="" xmlns:a16="http://schemas.microsoft.com/office/drawing/2014/main" id="{FACAF2D0-56DC-E24C-A06A-57E8ADAF2DD1}"/>
                 </a:ext>
               </a:extLst>
             </p:cNvPr>
@@ -11698,7 +11698,7 @@
             <a:blip r:embed="rId2">
               <a:extLst>
                 <a:ext uri="{96DAC541-7B7A-43D3-8B79-37D633B846F1}">
-                  <asvg:svgBlip xmlns:asvg="http://schemas.microsoft.com/office/drawing/2016/SVG/main" r:embed="rId3"/>
+                  <asvg:svgBlip xmlns="" xmlns:asvg="http://schemas.microsoft.com/office/drawing/2016/SVG/main" r:embed="rId3"/>
                 </a:ext>
               </a:extLst>
             </a:blip>
@@ -11721,7 +11721,7 @@
             <p:cNvPr id="28" name="Graphique 27" descr="Répéter">
               <a:extLst>
                 <a:ext uri="{FF2B5EF4-FFF2-40B4-BE49-F238E27FC236}">
-                  <a16:creationId xmlns:a16="http://schemas.microsoft.com/office/drawing/2014/main" id="{216D99D3-9B12-C842-8EB6-C6B63887B6CB}"/>
+                  <a16:creationId xmlns="" xmlns:a16="http://schemas.microsoft.com/office/drawing/2014/main" id="{216D99D3-9B12-C842-8EB6-C6B63887B6CB}"/>
                 </a:ext>
               </a:extLst>
             </p:cNvPr>
@@ -11734,7 +11734,7 @@
             <a:blip r:embed="rId4">
               <a:extLst>
                 <a:ext uri="{96DAC541-7B7A-43D3-8B79-37D633B846F1}">
-                  <asvg:svgBlip xmlns:asvg="http://schemas.microsoft.com/office/drawing/2016/SVG/main" r:embed="rId5"/>
+                  <asvg:svgBlip xmlns="" xmlns:asvg="http://schemas.microsoft.com/office/drawing/2016/SVG/main" r:embed="rId5"/>
                 </a:ext>
               </a:extLst>
             </a:blip>
@@ -11758,7 +11758,7 @@
           <p:cNvPr id="29" name="Plus 28">
             <a:extLst>
               <a:ext uri="{FF2B5EF4-FFF2-40B4-BE49-F238E27FC236}">
-                <a16:creationId xmlns:a16="http://schemas.microsoft.com/office/drawing/2014/main" id="{DBD67185-79A6-0B43-9E37-E1E388444649}"/>
+                <a16:creationId xmlns="" xmlns:a16="http://schemas.microsoft.com/office/drawing/2014/main" id="{DBD67185-79A6-0B43-9E37-E1E388444649}"/>
               </a:ext>
             </a:extLst>
           </p:cNvPr>
@@ -11840,7 +11840,7 @@
           <p:cNvPr id="9" name="Content Placeholder 8">
             <a:extLst>
               <a:ext uri="{FF2B5EF4-FFF2-40B4-BE49-F238E27FC236}">
-                <a16:creationId xmlns:a16="http://schemas.microsoft.com/office/drawing/2014/main" id="{7171008C-33D2-564A-9A5C-DE60B3631B53}"/>
+                <a16:creationId xmlns="" xmlns:a16="http://schemas.microsoft.com/office/drawing/2014/main" id="{7171008C-33D2-564A-9A5C-DE60B3631B53}"/>
               </a:ext>
             </a:extLst>
           </p:cNvPr>
@@ -12078,7 +12078,7 @@
           <p:cNvPr id="2" name="Title 1">
             <a:extLst>
               <a:ext uri="{FF2B5EF4-FFF2-40B4-BE49-F238E27FC236}">
-                <a16:creationId xmlns:a16="http://schemas.microsoft.com/office/drawing/2014/main" id="{292E5049-3D68-0B4C-8368-A3F7326DA3F3}"/>
+                <a16:creationId xmlns="" xmlns:a16="http://schemas.microsoft.com/office/drawing/2014/main" id="{292E5049-3D68-0B4C-8368-A3F7326DA3F3}"/>
               </a:ext>
             </a:extLst>
           </p:cNvPr>
@@ -12097,7 +12097,7 @@
           <a:lstStyle/>
           <a:p>
             <a:r>
-              <a:rPr lang="fr-FR" dirty="0"/>
+              <a:rPr lang="fr-FR" b="1" dirty="0"/>
               <a:t>Pagination : Modèle de boîtes</a:t>
             </a:r>
           </a:p>
@@ -12108,7 +12108,7 @@
           <p:cNvPr id="4" name="Date Placeholder 3">
             <a:extLst>
               <a:ext uri="{FF2B5EF4-FFF2-40B4-BE49-F238E27FC236}">
-                <a16:creationId xmlns:a16="http://schemas.microsoft.com/office/drawing/2014/main" id="{22A32B8D-BBE5-8C4E-9272-18FBB16939DF}"/>
+                <a16:creationId xmlns="" xmlns:a16="http://schemas.microsoft.com/office/drawing/2014/main" id="{22A32B8D-BBE5-8C4E-9272-18FBB16939DF}"/>
               </a:ext>
             </a:extLst>
           </p:cNvPr>
@@ -12126,7 +12126,7 @@
           <a:p>
             <a:fld id="{BB2FA04C-1355-4CE6-8050-4BD994E23BD5}" type="datetime4">
               <a:rPr lang="fr-FR" smtClean="0"/>
-              <a:t>5 juin 2019</a:t>
+              <a:t>6 juin 2019</a:t>
             </a:fld>
             <a:endParaRPr lang="fr-FR" dirty="0"/>
           </a:p>
@@ -12137,7 +12137,7 @@
           <p:cNvPr id="5" name="Footer Placeholder 4">
             <a:extLst>
               <a:ext uri="{FF2B5EF4-FFF2-40B4-BE49-F238E27FC236}">
-                <a16:creationId xmlns:a16="http://schemas.microsoft.com/office/drawing/2014/main" id="{83E54689-6744-D64C-AE5A-D5DF86385EA0}"/>
+                <a16:creationId xmlns="" xmlns:a16="http://schemas.microsoft.com/office/drawing/2014/main" id="{83E54689-6744-D64C-AE5A-D5DF86385EA0}"/>
               </a:ext>
             </a:extLst>
           </p:cNvPr>
@@ -12165,7 +12165,7 @@
           <p:cNvPr id="6" name="Slide Number Placeholder 5">
             <a:extLst>
               <a:ext uri="{FF2B5EF4-FFF2-40B4-BE49-F238E27FC236}">
-                <a16:creationId xmlns:a16="http://schemas.microsoft.com/office/drawing/2014/main" id="{EDC98D25-B28C-A949-9B74-5E32FB637545}"/>
+                <a16:creationId xmlns="" xmlns:a16="http://schemas.microsoft.com/office/drawing/2014/main" id="{EDC98D25-B28C-A949-9B74-5E32FB637545}"/>
               </a:ext>
             </a:extLst>
           </p:cNvPr>
@@ -12195,7 +12195,7 @@
           <p:cNvPr id="13" name="Rectangle 12">
             <a:extLst>
               <a:ext uri="{FF2B5EF4-FFF2-40B4-BE49-F238E27FC236}">
-                <a16:creationId xmlns:a16="http://schemas.microsoft.com/office/drawing/2014/main" id="{8E91D0EA-1410-614D-B508-C3507AD713B7}"/>
+                <a16:creationId xmlns="" xmlns:a16="http://schemas.microsoft.com/office/drawing/2014/main" id="{8E91D0EA-1410-614D-B508-C3507AD713B7}"/>
               </a:ext>
             </a:extLst>
           </p:cNvPr>
@@ -12250,7 +12250,7 @@
           <p:cNvPr id="14" name="Rectangle 13">
             <a:extLst>
               <a:ext uri="{FF2B5EF4-FFF2-40B4-BE49-F238E27FC236}">
-                <a16:creationId xmlns:a16="http://schemas.microsoft.com/office/drawing/2014/main" id="{AF6E6C00-99E6-194F-8254-D9BFE175F4D6}"/>
+                <a16:creationId xmlns="" xmlns:a16="http://schemas.microsoft.com/office/drawing/2014/main" id="{AF6E6C00-99E6-194F-8254-D9BFE175F4D6}"/>
               </a:ext>
             </a:extLst>
           </p:cNvPr>
@@ -12305,7 +12305,7 @@
           <p:cNvPr id="15" name="Rectangle 14">
             <a:extLst>
               <a:ext uri="{FF2B5EF4-FFF2-40B4-BE49-F238E27FC236}">
-                <a16:creationId xmlns:a16="http://schemas.microsoft.com/office/drawing/2014/main" id="{BD1C3F94-4B3F-D047-ADDF-DA3B0D295DB3}"/>
+                <a16:creationId xmlns="" xmlns:a16="http://schemas.microsoft.com/office/drawing/2014/main" id="{BD1C3F94-4B3F-D047-ADDF-DA3B0D295DB3}"/>
               </a:ext>
             </a:extLst>
           </p:cNvPr>
@@ -12360,7 +12360,7 @@
           <p:cNvPr id="16" name="TextBox 15">
             <a:extLst>
               <a:ext uri="{FF2B5EF4-FFF2-40B4-BE49-F238E27FC236}">
-                <a16:creationId xmlns:a16="http://schemas.microsoft.com/office/drawing/2014/main" id="{008AB252-CA57-8F4B-B7C6-14EB14613F70}"/>
+                <a16:creationId xmlns="" xmlns:a16="http://schemas.microsoft.com/office/drawing/2014/main" id="{008AB252-CA57-8F4B-B7C6-14EB14613F70}"/>
               </a:ext>
             </a:extLst>
           </p:cNvPr>
@@ -12402,7 +12402,7 @@
           <p:cNvPr id="17" name="TextBox 16">
             <a:extLst>
               <a:ext uri="{FF2B5EF4-FFF2-40B4-BE49-F238E27FC236}">
-                <a16:creationId xmlns:a16="http://schemas.microsoft.com/office/drawing/2014/main" id="{33B4B34C-BF08-2C43-8CCA-42996617454F}"/>
+                <a16:creationId xmlns="" xmlns:a16="http://schemas.microsoft.com/office/drawing/2014/main" id="{33B4B34C-BF08-2C43-8CCA-42996617454F}"/>
               </a:ext>
             </a:extLst>
           </p:cNvPr>
@@ -12440,7 +12440,7 @@
           <p:cNvPr id="18" name="Rectangle 17">
             <a:extLst>
               <a:ext uri="{FF2B5EF4-FFF2-40B4-BE49-F238E27FC236}">
-                <a16:creationId xmlns:a16="http://schemas.microsoft.com/office/drawing/2014/main" id="{FC888A80-A134-5646-A68C-8471F6229DE8}"/>
+                <a16:creationId xmlns="" xmlns:a16="http://schemas.microsoft.com/office/drawing/2014/main" id="{FC888A80-A134-5646-A68C-8471F6229DE8}"/>
               </a:ext>
             </a:extLst>
           </p:cNvPr>
@@ -12495,7 +12495,7 @@
           <p:cNvPr id="20" name="Straight Arrow Connector 19">
             <a:extLst>
               <a:ext uri="{FF2B5EF4-FFF2-40B4-BE49-F238E27FC236}">
-                <a16:creationId xmlns:a16="http://schemas.microsoft.com/office/drawing/2014/main" id="{409E42EF-D661-CC4A-9D12-49B94A7E09B7}"/>
+                <a16:creationId xmlns="" xmlns:a16="http://schemas.microsoft.com/office/drawing/2014/main" id="{409E42EF-D661-CC4A-9D12-49B94A7E09B7}"/>
               </a:ext>
             </a:extLst>
           </p:cNvPr>
@@ -12537,7 +12537,7 @@
           <p:cNvPr id="22" name="Straight Arrow Connector 21">
             <a:extLst>
               <a:ext uri="{FF2B5EF4-FFF2-40B4-BE49-F238E27FC236}">
-                <a16:creationId xmlns:a16="http://schemas.microsoft.com/office/drawing/2014/main" id="{2B2617B8-5CA1-224F-B3F6-5184E8D2A2DA}"/>
+                <a16:creationId xmlns="" xmlns:a16="http://schemas.microsoft.com/office/drawing/2014/main" id="{2B2617B8-5CA1-224F-B3F6-5184E8D2A2DA}"/>
               </a:ext>
             </a:extLst>
           </p:cNvPr>
@@ -12579,7 +12579,7 @@
           <p:cNvPr id="24" name="TextBox 23">
             <a:extLst>
               <a:ext uri="{FF2B5EF4-FFF2-40B4-BE49-F238E27FC236}">
-                <a16:creationId xmlns:a16="http://schemas.microsoft.com/office/drawing/2014/main" id="{D32DB8BF-560B-064F-9A52-8EDA227ED628}"/>
+                <a16:creationId xmlns="" xmlns:a16="http://schemas.microsoft.com/office/drawing/2014/main" id="{D32DB8BF-560B-064F-9A52-8EDA227ED628}"/>
               </a:ext>
             </a:extLst>
           </p:cNvPr>
@@ -12621,7 +12621,7 @@
           <p:cNvPr id="25" name="TextBox 24">
             <a:extLst>
               <a:ext uri="{FF2B5EF4-FFF2-40B4-BE49-F238E27FC236}">
-                <a16:creationId xmlns:a16="http://schemas.microsoft.com/office/drawing/2014/main" id="{87BADBD4-E805-1A4A-8716-63F8BF6582AC}"/>
+                <a16:creationId xmlns="" xmlns:a16="http://schemas.microsoft.com/office/drawing/2014/main" id="{87BADBD4-E805-1A4A-8716-63F8BF6582AC}"/>
               </a:ext>
             </a:extLst>
           </p:cNvPr>
@@ -12663,7 +12663,7 @@
           <p:cNvPr id="26" name="TextBox 25">
             <a:extLst>
               <a:ext uri="{FF2B5EF4-FFF2-40B4-BE49-F238E27FC236}">
-                <a16:creationId xmlns:a16="http://schemas.microsoft.com/office/drawing/2014/main" id="{C08E9D00-AEF1-394E-BABA-2D57190D6F9B}"/>
+                <a16:creationId xmlns="" xmlns:a16="http://schemas.microsoft.com/office/drawing/2014/main" id="{C08E9D00-AEF1-394E-BABA-2D57190D6F9B}"/>
               </a:ext>
             </a:extLst>
           </p:cNvPr>
@@ -12705,7 +12705,7 @@
           <p:cNvPr id="28" name="TextBox 27">
             <a:extLst>
               <a:ext uri="{FF2B5EF4-FFF2-40B4-BE49-F238E27FC236}">
-                <a16:creationId xmlns:a16="http://schemas.microsoft.com/office/drawing/2014/main" id="{7EFDA3C8-F281-5046-B611-74135653AE08}"/>
+                <a16:creationId xmlns="" xmlns:a16="http://schemas.microsoft.com/office/drawing/2014/main" id="{7EFDA3C8-F281-5046-B611-74135653AE08}"/>
               </a:ext>
             </a:extLst>
           </p:cNvPr>
@@ -12775,7 +12775,7 @@
           <p:cNvPr id="2" name="Titre 1">
             <a:extLst>
               <a:ext uri="{FF2B5EF4-FFF2-40B4-BE49-F238E27FC236}">
-                <a16:creationId xmlns:a16="http://schemas.microsoft.com/office/drawing/2014/main" id="{E01D1BDB-9CCB-324A-9F50-8BB6508F3668}"/>
+                <a16:creationId xmlns="" xmlns:a16="http://schemas.microsoft.com/office/drawing/2014/main" id="{E01D1BDB-9CCB-324A-9F50-8BB6508F3668}"/>
               </a:ext>
             </a:extLst>
           </p:cNvPr>
@@ -12792,11 +12792,11 @@
           <a:lstStyle/>
           <a:p>
             <a:r>
-              <a:rPr lang="fr-FR" dirty="0"/>
+              <a:rPr lang="fr-FR" b="1" dirty="0"/>
               <a:t>Boîte </a:t>
             </a:r>
             <a:r>
-              <a:rPr lang="fr-FR" i="1" dirty="0"/>
+              <a:rPr lang="fr-FR" b="1" i="1" dirty="0"/>
               <a:t>block</a:t>
             </a:r>
           </a:p>
@@ -12807,7 +12807,7 @@
           <p:cNvPr id="3" name="Espace réservé de la date 2">
             <a:extLst>
               <a:ext uri="{FF2B5EF4-FFF2-40B4-BE49-F238E27FC236}">
-                <a16:creationId xmlns:a16="http://schemas.microsoft.com/office/drawing/2014/main" id="{AA9B1C76-EEB5-F04D-B29C-46E94431E47C}"/>
+                <a16:creationId xmlns="" xmlns:a16="http://schemas.microsoft.com/office/drawing/2014/main" id="{AA9B1C76-EEB5-F04D-B29C-46E94431E47C}"/>
               </a:ext>
             </a:extLst>
           </p:cNvPr>
@@ -12825,7 +12825,7 @@
           <a:p>
             <a:fld id="{BB2FA04C-1355-4CE6-8050-4BD994E23BD5}" type="datetime4">
               <a:rPr lang="fr-FR" smtClean="0"/>
-              <a:t>5 juin 2019</a:t>
+              <a:t>6 juin 2019</a:t>
             </a:fld>
             <a:endParaRPr lang="fr-FR" dirty="0"/>
           </a:p>
@@ -12836,7 +12836,7 @@
           <p:cNvPr id="4" name="Espace réservé du pied de page 3">
             <a:extLst>
               <a:ext uri="{FF2B5EF4-FFF2-40B4-BE49-F238E27FC236}">
-                <a16:creationId xmlns:a16="http://schemas.microsoft.com/office/drawing/2014/main" id="{395E64A5-7038-9440-B8CC-9A5F9C608F0C}"/>
+                <a16:creationId xmlns="" xmlns:a16="http://schemas.microsoft.com/office/drawing/2014/main" id="{395E64A5-7038-9440-B8CC-9A5F9C608F0C}"/>
               </a:ext>
             </a:extLst>
           </p:cNvPr>
@@ -12864,7 +12864,7 @@
           <p:cNvPr id="5" name="Espace réservé du numéro de diapositive 4">
             <a:extLst>
               <a:ext uri="{FF2B5EF4-FFF2-40B4-BE49-F238E27FC236}">
-                <a16:creationId xmlns:a16="http://schemas.microsoft.com/office/drawing/2014/main" id="{FE49C59A-DE19-5743-B6A8-1A8187D562EA}"/>
+                <a16:creationId xmlns="" xmlns:a16="http://schemas.microsoft.com/office/drawing/2014/main" id="{FE49C59A-DE19-5743-B6A8-1A8187D562EA}"/>
               </a:ext>
             </a:extLst>
           </p:cNvPr>
@@ -12894,7 +12894,7 @@
           <p:cNvPr id="6" name="Espace réservé du contenu 5">
             <a:extLst>
               <a:ext uri="{FF2B5EF4-FFF2-40B4-BE49-F238E27FC236}">
-                <a16:creationId xmlns:a16="http://schemas.microsoft.com/office/drawing/2014/main" id="{C222AB4F-84D7-5349-860B-CC53A3B512AE}"/>
+                <a16:creationId xmlns="" xmlns:a16="http://schemas.microsoft.com/office/drawing/2014/main" id="{C222AB4F-84D7-5349-860B-CC53A3B512AE}"/>
               </a:ext>
             </a:extLst>
           </p:cNvPr>
@@ -13055,7 +13055,7 @@
           <p:cNvPr id="8" name="Image 7">
             <a:extLst>
               <a:ext uri="{FF2B5EF4-FFF2-40B4-BE49-F238E27FC236}">
-                <a16:creationId xmlns:a16="http://schemas.microsoft.com/office/drawing/2014/main" id="{AF3D9743-9FB9-A840-92D5-53A95D1A4285}"/>
+                <a16:creationId xmlns="" xmlns:a16="http://schemas.microsoft.com/office/drawing/2014/main" id="{AF3D9743-9FB9-A840-92D5-53A95D1A4285}"/>
               </a:ext>
             </a:extLst>
           </p:cNvPr>
@@ -13114,7 +13114,7 @@
           <p:cNvPr id="2" name="Titre 1">
             <a:extLst>
               <a:ext uri="{FF2B5EF4-FFF2-40B4-BE49-F238E27FC236}">
-                <a16:creationId xmlns:a16="http://schemas.microsoft.com/office/drawing/2014/main" id="{E01D1BDB-9CCB-324A-9F50-8BB6508F3668}"/>
+                <a16:creationId xmlns="" xmlns:a16="http://schemas.microsoft.com/office/drawing/2014/main" id="{E01D1BDB-9CCB-324A-9F50-8BB6508F3668}"/>
               </a:ext>
             </a:extLst>
           </p:cNvPr>
@@ -13131,14 +13131,14 @@
           <a:lstStyle/>
           <a:p>
             <a:r>
-              <a:rPr lang="fr-FR" dirty="0"/>
+              <a:rPr lang="fr-FR" b="1" dirty="0"/>
               <a:t>Boîte </a:t>
             </a:r>
             <a:r>
-              <a:rPr lang="fr-FR" i="1" dirty="0" err="1"/>
+              <a:rPr lang="fr-FR" b="1" i="1" dirty="0" err="1"/>
               <a:t>inline</a:t>
             </a:r>
-            <a:endParaRPr lang="fr-FR" i="1" dirty="0"/>
+            <a:endParaRPr lang="fr-FR" b="1" i="1" dirty="0"/>
           </a:p>
         </p:txBody>
       </p:sp>
@@ -13147,7 +13147,7 @@
           <p:cNvPr id="3" name="Espace réservé de la date 2">
             <a:extLst>
               <a:ext uri="{FF2B5EF4-FFF2-40B4-BE49-F238E27FC236}">
-                <a16:creationId xmlns:a16="http://schemas.microsoft.com/office/drawing/2014/main" id="{AA9B1C76-EEB5-F04D-B29C-46E94431E47C}"/>
+                <a16:creationId xmlns="" xmlns:a16="http://schemas.microsoft.com/office/drawing/2014/main" id="{AA9B1C76-EEB5-F04D-B29C-46E94431E47C}"/>
               </a:ext>
             </a:extLst>
           </p:cNvPr>
@@ -13165,7 +13165,7 @@
           <a:p>
             <a:fld id="{BB2FA04C-1355-4CE6-8050-4BD994E23BD5}" type="datetime4">
               <a:rPr lang="fr-FR" smtClean="0"/>
-              <a:t>5 juin 2019</a:t>
+              <a:t>6 juin 2019</a:t>
             </a:fld>
             <a:endParaRPr lang="fr-FR" dirty="0"/>
           </a:p>
@@ -13176,7 +13176,7 @@
           <p:cNvPr id="4" name="Espace réservé du pied de page 3">
             <a:extLst>
               <a:ext uri="{FF2B5EF4-FFF2-40B4-BE49-F238E27FC236}">
-                <a16:creationId xmlns:a16="http://schemas.microsoft.com/office/drawing/2014/main" id="{395E64A5-7038-9440-B8CC-9A5F9C608F0C}"/>
+                <a16:creationId xmlns="" xmlns:a16="http://schemas.microsoft.com/office/drawing/2014/main" id="{395E64A5-7038-9440-B8CC-9A5F9C608F0C}"/>
               </a:ext>
             </a:extLst>
           </p:cNvPr>
@@ -13204,7 +13204,7 @@
           <p:cNvPr id="5" name="Espace réservé du numéro de diapositive 4">
             <a:extLst>
               <a:ext uri="{FF2B5EF4-FFF2-40B4-BE49-F238E27FC236}">
-                <a16:creationId xmlns:a16="http://schemas.microsoft.com/office/drawing/2014/main" id="{FE49C59A-DE19-5743-B6A8-1A8187D562EA}"/>
+                <a16:creationId xmlns="" xmlns:a16="http://schemas.microsoft.com/office/drawing/2014/main" id="{FE49C59A-DE19-5743-B6A8-1A8187D562EA}"/>
               </a:ext>
             </a:extLst>
           </p:cNvPr>
@@ -13234,7 +13234,7 @@
           <p:cNvPr id="6" name="Espace réservé du contenu 5">
             <a:extLst>
               <a:ext uri="{FF2B5EF4-FFF2-40B4-BE49-F238E27FC236}">
-                <a16:creationId xmlns:a16="http://schemas.microsoft.com/office/drawing/2014/main" id="{C222AB4F-84D7-5349-860B-CC53A3B512AE}"/>
+                <a16:creationId xmlns="" xmlns:a16="http://schemas.microsoft.com/office/drawing/2014/main" id="{C222AB4F-84D7-5349-860B-CC53A3B512AE}"/>
               </a:ext>
             </a:extLst>
           </p:cNvPr>
@@ -13449,7 +13449,7 @@
           <p:cNvPr id="7" name="Image 6">
             <a:extLst>
               <a:ext uri="{FF2B5EF4-FFF2-40B4-BE49-F238E27FC236}">
-                <a16:creationId xmlns:a16="http://schemas.microsoft.com/office/drawing/2014/main" id="{D29F687E-830E-E340-B8F5-3BC0A1523B78}"/>
+                <a16:creationId xmlns="" xmlns:a16="http://schemas.microsoft.com/office/drawing/2014/main" id="{D29F687E-830E-E340-B8F5-3BC0A1523B78}"/>
               </a:ext>
             </a:extLst>
           </p:cNvPr>
@@ -13509,7 +13509,7 @@
           <p:cNvPr id="2" name="Titre 1">
             <a:extLst>
               <a:ext uri="{FF2B5EF4-FFF2-40B4-BE49-F238E27FC236}">
-                <a16:creationId xmlns:a16="http://schemas.microsoft.com/office/drawing/2014/main" id="{28A11F93-43D2-B249-8473-DDB3C25D8A3E}"/>
+                <a16:creationId xmlns="" xmlns:a16="http://schemas.microsoft.com/office/drawing/2014/main" id="{28A11F93-43D2-B249-8473-DDB3C25D8A3E}"/>
               </a:ext>
             </a:extLst>
           </p:cNvPr>
@@ -13526,15 +13526,15 @@
           <a:lstStyle/>
           <a:p>
             <a:r>
-              <a:rPr lang="fr-FR" dirty="0"/>
+              <a:rPr lang="fr-FR" b="1" dirty="0"/>
               <a:t>Boîte </a:t>
             </a:r>
             <a:r>
-              <a:rPr lang="fr-FR" dirty="0" err="1"/>
+              <a:rPr lang="fr-FR" b="1" dirty="0" err="1"/>
               <a:t>inline</a:t>
             </a:r>
             <a:r>
-              <a:rPr lang="fr-FR" dirty="0"/>
+              <a:rPr lang="fr-FR" b="1" dirty="0"/>
               <a:t>-block</a:t>
             </a:r>
           </a:p>
@@ -13545,7 +13545,7 @@
           <p:cNvPr id="3" name="Espace réservé de la date 2">
             <a:extLst>
               <a:ext uri="{FF2B5EF4-FFF2-40B4-BE49-F238E27FC236}">
-                <a16:creationId xmlns:a16="http://schemas.microsoft.com/office/drawing/2014/main" id="{72E02210-0E9F-3A41-B1C3-2383232B8F0C}"/>
+                <a16:creationId xmlns="" xmlns:a16="http://schemas.microsoft.com/office/drawing/2014/main" id="{72E02210-0E9F-3A41-B1C3-2383232B8F0C}"/>
               </a:ext>
             </a:extLst>
           </p:cNvPr>
@@ -13563,7 +13563,7 @@
           <a:p>
             <a:fld id="{BB2FA04C-1355-4CE6-8050-4BD994E23BD5}" type="datetime4">
               <a:rPr lang="fr-FR" smtClean="0"/>
-              <a:t>5 juin 2019</a:t>
+              <a:t>6 juin 2019</a:t>
             </a:fld>
             <a:endParaRPr lang="fr-FR" dirty="0"/>
           </a:p>
@@ -13574,7 +13574,7 @@
           <p:cNvPr id="4" name="Espace réservé du pied de page 3">
             <a:extLst>
               <a:ext uri="{FF2B5EF4-FFF2-40B4-BE49-F238E27FC236}">
-                <a16:creationId xmlns:a16="http://schemas.microsoft.com/office/drawing/2014/main" id="{8005E26B-55F4-3643-B123-6021AB1186DD}"/>
+                <a16:creationId xmlns="" xmlns:a16="http://schemas.microsoft.com/office/drawing/2014/main" id="{8005E26B-55F4-3643-B123-6021AB1186DD}"/>
               </a:ext>
             </a:extLst>
           </p:cNvPr>
@@ -13602,7 +13602,7 @@
           <p:cNvPr id="5" name="Espace réservé du numéro de diapositive 4">
             <a:extLst>
               <a:ext uri="{FF2B5EF4-FFF2-40B4-BE49-F238E27FC236}">
-                <a16:creationId xmlns:a16="http://schemas.microsoft.com/office/drawing/2014/main" id="{46EB57A9-90BD-EC4C-AE49-722BC5988F19}"/>
+                <a16:creationId xmlns="" xmlns:a16="http://schemas.microsoft.com/office/drawing/2014/main" id="{46EB57A9-90BD-EC4C-AE49-722BC5988F19}"/>
               </a:ext>
             </a:extLst>
           </p:cNvPr>
@@ -13632,7 +13632,7 @@
           <p:cNvPr id="6" name="Espace réservé du contenu 5">
             <a:extLst>
               <a:ext uri="{FF2B5EF4-FFF2-40B4-BE49-F238E27FC236}">
-                <a16:creationId xmlns:a16="http://schemas.microsoft.com/office/drawing/2014/main" id="{2E0B6639-1FBA-9C40-8C26-1F40C7F9CE72}"/>
+                <a16:creationId xmlns="" xmlns:a16="http://schemas.microsoft.com/office/drawing/2014/main" id="{2E0B6639-1FBA-9C40-8C26-1F40C7F9CE72}"/>
               </a:ext>
             </a:extLst>
           </p:cNvPr>
@@ -13764,7 +13764,7 @@
           <p:cNvPr id="7" name="Image 6">
             <a:extLst>
               <a:ext uri="{FF2B5EF4-FFF2-40B4-BE49-F238E27FC236}">
-                <a16:creationId xmlns:a16="http://schemas.microsoft.com/office/drawing/2014/main" id="{8120C3B8-D915-0841-A665-0DD03CD7948A}"/>
+                <a16:creationId xmlns="" xmlns:a16="http://schemas.microsoft.com/office/drawing/2014/main" id="{8120C3B8-D915-0841-A665-0DD03CD7948A}"/>
               </a:ext>
             </a:extLst>
           </p:cNvPr>
@@ -13824,7 +13824,7 @@
           <p:cNvPr id="2" name="Titre 1">
             <a:extLst>
               <a:ext uri="{FF2B5EF4-FFF2-40B4-BE49-F238E27FC236}">
-                <a16:creationId xmlns:a16="http://schemas.microsoft.com/office/drawing/2014/main" id="{08F09A9B-3867-A743-B279-32E29EC76597}"/>
+                <a16:creationId xmlns="" xmlns:a16="http://schemas.microsoft.com/office/drawing/2014/main" id="{08F09A9B-3867-A743-B279-32E29EC76597}"/>
               </a:ext>
             </a:extLst>
           </p:cNvPr>
@@ -13841,7 +13841,7 @@
           <a:lstStyle/>
           <a:p>
             <a:r>
-              <a:rPr lang="fr-FR" dirty="0"/>
+              <a:rPr lang="fr-FR" b="1" dirty="0"/>
               <a:t>Unités de mesure</a:t>
             </a:r>
           </a:p>
@@ -13852,7 +13852,7 @@
           <p:cNvPr id="3" name="Espace réservé de la date 2">
             <a:extLst>
               <a:ext uri="{FF2B5EF4-FFF2-40B4-BE49-F238E27FC236}">
-                <a16:creationId xmlns:a16="http://schemas.microsoft.com/office/drawing/2014/main" id="{19460B09-ADC6-8B43-9432-B0B08EAAEBC4}"/>
+                <a16:creationId xmlns="" xmlns:a16="http://schemas.microsoft.com/office/drawing/2014/main" id="{19460B09-ADC6-8B43-9432-B0B08EAAEBC4}"/>
               </a:ext>
             </a:extLst>
           </p:cNvPr>
@@ -13870,7 +13870,7 @@
           <a:p>
             <a:fld id="{BB2FA04C-1355-4CE6-8050-4BD994E23BD5}" type="datetime4">
               <a:rPr lang="fr-FR" smtClean="0"/>
-              <a:t>5 juin 2019</a:t>
+              <a:t>6 juin 2019</a:t>
             </a:fld>
             <a:endParaRPr lang="fr-FR" dirty="0"/>
           </a:p>
@@ -13881,7 +13881,7 @@
           <p:cNvPr id="4" name="Espace réservé du pied de page 3">
             <a:extLst>
               <a:ext uri="{FF2B5EF4-FFF2-40B4-BE49-F238E27FC236}">
-                <a16:creationId xmlns:a16="http://schemas.microsoft.com/office/drawing/2014/main" id="{63006305-65C6-D44C-9213-8C733E156352}"/>
+                <a16:creationId xmlns="" xmlns:a16="http://schemas.microsoft.com/office/drawing/2014/main" id="{63006305-65C6-D44C-9213-8C733E156352}"/>
               </a:ext>
             </a:extLst>
           </p:cNvPr>
@@ -13909,7 +13909,7 @@
           <p:cNvPr id="5" name="Espace réservé du numéro de diapositive 4">
             <a:extLst>
               <a:ext uri="{FF2B5EF4-FFF2-40B4-BE49-F238E27FC236}">
-                <a16:creationId xmlns:a16="http://schemas.microsoft.com/office/drawing/2014/main" id="{3CB088AA-6A3C-CC4F-913C-1FF59BB31DCF}"/>
+                <a16:creationId xmlns="" xmlns:a16="http://schemas.microsoft.com/office/drawing/2014/main" id="{3CB088AA-6A3C-CC4F-913C-1FF59BB31DCF}"/>
               </a:ext>
             </a:extLst>
           </p:cNvPr>
@@ -13939,7 +13939,7 @@
           <p:cNvPr id="6" name="Espace réservé du contenu 5">
             <a:extLst>
               <a:ext uri="{FF2B5EF4-FFF2-40B4-BE49-F238E27FC236}">
-                <a16:creationId xmlns:a16="http://schemas.microsoft.com/office/drawing/2014/main" id="{D897DCF9-70C5-4840-A6FF-1CB7B5F9D836}"/>
+                <a16:creationId xmlns="" xmlns:a16="http://schemas.microsoft.com/office/drawing/2014/main" id="{D897DCF9-70C5-4840-A6FF-1CB7B5F9D836}"/>
               </a:ext>
             </a:extLst>
           </p:cNvPr>
@@ -14257,7 +14257,7 @@
           <a:lstStyle/>
           <a:p>
             <a:r>
-              <a:rPr lang="fr-FR" dirty="0"/>
+              <a:rPr lang="fr-FR" b="1" dirty="0"/>
               <a:t>Outil des développeurs </a:t>
             </a:r>
           </a:p>
@@ -14280,7 +14280,7 @@
           <a:p>
             <a:fld id="{BB2FA04C-1355-4CE6-8050-4BD994E23BD5}" type="datetime4">
               <a:rPr lang="fr-FR" smtClean="0"/>
-              <a:t>5 juin 2019</a:t>
+              <a:t>6 juin 2019</a:t>
             </a:fld>
             <a:endParaRPr lang="fr-FR" dirty="0"/>
           </a:p>
@@ -14337,7 +14337,7 @@
           <p:cNvPr id="8" name="Picture 7">
             <a:extLst>
               <a:ext uri="{FF2B5EF4-FFF2-40B4-BE49-F238E27FC236}">
-                <a16:creationId xmlns:a16="http://schemas.microsoft.com/office/drawing/2014/main" id="{D0FBC761-7416-AE43-BE36-517D120AE3A8}"/>
+                <a16:creationId xmlns="" xmlns:a16="http://schemas.microsoft.com/office/drawing/2014/main" id="{D0FBC761-7416-AE43-BE36-517D120AE3A8}"/>
               </a:ext>
             </a:extLst>
           </p:cNvPr>
@@ -14371,7 +14371,7 @@
           <p:cNvPr id="9" name="Rectangle 8">
             <a:extLst>
               <a:ext uri="{FF2B5EF4-FFF2-40B4-BE49-F238E27FC236}">
-                <a16:creationId xmlns:a16="http://schemas.microsoft.com/office/drawing/2014/main" id="{968B666C-5F06-B14B-943C-216D5B93860D}"/>
+                <a16:creationId xmlns="" xmlns:a16="http://schemas.microsoft.com/office/drawing/2014/main" id="{968B666C-5F06-B14B-943C-216D5B93860D}"/>
               </a:ext>
             </a:extLst>
           </p:cNvPr>
@@ -14405,7 +14405,7 @@
           <p:cNvPr id="10" name="Rectangle 9">
             <a:extLst>
               <a:ext uri="{FF2B5EF4-FFF2-40B4-BE49-F238E27FC236}">
-                <a16:creationId xmlns:a16="http://schemas.microsoft.com/office/drawing/2014/main" id="{0B42A9E5-241C-F643-9D7D-768315CDF7E6}"/>
+                <a16:creationId xmlns="" xmlns:a16="http://schemas.microsoft.com/office/drawing/2014/main" id="{0B42A9E5-241C-F643-9D7D-768315CDF7E6}"/>
               </a:ext>
             </a:extLst>
           </p:cNvPr>
@@ -14499,7 +14499,7 @@
           <a:lstStyle/>
           <a:p>
             <a:r>
-              <a:rPr lang="fr-FR" dirty="0"/>
+              <a:rPr lang="fr-FR" b="1" dirty="0"/>
               <a:t>Résumé</a:t>
             </a:r>
           </a:p>
@@ -14622,6 +14622,10 @@
               <a:rPr lang="fr-FR" sz="2400" b="1" dirty="0"/>
               <a:t>effets avancées</a:t>
             </a:r>
+            <a:r>
+              <a:rPr lang="fr-FR" sz="2400" dirty="0"/>
+              <a:t/>
+            </a:r>
             <a:br>
               <a:rPr lang="fr-FR" sz="2400" dirty="0"/>
             </a:br>
@@ -14650,7 +14654,7 @@
           <a:p>
             <a:fld id="{BB2FA04C-1355-4CE6-8050-4BD994E23BD5}" type="datetime4">
               <a:rPr lang="fr-FR" smtClean="0"/>
-              <a:t>5 juin 2019</a:t>
+              <a:t>6 juin 2019</a:t>
             </a:fld>
             <a:endParaRPr lang="fr-FR" dirty="0"/>
           </a:p>
@@ -14778,7 +14782,11 @@
             </a:r>
             <a:r>
               <a:rPr lang="fr-FR" dirty="0"/>
-              <a:t> (CSS – v3)</a:t>
+              <a:t> </a:t>
+            </a:r>
+            <a:r>
+              <a:rPr lang="fr-FR" b="1" dirty="0"/>
+              <a:t>(CSS – v3)</a:t>
             </a:r>
           </a:p>
         </p:txBody>
@@ -14941,7 +14949,7 @@
           <a:p>
             <a:fld id="{1AC11C67-BE04-4C5F-B0EE-E01220C9093A}" type="datetime4">
               <a:rPr lang="fr-FR" smtClean="0"/>
-              <a:t>5 juin 2019</a:t>
+              <a:t>6 juin 2019</a:t>
             </a:fld>
             <a:endParaRPr lang="fr-FR" dirty="0"/>
           </a:p>
@@ -15036,7 +15044,7 @@
           <p:cNvPr id="8" name="Content Placeholder 2">
             <a:extLst>
               <a:ext uri="{FF2B5EF4-FFF2-40B4-BE49-F238E27FC236}">
-                <a16:creationId xmlns:a16="http://schemas.microsoft.com/office/drawing/2014/main" id="{913A25E9-AFDB-8F44-BA9A-06304EBCA55F}"/>
+                <a16:creationId xmlns="" xmlns:a16="http://schemas.microsoft.com/office/drawing/2014/main" id="{913A25E9-AFDB-8F44-BA9A-06304EBCA55F}"/>
               </a:ext>
             </a:extLst>
           </p:cNvPr>
@@ -15466,7 +15474,7 @@
           <a:p>
             <a:fld id="{1AC11C67-BE04-4C5F-B0EE-E01220C9093A}" type="datetime4">
               <a:rPr lang="fr-FR" smtClean="0"/>
-              <a:t>5 juin 2019</a:t>
+              <a:t>6 juin 2019</a:t>
             </a:fld>
             <a:endParaRPr lang="fr-FR" dirty="0"/>
           </a:p>
@@ -15523,7 +15531,7 @@
           <p:cNvPr id="9" name="TextBox 6">
             <a:extLst>
               <a:ext uri="{FF2B5EF4-FFF2-40B4-BE49-F238E27FC236}">
-                <a16:creationId xmlns:a16="http://schemas.microsoft.com/office/drawing/2014/main" id="{EDD30962-F634-9645-B9BC-FBF3B3AAEF28}"/>
+                <a16:creationId xmlns="" xmlns:a16="http://schemas.microsoft.com/office/drawing/2014/main" id="{EDD30962-F634-9645-B9BC-FBF3B3AAEF28}"/>
               </a:ext>
             </a:extLst>
           </p:cNvPr>
@@ -15559,7 +15567,7 @@
           <p:cNvPr id="10" name="Elbow Connector 8">
             <a:extLst>
               <a:ext uri="{FF2B5EF4-FFF2-40B4-BE49-F238E27FC236}">
-                <a16:creationId xmlns:a16="http://schemas.microsoft.com/office/drawing/2014/main" id="{BE849B3C-F263-7044-B8C8-46B3F993D569}"/>
+                <a16:creationId xmlns="" xmlns:a16="http://schemas.microsoft.com/office/drawing/2014/main" id="{BE849B3C-F263-7044-B8C8-46B3F993D569}"/>
               </a:ext>
             </a:extLst>
           </p:cNvPr>
@@ -15605,7 +15613,7 @@
           <p:cNvPr id="12" name="TextBox 14">
             <a:extLst>
               <a:ext uri="{FF2B5EF4-FFF2-40B4-BE49-F238E27FC236}">
-                <a16:creationId xmlns:a16="http://schemas.microsoft.com/office/drawing/2014/main" id="{62D5A010-7FFF-6F4F-9E2D-16AC2EBFE53A}"/>
+                <a16:creationId xmlns="" xmlns:a16="http://schemas.microsoft.com/office/drawing/2014/main" id="{62D5A010-7FFF-6F4F-9E2D-16AC2EBFE53A}"/>
               </a:ext>
             </a:extLst>
           </p:cNvPr>
@@ -15641,7 +15649,7 @@
           <p:cNvPr id="13" name="Left Brace 15">
             <a:extLst>
               <a:ext uri="{FF2B5EF4-FFF2-40B4-BE49-F238E27FC236}">
-                <a16:creationId xmlns:a16="http://schemas.microsoft.com/office/drawing/2014/main" id="{8CF3268E-666A-B144-8A4E-6D07E4E555ED}"/>
+                <a16:creationId xmlns="" xmlns:a16="http://schemas.microsoft.com/office/drawing/2014/main" id="{8CF3268E-666A-B144-8A4E-6D07E4E555ED}"/>
               </a:ext>
             </a:extLst>
           </p:cNvPr>
@@ -15693,7 +15701,7 @@
           <p:cNvPr id="14" name="TextBox 16">
             <a:extLst>
               <a:ext uri="{FF2B5EF4-FFF2-40B4-BE49-F238E27FC236}">
-                <a16:creationId xmlns:a16="http://schemas.microsoft.com/office/drawing/2014/main" id="{1C0582AA-0788-E54A-81AC-2EB296DD9A7D}"/>
+                <a16:creationId xmlns="" xmlns:a16="http://schemas.microsoft.com/office/drawing/2014/main" id="{1C0582AA-0788-E54A-81AC-2EB296DD9A7D}"/>
               </a:ext>
             </a:extLst>
           </p:cNvPr>
@@ -15728,7 +15736,7 @@
           <p:cNvPr id="15" name="Left Brace 17">
             <a:extLst>
               <a:ext uri="{FF2B5EF4-FFF2-40B4-BE49-F238E27FC236}">
-                <a16:creationId xmlns:a16="http://schemas.microsoft.com/office/drawing/2014/main" id="{5979B6E7-F022-3744-8F00-B2315C77AC21}"/>
+                <a16:creationId xmlns="" xmlns:a16="http://schemas.microsoft.com/office/drawing/2014/main" id="{5979B6E7-F022-3744-8F00-B2315C77AC21}"/>
               </a:ext>
             </a:extLst>
           </p:cNvPr>
@@ -15780,7 +15788,7 @@
           <p:cNvPr id="16" name="TextBox 18">
             <a:extLst>
               <a:ext uri="{FF2B5EF4-FFF2-40B4-BE49-F238E27FC236}">
-                <a16:creationId xmlns:a16="http://schemas.microsoft.com/office/drawing/2014/main" id="{FF7CEF00-34E1-6A4C-818C-3622FCE07DC0}"/>
+                <a16:creationId xmlns="" xmlns:a16="http://schemas.microsoft.com/office/drawing/2014/main" id="{FF7CEF00-34E1-6A4C-818C-3622FCE07DC0}"/>
               </a:ext>
             </a:extLst>
           </p:cNvPr>
@@ -15816,7 +15824,7 @@
           <p:cNvPr id="19" name="Left Brace 15">
             <a:extLst>
               <a:ext uri="{FF2B5EF4-FFF2-40B4-BE49-F238E27FC236}">
-                <a16:creationId xmlns:a16="http://schemas.microsoft.com/office/drawing/2014/main" id="{A0767C1C-D467-CE4B-9532-1E8296F7ED5F}"/>
+                <a16:creationId xmlns="" xmlns:a16="http://schemas.microsoft.com/office/drawing/2014/main" id="{A0767C1C-D467-CE4B-9532-1E8296F7ED5F}"/>
               </a:ext>
             </a:extLst>
           </p:cNvPr>
@@ -15868,7 +15876,7 @@
           <p:cNvPr id="20" name="Left Brace 17">
             <a:extLst>
               <a:ext uri="{FF2B5EF4-FFF2-40B4-BE49-F238E27FC236}">
-                <a16:creationId xmlns:a16="http://schemas.microsoft.com/office/drawing/2014/main" id="{705FFFFC-475A-BB4D-87D6-BAC46DC32578}"/>
+                <a16:creationId xmlns="" xmlns:a16="http://schemas.microsoft.com/office/drawing/2014/main" id="{705FFFFC-475A-BB4D-87D6-BAC46DC32578}"/>
               </a:ext>
             </a:extLst>
           </p:cNvPr>
@@ -15920,7 +15928,7 @@
           <p:cNvPr id="21" name="TextBox 18">
             <a:extLst>
               <a:ext uri="{FF2B5EF4-FFF2-40B4-BE49-F238E27FC236}">
-                <a16:creationId xmlns:a16="http://schemas.microsoft.com/office/drawing/2014/main" id="{45019D55-77A4-2547-8B5D-17D0DC3B2758}"/>
+                <a16:creationId xmlns="" xmlns:a16="http://schemas.microsoft.com/office/drawing/2014/main" id="{45019D55-77A4-2547-8B5D-17D0DC3B2758}"/>
               </a:ext>
             </a:extLst>
           </p:cNvPr>
@@ -16001,7 +16009,15 @@
           <a:p>
             <a:r>
               <a:rPr lang="fr-FR" b="1" dirty="0"/>
-              <a:t>Où définir les règles</a:t>
+              <a:t>Où définir les règles </a:t>
+            </a:r>
+            <a:r>
+              <a:rPr lang="fr-FR" b="1" dirty="0" smtClean="0"/>
+              <a:t>(1/3</a:t>
+            </a:r>
+            <a:r>
+              <a:rPr lang="fr-FR" b="1" dirty="0"/>
+              <a:t>)</a:t>
             </a:r>
             <a:endParaRPr lang="fr-FR" dirty="0"/>
           </a:p>
@@ -16118,7 +16134,7 @@
           <a:p>
             <a:fld id="{1AC11C67-BE04-4C5F-B0EE-E01220C9093A}" type="datetime4">
               <a:rPr lang="fr-FR" smtClean="0"/>
-              <a:t>5 juin 2019</a:t>
+              <a:t>6 juin 2019</a:t>
             </a:fld>
             <a:endParaRPr lang="fr-FR" dirty="0"/>
           </a:p>
@@ -16175,7 +16191,7 @@
           <p:cNvPr id="7" name="Content Placeholder 2">
             <a:extLst>
               <a:ext uri="{FF2B5EF4-FFF2-40B4-BE49-F238E27FC236}">
-                <a16:creationId xmlns:a16="http://schemas.microsoft.com/office/drawing/2014/main" id="{5C173360-0263-4A41-8E12-F39A96C3D0D9}"/>
+                <a16:creationId xmlns="" xmlns:a16="http://schemas.microsoft.com/office/drawing/2014/main" id="{5C173360-0263-4A41-8E12-F39A96C3D0D9}"/>
               </a:ext>
             </a:extLst>
           </p:cNvPr>
@@ -16771,7 +16787,7 @@
           <p:cNvPr id="8" name="Content Placeholder 2">
             <a:extLst>
               <a:ext uri="{FF2B5EF4-FFF2-40B4-BE49-F238E27FC236}">
-                <a16:creationId xmlns:a16="http://schemas.microsoft.com/office/drawing/2014/main" id="{494117E9-33D6-D343-B36F-0889BA2BA91A}"/>
+                <a16:creationId xmlns="" xmlns:a16="http://schemas.microsoft.com/office/drawing/2014/main" id="{494117E9-33D6-D343-B36F-0889BA2BA91A}"/>
               </a:ext>
             </a:extLst>
           </p:cNvPr>
@@ -17105,7 +17121,7 @@
           <p:cNvPr id="9" name="ZoneTexte 8">
             <a:extLst>
               <a:ext uri="{FF2B5EF4-FFF2-40B4-BE49-F238E27FC236}">
-                <a16:creationId xmlns:a16="http://schemas.microsoft.com/office/drawing/2014/main" id="{E0A8355A-3233-4A42-A253-6535E38E26EA}"/>
+                <a16:creationId xmlns="" xmlns:a16="http://schemas.microsoft.com/office/drawing/2014/main" id="{E0A8355A-3233-4A42-A253-6535E38E26EA}"/>
               </a:ext>
             </a:extLst>
           </p:cNvPr>
@@ -17145,7 +17161,7 @@
           <p:cNvPr id="10" name="ZoneTexte 9">
             <a:extLst>
               <a:ext uri="{FF2B5EF4-FFF2-40B4-BE49-F238E27FC236}">
-                <a16:creationId xmlns:a16="http://schemas.microsoft.com/office/drawing/2014/main" id="{123ED65B-E527-464E-9A44-10B7B13C2E29}"/>
+                <a16:creationId xmlns="" xmlns:a16="http://schemas.microsoft.com/office/drawing/2014/main" id="{123ED65B-E527-464E-9A44-10B7B13C2E29}"/>
               </a:ext>
             </a:extLst>
           </p:cNvPr>
@@ -17230,7 +17246,11 @@
           <a:p>
             <a:r>
               <a:rPr lang="fr-FR" b="1" dirty="0"/>
-              <a:t>Où définir les règles</a:t>
+              <a:t>Où définir les </a:t>
+            </a:r>
+            <a:r>
+              <a:rPr lang="fr-FR" b="1" dirty="0" smtClean="0"/>
+              <a:t>règles (2/3)</a:t>
             </a:r>
             <a:endParaRPr lang="fr-FR" dirty="0"/>
           </a:p>
@@ -17283,7 +17303,7 @@
           <a:p>
             <a:fld id="{1AC11C67-BE04-4C5F-B0EE-E01220C9093A}" type="datetime4">
               <a:rPr lang="fr-FR" smtClean="0"/>
-              <a:t>5 juin 2019</a:t>
+              <a:t>6 juin 2019</a:t>
             </a:fld>
             <a:endParaRPr lang="fr-FR" dirty="0"/>
           </a:p>
@@ -17340,7 +17360,7 @@
           <p:cNvPr id="7" name="Content Placeholder 2">
             <a:extLst>
               <a:ext uri="{FF2B5EF4-FFF2-40B4-BE49-F238E27FC236}">
-                <a16:creationId xmlns:a16="http://schemas.microsoft.com/office/drawing/2014/main" id="{090641FE-2C02-524B-8103-71F39B04A597}"/>
+                <a16:creationId xmlns="" xmlns:a16="http://schemas.microsoft.com/office/drawing/2014/main" id="{090641FE-2C02-524B-8103-71F39B04A597}"/>
               </a:ext>
             </a:extLst>
           </p:cNvPr>
@@ -18080,7 +18100,15 @@
           <a:p>
             <a:r>
               <a:rPr lang="fr-FR" b="1" dirty="0"/>
-              <a:t>Où définir les règles</a:t>
+              <a:t>Où définir les </a:t>
+            </a:r>
+            <a:r>
+              <a:rPr lang="fr-FR" b="1"/>
+              <a:t>règles </a:t>
+            </a:r>
+            <a:r>
+              <a:rPr lang="fr-FR" b="1" smtClean="0"/>
+              <a:t>(3/3)</a:t>
             </a:r>
             <a:endParaRPr lang="fr-FR" dirty="0"/>
           </a:p>
@@ -18152,7 +18180,7 @@
           <a:p>
             <a:fld id="{1AC11C67-BE04-4C5F-B0EE-E01220C9093A}" type="datetime4">
               <a:rPr lang="fr-FR" smtClean="0"/>
-              <a:t>5 juin 2019</a:t>
+              <a:t>6 juin 2019</a:t>
             </a:fld>
             <a:endParaRPr lang="fr-FR" dirty="0"/>
           </a:p>
@@ -18209,7 +18237,7 @@
           <p:cNvPr id="7" name="Content Placeholder 2">
             <a:extLst>
               <a:ext uri="{FF2B5EF4-FFF2-40B4-BE49-F238E27FC236}">
-                <a16:creationId xmlns:a16="http://schemas.microsoft.com/office/drawing/2014/main" id="{3E15AB0B-0182-D441-9A33-5D3D6C95448A}"/>
+                <a16:creationId xmlns="" xmlns:a16="http://schemas.microsoft.com/office/drawing/2014/main" id="{3E15AB0B-0182-D441-9A33-5D3D6C95448A}"/>
               </a:ext>
             </a:extLst>
           </p:cNvPr>
@@ -18791,7 +18819,7 @@
           <p:cNvPr id="2" name="Title 1">
             <a:extLst>
               <a:ext uri="{FF2B5EF4-FFF2-40B4-BE49-F238E27FC236}">
-                <a16:creationId xmlns:a16="http://schemas.microsoft.com/office/drawing/2014/main" id="{3D781D41-FD24-2A4C-A8D0-86EB5557FD04}"/>
+                <a16:creationId xmlns="" xmlns:a16="http://schemas.microsoft.com/office/drawing/2014/main" id="{3D781D41-FD24-2A4C-A8D0-86EB5557FD04}"/>
               </a:ext>
             </a:extLst>
           </p:cNvPr>
@@ -18808,8 +18836,8 @@
           <a:lstStyle/>
           <a:p>
             <a:r>
-              <a:rPr lang="fr-FR" dirty="0"/>
-              <a:t>Propriétés graphiques de base</a:t>
+              <a:rPr lang="fr-FR" b="1" dirty="0"/>
+              <a:t>Propriétés graphiques de base (1/2)</a:t>
             </a:r>
           </a:p>
         </p:txBody>
@@ -18819,7 +18847,7 @@
           <p:cNvPr id="4" name="Date Placeholder 3">
             <a:extLst>
               <a:ext uri="{FF2B5EF4-FFF2-40B4-BE49-F238E27FC236}">
-                <a16:creationId xmlns:a16="http://schemas.microsoft.com/office/drawing/2014/main" id="{420C55B6-3956-EB44-90B6-D4EB4D98C4FE}"/>
+                <a16:creationId xmlns="" xmlns:a16="http://schemas.microsoft.com/office/drawing/2014/main" id="{420C55B6-3956-EB44-90B6-D4EB4D98C4FE}"/>
               </a:ext>
             </a:extLst>
           </p:cNvPr>
@@ -18837,7 +18865,7 @@
           <a:p>
             <a:fld id="{BB2FA04C-1355-4CE6-8050-4BD994E23BD5}" type="datetime4">
               <a:rPr lang="fr-FR" smtClean="0"/>
-              <a:t>5 juin 2019</a:t>
+              <a:t>6 juin 2019</a:t>
             </a:fld>
             <a:endParaRPr lang="fr-FR" dirty="0"/>
           </a:p>
@@ -18848,7 +18876,7 @@
           <p:cNvPr id="5" name="Footer Placeholder 4">
             <a:extLst>
               <a:ext uri="{FF2B5EF4-FFF2-40B4-BE49-F238E27FC236}">
-                <a16:creationId xmlns:a16="http://schemas.microsoft.com/office/drawing/2014/main" id="{FB56D601-127F-104C-A384-EF5CEAAACB54}"/>
+                <a16:creationId xmlns="" xmlns:a16="http://schemas.microsoft.com/office/drawing/2014/main" id="{FB56D601-127F-104C-A384-EF5CEAAACB54}"/>
               </a:ext>
             </a:extLst>
           </p:cNvPr>
@@ -18876,7 +18904,7 @@
           <p:cNvPr id="6" name="Slide Number Placeholder 5">
             <a:extLst>
               <a:ext uri="{FF2B5EF4-FFF2-40B4-BE49-F238E27FC236}">
-                <a16:creationId xmlns:a16="http://schemas.microsoft.com/office/drawing/2014/main" id="{D22605A9-962F-7843-908C-8E40FDB95761}"/>
+                <a16:creationId xmlns="" xmlns:a16="http://schemas.microsoft.com/office/drawing/2014/main" id="{D22605A9-962F-7843-908C-8E40FDB95761}"/>
               </a:ext>
             </a:extLst>
           </p:cNvPr>
@@ -18906,7 +18934,7 @@
           <p:cNvPr id="3" name="Espace réservé du contenu 2">
             <a:extLst>
               <a:ext uri="{FF2B5EF4-FFF2-40B4-BE49-F238E27FC236}">
-                <a16:creationId xmlns:a16="http://schemas.microsoft.com/office/drawing/2014/main" id="{756785C8-1B4B-B24E-91F6-FB8870B517EA}"/>
+                <a16:creationId xmlns="" xmlns:a16="http://schemas.microsoft.com/office/drawing/2014/main" id="{756785C8-1B4B-B24E-91F6-FB8870B517EA}"/>
               </a:ext>
             </a:extLst>
           </p:cNvPr>
@@ -18946,7 +18974,7 @@
           <p:cNvPr id="21" name="TextBox 20">
             <a:extLst>
               <a:ext uri="{FF2B5EF4-FFF2-40B4-BE49-F238E27FC236}">
-                <a16:creationId xmlns:a16="http://schemas.microsoft.com/office/drawing/2014/main" id="{A0B5BAA9-287C-734F-8CAC-6FC17D944F90}"/>
+                <a16:creationId xmlns="" xmlns:a16="http://schemas.microsoft.com/office/drawing/2014/main" id="{A0B5BAA9-287C-734F-8CAC-6FC17D944F90}"/>
               </a:ext>
             </a:extLst>
           </p:cNvPr>
@@ -18995,7 +19023,7 @@
           <p:cNvPr id="9" name="Content Placeholder 2">
             <a:extLst>
               <a:ext uri="{FF2B5EF4-FFF2-40B4-BE49-F238E27FC236}">
-                <a16:creationId xmlns:a16="http://schemas.microsoft.com/office/drawing/2014/main" id="{562BA10A-E9B9-2841-B04F-956545F6FA38}"/>
+                <a16:creationId xmlns="" xmlns:a16="http://schemas.microsoft.com/office/drawing/2014/main" id="{562BA10A-E9B9-2841-B04F-956545F6FA38}"/>
               </a:ext>
             </a:extLst>
           </p:cNvPr>
@@ -19940,7 +19968,7 @@
           <p:cNvPr id="2" name="Title 1">
             <a:extLst>
               <a:ext uri="{FF2B5EF4-FFF2-40B4-BE49-F238E27FC236}">
-                <a16:creationId xmlns:a16="http://schemas.microsoft.com/office/drawing/2014/main" id="{3D781D41-FD24-2A4C-A8D0-86EB5557FD04}"/>
+                <a16:creationId xmlns="" xmlns:a16="http://schemas.microsoft.com/office/drawing/2014/main" id="{3D781D41-FD24-2A4C-A8D0-86EB5557FD04}"/>
               </a:ext>
             </a:extLst>
           </p:cNvPr>
@@ -19957,8 +19985,16 @@
           <a:lstStyle/>
           <a:p>
             <a:r>
-              <a:rPr lang="fr-FR" dirty="0"/>
-              <a:t>Propriétés graphiques de base</a:t>
+              <a:rPr lang="fr-FR" b="1" dirty="0"/>
+              <a:t>Propriétés graphiques de base </a:t>
+            </a:r>
+            <a:r>
+              <a:rPr lang="fr-FR" b="1" dirty="0" smtClean="0"/>
+              <a:t>(2/2</a:t>
+            </a:r>
+            <a:r>
+              <a:rPr lang="fr-FR" b="1" dirty="0"/>
+              <a:t>)</a:t>
             </a:r>
           </a:p>
         </p:txBody>
@@ -19968,7 +20004,7 @@
           <p:cNvPr id="4" name="Date Placeholder 3">
             <a:extLst>
               <a:ext uri="{FF2B5EF4-FFF2-40B4-BE49-F238E27FC236}">
-                <a16:creationId xmlns:a16="http://schemas.microsoft.com/office/drawing/2014/main" id="{420C55B6-3956-EB44-90B6-D4EB4D98C4FE}"/>
+                <a16:creationId xmlns="" xmlns:a16="http://schemas.microsoft.com/office/drawing/2014/main" id="{420C55B6-3956-EB44-90B6-D4EB4D98C4FE}"/>
               </a:ext>
             </a:extLst>
           </p:cNvPr>
@@ -19991,7 +20027,7 @@
           <a:p>
             <a:fld id="{BB2FA04C-1355-4CE6-8050-4BD994E23BD5}" type="datetime4">
               <a:rPr lang="fr-FR" smtClean="0"/>
-              <a:t>5 juin 2019</a:t>
+              <a:t>6 juin 2019</a:t>
             </a:fld>
             <a:endParaRPr lang="fr-FR" dirty="0"/>
           </a:p>
@@ -20002,7 +20038,7 @@
           <p:cNvPr id="5" name="Footer Placeholder 4">
             <a:extLst>
               <a:ext uri="{FF2B5EF4-FFF2-40B4-BE49-F238E27FC236}">
-                <a16:creationId xmlns:a16="http://schemas.microsoft.com/office/drawing/2014/main" id="{FB56D601-127F-104C-A384-EF5CEAAACB54}"/>
+                <a16:creationId xmlns="" xmlns:a16="http://schemas.microsoft.com/office/drawing/2014/main" id="{FB56D601-127F-104C-A384-EF5CEAAACB54}"/>
               </a:ext>
             </a:extLst>
           </p:cNvPr>
@@ -20030,7 +20066,7 @@
           <p:cNvPr id="6" name="Slide Number Placeholder 5">
             <a:extLst>
               <a:ext uri="{FF2B5EF4-FFF2-40B4-BE49-F238E27FC236}">
-                <a16:creationId xmlns:a16="http://schemas.microsoft.com/office/drawing/2014/main" id="{D22605A9-962F-7843-908C-8E40FDB95761}"/>
+                <a16:creationId xmlns="" xmlns:a16="http://schemas.microsoft.com/office/drawing/2014/main" id="{D22605A9-962F-7843-908C-8E40FDB95761}"/>
               </a:ext>
             </a:extLst>
           </p:cNvPr>
@@ -20060,7 +20096,7 @@
           <p:cNvPr id="8" name="Espace réservé du contenu 7">
             <a:extLst>
               <a:ext uri="{FF2B5EF4-FFF2-40B4-BE49-F238E27FC236}">
-                <a16:creationId xmlns:a16="http://schemas.microsoft.com/office/drawing/2014/main" id="{749A70A8-5D61-8E48-BADA-70DB9F81783A}"/>
+                <a16:creationId xmlns="" xmlns:a16="http://schemas.microsoft.com/office/drawing/2014/main" id="{749A70A8-5D61-8E48-BADA-70DB9F81783A}"/>
               </a:ext>
             </a:extLst>
           </p:cNvPr>
@@ -20100,7 +20136,7 @@
           <p:cNvPr id="7" name="TextBox 6">
             <a:extLst>
               <a:ext uri="{FF2B5EF4-FFF2-40B4-BE49-F238E27FC236}">
-                <a16:creationId xmlns:a16="http://schemas.microsoft.com/office/drawing/2014/main" id="{308C2EE4-3F46-4F47-9966-5587D2C9591E}"/>
+                <a16:creationId xmlns="" xmlns:a16="http://schemas.microsoft.com/office/drawing/2014/main" id="{308C2EE4-3F46-4F47-9966-5587D2C9591E}"/>
               </a:ext>
             </a:extLst>
           </p:cNvPr>
@@ -20173,7 +20209,7 @@
           <p:cNvPr id="12" name="Content Placeholder 2">
             <a:extLst>
               <a:ext uri="{FF2B5EF4-FFF2-40B4-BE49-F238E27FC236}">
-                <a16:creationId xmlns:a16="http://schemas.microsoft.com/office/drawing/2014/main" id="{ABA71136-0F66-0C4D-BCD6-B0BEBD964A33}"/>
+                <a16:creationId xmlns="" xmlns:a16="http://schemas.microsoft.com/office/drawing/2014/main" id="{ABA71136-0F66-0C4D-BCD6-B0BEBD964A33}"/>
               </a:ext>
             </a:extLst>
           </p:cNvPr>
@@ -20598,7 +20634,7 @@
           <p:cNvPr id="15" name="Content Placeholder 2">
             <a:extLst>
               <a:ext uri="{FF2B5EF4-FFF2-40B4-BE49-F238E27FC236}">
-                <a16:creationId xmlns:a16="http://schemas.microsoft.com/office/drawing/2014/main" id="{F767B455-168E-D24B-B02C-7D162C906359}"/>
+                <a16:creationId xmlns="" xmlns:a16="http://schemas.microsoft.com/office/drawing/2014/main" id="{F767B455-168E-D24B-B02C-7D162C906359}"/>
               </a:ext>
             </a:extLst>
           </p:cNvPr>
@@ -20628,7 +20664,7 @@
         </p:spPr>
         <p:txBody>
           <a:bodyPr vert="horz" lIns="91440" tIns="45720" rIns="91440" bIns="45720" rtlCol="0" anchor="ctr">
-            <a:normAutofit fontScale="92500" lnSpcReduction="10000"/>
+            <a:normAutofit fontScale="92500" lnSpcReduction="20000"/>
           </a:bodyPr>
           <a:lstStyle>
             <a:lvl1pPr marL="447675" indent="-447675" algn="l" defTabSz="457200" rtl="0" eaLnBrk="1" latinLnBrk="0" hangingPunct="1">
@@ -20907,7 +20943,7 @@
           <p:cNvPr id="10" name="Plus 9">
             <a:extLst>
               <a:ext uri="{FF2B5EF4-FFF2-40B4-BE49-F238E27FC236}">
-                <a16:creationId xmlns:a16="http://schemas.microsoft.com/office/drawing/2014/main" id="{F6CEA39A-55A7-8C46-ACD3-69397F1DE365}"/>
+                <a16:creationId xmlns="" xmlns:a16="http://schemas.microsoft.com/office/drawing/2014/main" id="{F6CEA39A-55A7-8C46-ACD3-69397F1DE365}"/>
               </a:ext>
             </a:extLst>
           </p:cNvPr>
@@ -20959,7 +20995,7 @@
           <p:cNvPr id="18" name="Flèche droite rayée 17">
             <a:extLst>
               <a:ext uri="{FF2B5EF4-FFF2-40B4-BE49-F238E27FC236}">
-                <a16:creationId xmlns:a16="http://schemas.microsoft.com/office/drawing/2014/main" id="{E90FC745-45D7-584B-8E89-80FAA1361D05}"/>
+                <a16:creationId xmlns="" xmlns:a16="http://schemas.microsoft.com/office/drawing/2014/main" id="{E90FC745-45D7-584B-8E89-80FAA1361D05}"/>
               </a:ext>
             </a:extLst>
           </p:cNvPr>
@@ -21011,7 +21047,7 @@
           <p:cNvPr id="20" name="Rectangle : coins arrondis 19">
             <a:extLst>
               <a:ext uri="{FF2B5EF4-FFF2-40B4-BE49-F238E27FC236}">
-                <a16:creationId xmlns:a16="http://schemas.microsoft.com/office/drawing/2014/main" id="{397BE9E5-63FB-2242-9A3D-6510240775F1}"/>
+                <a16:creationId xmlns="" xmlns:a16="http://schemas.microsoft.com/office/drawing/2014/main" id="{397BE9E5-63FB-2242-9A3D-6510240775F1}"/>
               </a:ext>
             </a:extLst>
           </p:cNvPr>
@@ -21065,7 +21101,7 @@
           <p:cNvPr id="21" name="Rectangle : coins arrondis 20">
             <a:extLst>
               <a:ext uri="{FF2B5EF4-FFF2-40B4-BE49-F238E27FC236}">
-                <a16:creationId xmlns:a16="http://schemas.microsoft.com/office/drawing/2014/main" id="{43EEB19E-5A83-8945-9823-A618EAA24233}"/>
+                <a16:creationId xmlns="" xmlns:a16="http://schemas.microsoft.com/office/drawing/2014/main" id="{43EEB19E-5A83-8945-9823-A618EAA24233}"/>
               </a:ext>
             </a:extLst>
           </p:cNvPr>
@@ -21121,7 +21157,7 @@
           <p:cNvPr id="22" name="Ellipse 21">
             <a:extLst>
               <a:ext uri="{FF2B5EF4-FFF2-40B4-BE49-F238E27FC236}">
-                <a16:creationId xmlns:a16="http://schemas.microsoft.com/office/drawing/2014/main" id="{DDE1EAB2-B699-7B4A-B187-6B85B5D944AB}"/>
+                <a16:creationId xmlns="" xmlns:a16="http://schemas.microsoft.com/office/drawing/2014/main" id="{DDE1EAB2-B699-7B4A-B187-6B85B5D944AB}"/>
               </a:ext>
             </a:extLst>
           </p:cNvPr>
@@ -21173,7 +21209,7 @@
           <p:cNvPr id="23" name="Ellipse 22">
             <a:extLst>
               <a:ext uri="{FF2B5EF4-FFF2-40B4-BE49-F238E27FC236}">
-                <a16:creationId xmlns:a16="http://schemas.microsoft.com/office/drawing/2014/main" id="{0BC6605C-33BB-D64D-8170-2A958F70BC81}"/>
+                <a16:creationId xmlns="" xmlns:a16="http://schemas.microsoft.com/office/drawing/2014/main" id="{0BC6605C-33BB-D64D-8170-2A958F70BC81}"/>
               </a:ext>
             </a:extLst>
           </p:cNvPr>
@@ -21225,7 +21261,7 @@
           <p:cNvPr id="24" name="Ellipse 23">
             <a:extLst>
               <a:ext uri="{FF2B5EF4-FFF2-40B4-BE49-F238E27FC236}">
-                <a16:creationId xmlns:a16="http://schemas.microsoft.com/office/drawing/2014/main" id="{7BC1CD17-D109-7D40-BBFD-1C4F5E36A617}"/>
+                <a16:creationId xmlns="" xmlns:a16="http://schemas.microsoft.com/office/drawing/2014/main" id="{7BC1CD17-D109-7D40-BBFD-1C4F5E36A617}"/>
               </a:ext>
             </a:extLst>
           </p:cNvPr>
@@ -21277,7 +21313,7 @@
           <p:cNvPr id="25" name="Rectangle 24">
             <a:extLst>
               <a:ext uri="{FF2B5EF4-FFF2-40B4-BE49-F238E27FC236}">
-                <a16:creationId xmlns:a16="http://schemas.microsoft.com/office/drawing/2014/main" id="{E8B3E2B1-7AF7-8142-AD5E-CA9CE2377906}"/>
+                <a16:creationId xmlns="" xmlns:a16="http://schemas.microsoft.com/office/drawing/2014/main" id="{E8B3E2B1-7AF7-8142-AD5E-CA9CE2377906}"/>
               </a:ext>
             </a:extLst>
           </p:cNvPr>
@@ -21329,7 +21365,7 @@
           <p:cNvPr id="27" name="Graphique 26" descr="Loupe">
             <a:extLst>
               <a:ext uri="{FF2B5EF4-FFF2-40B4-BE49-F238E27FC236}">
-                <a16:creationId xmlns:a16="http://schemas.microsoft.com/office/drawing/2014/main" id="{A5D67965-D227-1A41-ACA7-395C17B189ED}"/>
+                <a16:creationId xmlns="" xmlns:a16="http://schemas.microsoft.com/office/drawing/2014/main" id="{A5D67965-D227-1A41-ACA7-395C17B189ED}"/>
               </a:ext>
             </a:extLst>
           </p:cNvPr>
@@ -21342,7 +21378,7 @@
           <a:blip r:embed="rId2">
             <a:extLst>
               <a:ext uri="{96DAC541-7B7A-43D3-8B79-37D633B846F1}">
-                <asvg:svgBlip xmlns:asvg="http://schemas.microsoft.com/office/drawing/2016/SVG/main" r:embed="rId3"/>
+                <asvg:svgBlip xmlns="" xmlns:asvg="http://schemas.microsoft.com/office/drawing/2016/SVG/main" r:embed="rId3"/>
               </a:ext>
             </a:extLst>
           </a:blip>
@@ -21365,7 +21401,7 @@
           <p:cNvPr id="29" name="Graphique 28" descr="Répéter">
             <a:extLst>
               <a:ext uri="{FF2B5EF4-FFF2-40B4-BE49-F238E27FC236}">
-                <a16:creationId xmlns:a16="http://schemas.microsoft.com/office/drawing/2014/main" id="{1537298F-A117-9345-B2DA-8B063931E3BE}"/>
+                <a16:creationId xmlns="" xmlns:a16="http://schemas.microsoft.com/office/drawing/2014/main" id="{1537298F-A117-9345-B2DA-8B063931E3BE}"/>
               </a:ext>
             </a:extLst>
           </p:cNvPr>
@@ -21378,7 +21414,7 @@
           <a:blip r:embed="rId4">
             <a:extLst>
               <a:ext uri="{96DAC541-7B7A-43D3-8B79-37D633B846F1}">
-                <asvg:svgBlip xmlns:asvg="http://schemas.microsoft.com/office/drawing/2016/SVG/main" r:embed="rId5"/>
+                <asvg:svgBlip xmlns="" xmlns:asvg="http://schemas.microsoft.com/office/drawing/2016/SVG/main" r:embed="rId5"/>
               </a:ext>
             </a:extLst>
           </a:blip>

--- a/web/3-CSS/css.pptx
+++ b/web/3-CSS/css.pptx
@@ -231,7 +231,7 @@
           <a:p>
             <a:fld id="{5EB47243-285B-2741-8C7D-C88258D9CCFA}" type="datetimeFigureOut">
               <a:rPr lang="fr-FR" smtClean="0"/>
-              <a:t>06/06/2019</a:t>
+              <a:t>07/06/2019</a:t>
             </a:fld>
             <a:endParaRPr lang="fr-FR"/>
           </a:p>
@@ -397,7 +397,7 @@
           <a:p>
             <a:fld id="{7D088D39-B4EA-D24B-B9C3-6A64886EABE2}" type="datetimeFigureOut">
               <a:rPr lang="fr-FR" smtClean="0"/>
-              <a:t>06/06/2019</a:t>
+              <a:t>07/06/2019</a:t>
             </a:fld>
             <a:endParaRPr lang="fr-FR"/>
           </a:p>
@@ -1913,7 +1913,7 @@
           <a:p>
             <a:fld id="{BB2FA04C-1355-4CE6-8050-4BD994E23BD5}" type="datetime4">
               <a:rPr lang="fr-FR" smtClean="0"/>
-              <a:t>6 juin 2019</a:t>
+              <a:t>7 juin 2019</a:t>
             </a:fld>
             <a:endParaRPr lang="fr-FR" dirty="0"/>
           </a:p>
@@ -2058,7 +2058,7 @@
           <p:cNvPr id="11" name="Espace réservé du contenu 2">
             <a:extLst>
               <a:ext uri="{FF2B5EF4-FFF2-40B4-BE49-F238E27FC236}">
-                <a16:creationId xmlns="" xmlns:a16="http://schemas.microsoft.com/office/drawing/2014/main" id="{C310EBA0-0ADD-3240-A81F-2B58BA16143A}"/>
+                <a16:creationId xmlns:a16="http://schemas.microsoft.com/office/drawing/2014/main" id="{C310EBA0-0ADD-3240-A81F-2B58BA16143A}"/>
               </a:ext>
             </a:extLst>
           </p:cNvPr>
@@ -2504,7 +2504,7 @@
           <a:p>
             <a:fld id="{A81C4219-47FF-4375-968D-EABA4A212953}" type="datetime4">
               <a:rPr lang="fr-FR" smtClean="0"/>
-              <a:t>6 juin 2019</a:t>
+              <a:t>7 juin 2019</a:t>
             </a:fld>
             <a:endParaRPr lang="fr-FR" dirty="0"/>
           </a:p>
@@ -4340,7 +4340,7 @@
           <a:p>
             <a:fld id="{81E3CCF4-D669-4BB6-B0BE-EE495E88AE6B}" type="datetime4">
               <a:rPr lang="fr-FR" smtClean="0"/>
-              <a:t>6 juin 2019</a:t>
+              <a:t>7 juin 2019</a:t>
             </a:fld>
             <a:endParaRPr lang="fr-FR" dirty="0"/>
           </a:p>
@@ -5276,7 +5276,7 @@
           <a:p>
             <a:fld id="{2E52B8B1-858B-4633-AE57-5B6CA9292F2B}" type="datetime4">
               <a:rPr lang="fr-FR" smtClean="0"/>
-              <a:t>6 juin 2019</a:t>
+              <a:t>7 juin 2019</a:t>
             </a:fld>
             <a:endParaRPr lang="fr-FR" dirty="0"/>
           </a:p>
@@ -5861,7 +5861,7 @@
           <p:cNvPr id="2" name="Titre 1">
             <a:extLst>
               <a:ext uri="{FF2B5EF4-FFF2-40B4-BE49-F238E27FC236}">
-                <a16:creationId xmlns="" xmlns:a16="http://schemas.microsoft.com/office/drawing/2014/main" id="{C3AF04FB-8408-9D4D-9B6F-DF89E2C8614A}"/>
+                <a16:creationId xmlns:a16="http://schemas.microsoft.com/office/drawing/2014/main" id="{C3AF04FB-8408-9D4D-9B6F-DF89E2C8614A}"/>
               </a:ext>
             </a:extLst>
           </p:cNvPr>
@@ -5889,7 +5889,7 @@
           <p:cNvPr id="3" name="Espace réservé de la date 2">
             <a:extLst>
               <a:ext uri="{FF2B5EF4-FFF2-40B4-BE49-F238E27FC236}">
-                <a16:creationId xmlns="" xmlns:a16="http://schemas.microsoft.com/office/drawing/2014/main" id="{9AAE995C-F935-B843-A54A-CF3BEAB7BDAE}"/>
+                <a16:creationId xmlns:a16="http://schemas.microsoft.com/office/drawing/2014/main" id="{9AAE995C-F935-B843-A54A-CF3BEAB7BDAE}"/>
               </a:ext>
             </a:extLst>
           </p:cNvPr>
@@ -5907,7 +5907,7 @@
           <a:p>
             <a:fld id="{BB2FA04C-1355-4CE6-8050-4BD994E23BD5}" type="datetime4">
               <a:rPr lang="fr-FR" smtClean="0"/>
-              <a:t>6 juin 2019</a:t>
+              <a:t>7 juin 2019</a:t>
             </a:fld>
             <a:endParaRPr lang="fr-FR" dirty="0"/>
           </a:p>
@@ -5918,7 +5918,7 @@
           <p:cNvPr id="4" name="Espace réservé du pied de page 3">
             <a:extLst>
               <a:ext uri="{FF2B5EF4-FFF2-40B4-BE49-F238E27FC236}">
-                <a16:creationId xmlns="" xmlns:a16="http://schemas.microsoft.com/office/drawing/2014/main" id="{EF4CE9D4-9B11-C044-AE6D-F2149B414C09}"/>
+                <a16:creationId xmlns:a16="http://schemas.microsoft.com/office/drawing/2014/main" id="{EF4CE9D4-9B11-C044-AE6D-F2149B414C09}"/>
               </a:ext>
             </a:extLst>
           </p:cNvPr>
@@ -5946,7 +5946,7 @@
           <p:cNvPr id="5" name="Espace réservé du numéro de diapositive 4">
             <a:extLst>
               <a:ext uri="{FF2B5EF4-FFF2-40B4-BE49-F238E27FC236}">
-                <a16:creationId xmlns="" xmlns:a16="http://schemas.microsoft.com/office/drawing/2014/main" id="{89C15AC4-EC15-294D-8FF1-448456BE7117}"/>
+                <a16:creationId xmlns:a16="http://schemas.microsoft.com/office/drawing/2014/main" id="{89C15AC4-EC15-294D-8FF1-448456BE7117}"/>
               </a:ext>
             </a:extLst>
           </p:cNvPr>
@@ -5976,7 +5976,7 @@
           <p:cNvPr id="6" name="Espace réservé du contenu 5">
             <a:extLst>
               <a:ext uri="{FF2B5EF4-FFF2-40B4-BE49-F238E27FC236}">
-                <a16:creationId xmlns="" xmlns:a16="http://schemas.microsoft.com/office/drawing/2014/main" id="{9391EA08-ADD6-F94E-A0EA-AB9C39E61E57}"/>
+                <a16:creationId xmlns:a16="http://schemas.microsoft.com/office/drawing/2014/main" id="{9391EA08-ADD6-F94E-A0EA-AB9C39E61E57}"/>
               </a:ext>
             </a:extLst>
           </p:cNvPr>
@@ -6141,7 +6141,7 @@
           <p:cNvPr id="7" name="Content Placeholder 2">
             <a:extLst>
               <a:ext uri="{FF2B5EF4-FFF2-40B4-BE49-F238E27FC236}">
-                <a16:creationId xmlns="" xmlns:a16="http://schemas.microsoft.com/office/drawing/2014/main" id="{572DE085-D13E-E746-ABE6-6EDACC4C4F07}"/>
+                <a16:creationId xmlns:a16="http://schemas.microsoft.com/office/drawing/2014/main" id="{572DE085-D13E-E746-ABE6-6EDACC4C4F07}"/>
               </a:ext>
             </a:extLst>
           </p:cNvPr>
@@ -6442,7 +6442,7 @@
           <p:cNvPr id="10" name="Content Placeholder 2">
             <a:extLst>
               <a:ext uri="{FF2B5EF4-FFF2-40B4-BE49-F238E27FC236}">
-                <a16:creationId xmlns="" xmlns:a16="http://schemas.microsoft.com/office/drawing/2014/main" id="{20BDA743-453C-D04E-A61B-DB4041B24873}"/>
+                <a16:creationId xmlns:a16="http://schemas.microsoft.com/office/drawing/2014/main" id="{20BDA743-453C-D04E-A61B-DB4041B24873}"/>
               </a:ext>
             </a:extLst>
           </p:cNvPr>
@@ -6743,7 +6743,7 @@
           <p:cNvPr id="11" name="Content Placeholder 2">
             <a:extLst>
               <a:ext uri="{FF2B5EF4-FFF2-40B4-BE49-F238E27FC236}">
-                <a16:creationId xmlns="" xmlns:a16="http://schemas.microsoft.com/office/drawing/2014/main" id="{4C1712D7-4BFD-9948-88AA-4CC62B199E9E}"/>
+                <a16:creationId xmlns:a16="http://schemas.microsoft.com/office/drawing/2014/main" id="{4C1712D7-4BFD-9948-88AA-4CC62B199E9E}"/>
               </a:ext>
             </a:extLst>
           </p:cNvPr>
@@ -7044,7 +7044,7 @@
           <p:cNvPr id="12" name="Content Placeholder 2">
             <a:extLst>
               <a:ext uri="{FF2B5EF4-FFF2-40B4-BE49-F238E27FC236}">
-                <a16:creationId xmlns="" xmlns:a16="http://schemas.microsoft.com/office/drawing/2014/main" id="{080D5F04-98EE-8D42-8F2D-37F92BE7C9EE}"/>
+                <a16:creationId xmlns:a16="http://schemas.microsoft.com/office/drawing/2014/main" id="{080D5F04-98EE-8D42-8F2D-37F92BE7C9EE}"/>
               </a:ext>
             </a:extLst>
           </p:cNvPr>
@@ -7375,7 +7375,7 @@
           <p:cNvPr id="2" name="Titre 1">
             <a:extLst>
               <a:ext uri="{FF2B5EF4-FFF2-40B4-BE49-F238E27FC236}">
-                <a16:creationId xmlns="" xmlns:a16="http://schemas.microsoft.com/office/drawing/2014/main" id="{693CCB8C-B28C-C947-918B-80C0A530049C}"/>
+                <a16:creationId xmlns:a16="http://schemas.microsoft.com/office/drawing/2014/main" id="{693CCB8C-B28C-C947-918B-80C0A530049C}"/>
               </a:ext>
             </a:extLst>
           </p:cNvPr>
@@ -7403,7 +7403,7 @@
           <p:cNvPr id="3" name="Espace réservé de la date 2">
             <a:extLst>
               <a:ext uri="{FF2B5EF4-FFF2-40B4-BE49-F238E27FC236}">
-                <a16:creationId xmlns="" xmlns:a16="http://schemas.microsoft.com/office/drawing/2014/main" id="{A8AFED78-0C80-9F41-9A6C-C99094CB91A9}"/>
+                <a16:creationId xmlns:a16="http://schemas.microsoft.com/office/drawing/2014/main" id="{A8AFED78-0C80-9F41-9A6C-C99094CB91A9}"/>
               </a:ext>
             </a:extLst>
           </p:cNvPr>
@@ -7421,7 +7421,7 @@
           <a:p>
             <a:fld id="{BB2FA04C-1355-4CE6-8050-4BD994E23BD5}" type="datetime4">
               <a:rPr lang="fr-FR" smtClean="0"/>
-              <a:t>6 juin 2019</a:t>
+              <a:t>7 juin 2019</a:t>
             </a:fld>
             <a:endParaRPr lang="fr-FR" dirty="0"/>
           </a:p>
@@ -7432,7 +7432,7 @@
           <p:cNvPr id="4" name="Espace réservé du pied de page 3">
             <a:extLst>
               <a:ext uri="{FF2B5EF4-FFF2-40B4-BE49-F238E27FC236}">
-                <a16:creationId xmlns="" xmlns:a16="http://schemas.microsoft.com/office/drawing/2014/main" id="{ABED245A-0AD1-BE42-897A-E8A901675D43}"/>
+                <a16:creationId xmlns:a16="http://schemas.microsoft.com/office/drawing/2014/main" id="{ABED245A-0AD1-BE42-897A-E8A901675D43}"/>
               </a:ext>
             </a:extLst>
           </p:cNvPr>
@@ -7460,7 +7460,7 @@
           <p:cNvPr id="5" name="Espace réservé du numéro de diapositive 4">
             <a:extLst>
               <a:ext uri="{FF2B5EF4-FFF2-40B4-BE49-F238E27FC236}">
-                <a16:creationId xmlns="" xmlns:a16="http://schemas.microsoft.com/office/drawing/2014/main" id="{32584258-25F4-5F45-B880-D4DF846C7488}"/>
+                <a16:creationId xmlns:a16="http://schemas.microsoft.com/office/drawing/2014/main" id="{32584258-25F4-5F45-B880-D4DF846C7488}"/>
               </a:ext>
             </a:extLst>
           </p:cNvPr>
@@ -7490,7 +7490,7 @@
           <p:cNvPr id="6" name="Espace réservé du contenu 5">
             <a:extLst>
               <a:ext uri="{FF2B5EF4-FFF2-40B4-BE49-F238E27FC236}">
-                <a16:creationId xmlns="" xmlns:a16="http://schemas.microsoft.com/office/drawing/2014/main" id="{28C686FB-D53D-5343-96C0-FD3799EBACC9}"/>
+                <a16:creationId xmlns:a16="http://schemas.microsoft.com/office/drawing/2014/main" id="{28C686FB-D53D-5343-96C0-FD3799EBACC9}"/>
               </a:ext>
             </a:extLst>
           </p:cNvPr>
@@ -7585,7 +7585,7 @@
           <p:cNvPr id="7" name="Content Placeholder 2">
             <a:extLst>
               <a:ext uri="{FF2B5EF4-FFF2-40B4-BE49-F238E27FC236}">
-                <a16:creationId xmlns="" xmlns:a16="http://schemas.microsoft.com/office/drawing/2014/main" id="{52846071-AAB0-B04A-AD2B-C38095ED47FC}"/>
+                <a16:creationId xmlns:a16="http://schemas.microsoft.com/office/drawing/2014/main" id="{52846071-AAB0-B04A-AD2B-C38095ED47FC}"/>
               </a:ext>
             </a:extLst>
           </p:cNvPr>
@@ -7615,7 +7615,7 @@
         </p:spPr>
         <p:txBody>
           <a:bodyPr vert="horz" lIns="91440" tIns="45720" rIns="91440" bIns="45720" rtlCol="0" anchor="ctr">
-            <a:normAutofit fontScale="92500"/>
+            <a:normAutofit/>
           </a:bodyPr>
           <a:lstStyle>
             <a:lvl1pPr marL="447675" indent="-447675" algn="l" defTabSz="457200" rtl="0" eaLnBrk="1" latinLnBrk="0" hangingPunct="1">
@@ -7951,7 +7951,7 @@
           <p:cNvPr id="8" name="Content Placeholder 2">
             <a:extLst>
               <a:ext uri="{FF2B5EF4-FFF2-40B4-BE49-F238E27FC236}">
-                <a16:creationId xmlns="" xmlns:a16="http://schemas.microsoft.com/office/drawing/2014/main" id="{20D21177-2E74-7E44-B89A-2C0D6A2F9A97}"/>
+                <a16:creationId xmlns:a16="http://schemas.microsoft.com/office/drawing/2014/main" id="{20D21177-2E74-7E44-B89A-2C0D6A2F9A97}"/>
               </a:ext>
             </a:extLst>
           </p:cNvPr>
@@ -8256,7 +8256,7 @@
           <p:cNvPr id="12" name="Graphique 11" descr="Avertissement">
             <a:extLst>
               <a:ext uri="{FF2B5EF4-FFF2-40B4-BE49-F238E27FC236}">
-                <a16:creationId xmlns="" xmlns:a16="http://schemas.microsoft.com/office/drawing/2014/main" id="{0BC9223C-027F-D343-8FE6-890A2A77E6BA}"/>
+                <a16:creationId xmlns:a16="http://schemas.microsoft.com/office/drawing/2014/main" id="{0BC9223C-027F-D343-8FE6-890A2A77E6BA}"/>
               </a:ext>
             </a:extLst>
           </p:cNvPr>
@@ -8269,7 +8269,7 @@
           <a:blip r:embed="rId3">
             <a:extLst>
               <a:ext uri="{96DAC541-7B7A-43D3-8B79-37D633B846F1}">
-                <asvg:svgBlip xmlns="" xmlns:asvg="http://schemas.microsoft.com/office/drawing/2016/SVG/main" r:embed="rId4"/>
+                <asvg:svgBlip xmlns:asvg="http://schemas.microsoft.com/office/drawing/2016/SVG/main" r:embed="rId4"/>
               </a:ext>
             </a:extLst>
           </a:blip>
@@ -8322,7 +8322,7 @@
           <p:cNvPr id="2" name="Titre 1">
             <a:extLst>
               <a:ext uri="{FF2B5EF4-FFF2-40B4-BE49-F238E27FC236}">
-                <a16:creationId xmlns="" xmlns:a16="http://schemas.microsoft.com/office/drawing/2014/main" id="{AAF6BF8F-1C0A-6648-BB5C-FF2D204628C7}"/>
+                <a16:creationId xmlns:a16="http://schemas.microsoft.com/office/drawing/2014/main" id="{AAF6BF8F-1C0A-6648-BB5C-FF2D204628C7}"/>
               </a:ext>
             </a:extLst>
           </p:cNvPr>
@@ -8350,7 +8350,7 @@
           <p:cNvPr id="3" name="Espace réservé de la date 2">
             <a:extLst>
               <a:ext uri="{FF2B5EF4-FFF2-40B4-BE49-F238E27FC236}">
-                <a16:creationId xmlns="" xmlns:a16="http://schemas.microsoft.com/office/drawing/2014/main" id="{E886F580-4B83-4A40-9E8A-2D186DCA3CC5}"/>
+                <a16:creationId xmlns:a16="http://schemas.microsoft.com/office/drawing/2014/main" id="{E886F580-4B83-4A40-9E8A-2D186DCA3CC5}"/>
               </a:ext>
             </a:extLst>
           </p:cNvPr>
@@ -8368,7 +8368,7 @@
           <a:p>
             <a:fld id="{BB2FA04C-1355-4CE6-8050-4BD994E23BD5}" type="datetime4">
               <a:rPr lang="fr-FR" smtClean="0"/>
-              <a:t>6 juin 2019</a:t>
+              <a:t>7 juin 2019</a:t>
             </a:fld>
             <a:endParaRPr lang="fr-FR" dirty="0"/>
           </a:p>
@@ -8379,7 +8379,7 @@
           <p:cNvPr id="4" name="Espace réservé du pied de page 3">
             <a:extLst>
               <a:ext uri="{FF2B5EF4-FFF2-40B4-BE49-F238E27FC236}">
-                <a16:creationId xmlns="" xmlns:a16="http://schemas.microsoft.com/office/drawing/2014/main" id="{75F40588-2712-1B41-9DA9-66C81B6ADE9B}"/>
+                <a16:creationId xmlns:a16="http://schemas.microsoft.com/office/drawing/2014/main" id="{75F40588-2712-1B41-9DA9-66C81B6ADE9B}"/>
               </a:ext>
             </a:extLst>
           </p:cNvPr>
@@ -8407,7 +8407,7 @@
           <p:cNvPr id="5" name="Espace réservé du numéro de diapositive 4">
             <a:extLst>
               <a:ext uri="{FF2B5EF4-FFF2-40B4-BE49-F238E27FC236}">
-                <a16:creationId xmlns="" xmlns:a16="http://schemas.microsoft.com/office/drawing/2014/main" id="{E025222F-3E77-4443-866D-037475DA3222}"/>
+                <a16:creationId xmlns:a16="http://schemas.microsoft.com/office/drawing/2014/main" id="{E025222F-3E77-4443-866D-037475DA3222}"/>
               </a:ext>
             </a:extLst>
           </p:cNvPr>
@@ -8437,7 +8437,7 @@
           <p:cNvPr id="6" name="Espace réservé du contenu 5">
             <a:extLst>
               <a:ext uri="{FF2B5EF4-FFF2-40B4-BE49-F238E27FC236}">
-                <a16:creationId xmlns="" xmlns:a16="http://schemas.microsoft.com/office/drawing/2014/main" id="{E3E3F21A-2F82-654D-A5DB-4C26F77A2994}"/>
+                <a16:creationId xmlns:a16="http://schemas.microsoft.com/office/drawing/2014/main" id="{E3E3F21A-2F82-654D-A5DB-4C26F77A2994}"/>
               </a:ext>
             </a:extLst>
           </p:cNvPr>
@@ -8508,7 +8508,7 @@
           <p:cNvPr id="8" name="Content Placeholder 2">
             <a:extLst>
               <a:ext uri="{FF2B5EF4-FFF2-40B4-BE49-F238E27FC236}">
-                <a16:creationId xmlns="" xmlns:a16="http://schemas.microsoft.com/office/drawing/2014/main" id="{4E251C71-B845-3745-95A0-621856B0FFCE}"/>
+                <a16:creationId xmlns:a16="http://schemas.microsoft.com/office/drawing/2014/main" id="{4E251C71-B845-3745-95A0-621856B0FFCE}"/>
               </a:ext>
             </a:extLst>
           </p:cNvPr>
@@ -9283,7 +9283,7 @@
           <p:cNvPr id="2" name="Titre 1">
             <a:extLst>
               <a:ext uri="{FF2B5EF4-FFF2-40B4-BE49-F238E27FC236}">
-                <a16:creationId xmlns="" xmlns:a16="http://schemas.microsoft.com/office/drawing/2014/main" id="{693CCB8C-B28C-C947-918B-80C0A530049C}"/>
+                <a16:creationId xmlns:a16="http://schemas.microsoft.com/office/drawing/2014/main" id="{693CCB8C-B28C-C947-918B-80C0A530049C}"/>
               </a:ext>
             </a:extLst>
           </p:cNvPr>
@@ -9311,7 +9311,7 @@
           <p:cNvPr id="3" name="Espace réservé de la date 2">
             <a:extLst>
               <a:ext uri="{FF2B5EF4-FFF2-40B4-BE49-F238E27FC236}">
-                <a16:creationId xmlns="" xmlns:a16="http://schemas.microsoft.com/office/drawing/2014/main" id="{A8AFED78-0C80-9F41-9A6C-C99094CB91A9}"/>
+                <a16:creationId xmlns:a16="http://schemas.microsoft.com/office/drawing/2014/main" id="{A8AFED78-0C80-9F41-9A6C-C99094CB91A9}"/>
               </a:ext>
             </a:extLst>
           </p:cNvPr>
@@ -9329,7 +9329,7 @@
           <a:p>
             <a:fld id="{BB2FA04C-1355-4CE6-8050-4BD994E23BD5}" type="datetime4">
               <a:rPr lang="fr-FR" smtClean="0"/>
-              <a:t>6 juin 2019</a:t>
+              <a:t>7 juin 2019</a:t>
             </a:fld>
             <a:endParaRPr lang="fr-FR" dirty="0"/>
           </a:p>
@@ -9340,7 +9340,7 @@
           <p:cNvPr id="4" name="Espace réservé du pied de page 3">
             <a:extLst>
               <a:ext uri="{FF2B5EF4-FFF2-40B4-BE49-F238E27FC236}">
-                <a16:creationId xmlns="" xmlns:a16="http://schemas.microsoft.com/office/drawing/2014/main" id="{ABED245A-0AD1-BE42-897A-E8A901675D43}"/>
+                <a16:creationId xmlns:a16="http://schemas.microsoft.com/office/drawing/2014/main" id="{ABED245A-0AD1-BE42-897A-E8A901675D43}"/>
               </a:ext>
             </a:extLst>
           </p:cNvPr>
@@ -9368,7 +9368,7 @@
           <p:cNvPr id="5" name="Espace réservé du numéro de diapositive 4">
             <a:extLst>
               <a:ext uri="{FF2B5EF4-FFF2-40B4-BE49-F238E27FC236}">
-                <a16:creationId xmlns="" xmlns:a16="http://schemas.microsoft.com/office/drawing/2014/main" id="{32584258-25F4-5F45-B880-D4DF846C7488}"/>
+                <a16:creationId xmlns:a16="http://schemas.microsoft.com/office/drawing/2014/main" id="{32584258-25F4-5F45-B880-D4DF846C7488}"/>
               </a:ext>
             </a:extLst>
           </p:cNvPr>
@@ -9398,7 +9398,7 @@
           <p:cNvPr id="6" name="Espace réservé du contenu 5">
             <a:extLst>
               <a:ext uri="{FF2B5EF4-FFF2-40B4-BE49-F238E27FC236}">
-                <a16:creationId xmlns="" xmlns:a16="http://schemas.microsoft.com/office/drawing/2014/main" id="{28C686FB-D53D-5343-96C0-FD3799EBACC9}"/>
+                <a16:creationId xmlns:a16="http://schemas.microsoft.com/office/drawing/2014/main" id="{28C686FB-D53D-5343-96C0-FD3799EBACC9}"/>
               </a:ext>
             </a:extLst>
           </p:cNvPr>
@@ -9488,7 +9488,7 @@
           <p:cNvPr id="7" name="Content Placeholder 2">
             <a:extLst>
               <a:ext uri="{FF2B5EF4-FFF2-40B4-BE49-F238E27FC236}">
-                <a16:creationId xmlns="" xmlns:a16="http://schemas.microsoft.com/office/drawing/2014/main" id="{52846071-AAB0-B04A-AD2B-C38095ED47FC}"/>
+                <a16:creationId xmlns:a16="http://schemas.microsoft.com/office/drawing/2014/main" id="{52846071-AAB0-B04A-AD2B-C38095ED47FC}"/>
               </a:ext>
             </a:extLst>
           </p:cNvPr>
@@ -9767,7 +9767,7 @@
           <p:cNvPr id="8" name="Content Placeholder 2">
             <a:extLst>
               <a:ext uri="{FF2B5EF4-FFF2-40B4-BE49-F238E27FC236}">
-                <a16:creationId xmlns="" xmlns:a16="http://schemas.microsoft.com/office/drawing/2014/main" id="{20D21177-2E74-7E44-B89A-2C0D6A2F9A97}"/>
+                <a16:creationId xmlns:a16="http://schemas.microsoft.com/office/drawing/2014/main" id="{20D21177-2E74-7E44-B89A-2C0D6A2F9A97}"/>
               </a:ext>
             </a:extLst>
           </p:cNvPr>
@@ -10082,7 +10082,7 @@
           <p:cNvPr id="12" name="Graphique 11" descr="Avertissement">
             <a:extLst>
               <a:ext uri="{FF2B5EF4-FFF2-40B4-BE49-F238E27FC236}">
-                <a16:creationId xmlns="" xmlns:a16="http://schemas.microsoft.com/office/drawing/2014/main" id="{0BC9223C-027F-D343-8FE6-890A2A77E6BA}"/>
+                <a16:creationId xmlns:a16="http://schemas.microsoft.com/office/drawing/2014/main" id="{0BC9223C-027F-D343-8FE6-890A2A77E6BA}"/>
               </a:ext>
             </a:extLst>
           </p:cNvPr>
@@ -10095,7 +10095,7 @@
           <a:blip r:embed="rId3">
             <a:extLst>
               <a:ext uri="{96DAC541-7B7A-43D3-8B79-37D633B846F1}">
-                <asvg:svgBlip xmlns="" xmlns:asvg="http://schemas.microsoft.com/office/drawing/2016/SVG/main" r:embed="rId4"/>
+                <asvg:svgBlip xmlns:asvg="http://schemas.microsoft.com/office/drawing/2016/SVG/main" r:embed="rId4"/>
               </a:ext>
             </a:extLst>
           </a:blip>
@@ -10148,7 +10148,7 @@
           <p:cNvPr id="2" name="Title 1">
             <a:extLst>
               <a:ext uri="{FF2B5EF4-FFF2-40B4-BE49-F238E27FC236}">
-                <a16:creationId xmlns="" xmlns:a16="http://schemas.microsoft.com/office/drawing/2014/main" id="{3D781D41-FD24-2A4C-A8D0-86EB5557FD04}"/>
+                <a16:creationId xmlns:a16="http://schemas.microsoft.com/office/drawing/2014/main" id="{3D781D41-FD24-2A4C-A8D0-86EB5557FD04}"/>
               </a:ext>
             </a:extLst>
           </p:cNvPr>
@@ -10176,7 +10176,7 @@
           <p:cNvPr id="4" name="Date Placeholder 3">
             <a:extLst>
               <a:ext uri="{FF2B5EF4-FFF2-40B4-BE49-F238E27FC236}">
-                <a16:creationId xmlns="" xmlns:a16="http://schemas.microsoft.com/office/drawing/2014/main" id="{420C55B6-3956-EB44-90B6-D4EB4D98C4FE}"/>
+                <a16:creationId xmlns:a16="http://schemas.microsoft.com/office/drawing/2014/main" id="{420C55B6-3956-EB44-90B6-D4EB4D98C4FE}"/>
               </a:ext>
             </a:extLst>
           </p:cNvPr>
@@ -10194,7 +10194,7 @@
           <a:p>
             <a:fld id="{BB2FA04C-1355-4CE6-8050-4BD994E23BD5}" type="datetime4">
               <a:rPr lang="fr-FR" smtClean="0"/>
-              <a:t>6 juin 2019</a:t>
+              <a:t>7 juin 2019</a:t>
             </a:fld>
             <a:endParaRPr lang="fr-FR" dirty="0"/>
           </a:p>
@@ -10205,7 +10205,7 @@
           <p:cNvPr id="5" name="Footer Placeholder 4">
             <a:extLst>
               <a:ext uri="{FF2B5EF4-FFF2-40B4-BE49-F238E27FC236}">
-                <a16:creationId xmlns="" xmlns:a16="http://schemas.microsoft.com/office/drawing/2014/main" id="{FB56D601-127F-104C-A384-EF5CEAAACB54}"/>
+                <a16:creationId xmlns:a16="http://schemas.microsoft.com/office/drawing/2014/main" id="{FB56D601-127F-104C-A384-EF5CEAAACB54}"/>
               </a:ext>
             </a:extLst>
           </p:cNvPr>
@@ -10233,7 +10233,7 @@
           <p:cNvPr id="6" name="Slide Number Placeholder 5">
             <a:extLst>
               <a:ext uri="{FF2B5EF4-FFF2-40B4-BE49-F238E27FC236}">
-                <a16:creationId xmlns="" xmlns:a16="http://schemas.microsoft.com/office/drawing/2014/main" id="{D22605A9-962F-7843-908C-8E40FDB95761}"/>
+                <a16:creationId xmlns:a16="http://schemas.microsoft.com/office/drawing/2014/main" id="{D22605A9-962F-7843-908C-8E40FDB95761}"/>
               </a:ext>
             </a:extLst>
           </p:cNvPr>
@@ -10263,7 +10263,7 @@
           <p:cNvPr id="7" name="Espace réservé du contenu 6">
             <a:extLst>
               <a:ext uri="{FF2B5EF4-FFF2-40B4-BE49-F238E27FC236}">
-                <a16:creationId xmlns="" xmlns:a16="http://schemas.microsoft.com/office/drawing/2014/main" id="{6DC640B6-42CC-FF48-8225-1EB65FC431F9}"/>
+                <a16:creationId xmlns:a16="http://schemas.microsoft.com/office/drawing/2014/main" id="{6DC640B6-42CC-FF48-8225-1EB65FC431F9}"/>
               </a:ext>
             </a:extLst>
           </p:cNvPr>
@@ -10360,7 +10360,7 @@
           <p:cNvPr id="11" name="TextBox 10">
             <a:extLst>
               <a:ext uri="{FF2B5EF4-FFF2-40B4-BE49-F238E27FC236}">
-                <a16:creationId xmlns="" xmlns:a16="http://schemas.microsoft.com/office/drawing/2014/main" id="{E26C1C2E-2242-6341-AAE2-7601707E27C7}"/>
+                <a16:creationId xmlns:a16="http://schemas.microsoft.com/office/drawing/2014/main" id="{E26C1C2E-2242-6341-AAE2-7601707E27C7}"/>
               </a:ext>
             </a:extLst>
           </p:cNvPr>
@@ -10409,7 +10409,7 @@
           <p:cNvPr id="13" name="Content Placeholder 2">
             <a:extLst>
               <a:ext uri="{FF2B5EF4-FFF2-40B4-BE49-F238E27FC236}">
-                <a16:creationId xmlns="" xmlns:a16="http://schemas.microsoft.com/office/drawing/2014/main" id="{6BF32D48-B375-0D44-9294-A95674B5359D}"/>
+                <a16:creationId xmlns:a16="http://schemas.microsoft.com/office/drawing/2014/main" id="{6BF32D48-B375-0D44-9294-A95674B5359D}"/>
               </a:ext>
             </a:extLst>
           </p:cNvPr>
@@ -10912,7 +10912,7 @@
           <p:cNvPr id="16" name="Content Placeholder 2">
             <a:extLst>
               <a:ext uri="{FF2B5EF4-FFF2-40B4-BE49-F238E27FC236}">
-                <a16:creationId xmlns="" xmlns:a16="http://schemas.microsoft.com/office/drawing/2014/main" id="{396DF387-90D7-D646-8AB3-3603D076AB45}"/>
+                <a16:creationId xmlns:a16="http://schemas.microsoft.com/office/drawing/2014/main" id="{396DF387-90D7-D646-8AB3-3603D076AB45}"/>
               </a:ext>
             </a:extLst>
           </p:cNvPr>
@@ -11201,7 +11201,7 @@
           <p:cNvPr id="20" name="Flèche droite rayée 19">
             <a:extLst>
               <a:ext uri="{FF2B5EF4-FFF2-40B4-BE49-F238E27FC236}">
-                <a16:creationId xmlns="" xmlns:a16="http://schemas.microsoft.com/office/drawing/2014/main" id="{F61641B7-3026-9348-BCBF-3182C1877534}"/>
+                <a16:creationId xmlns:a16="http://schemas.microsoft.com/office/drawing/2014/main" id="{F61641B7-3026-9348-BCBF-3182C1877534}"/>
               </a:ext>
             </a:extLst>
           </p:cNvPr>
@@ -11253,7 +11253,7 @@
           <p:cNvPr id="9" name="Groupe 8">
             <a:extLst>
               <a:ext uri="{FF2B5EF4-FFF2-40B4-BE49-F238E27FC236}">
-                <a16:creationId xmlns="" xmlns:a16="http://schemas.microsoft.com/office/drawing/2014/main" id="{ABE04A00-2BD6-FA41-892C-9FD5AB9CB833}"/>
+                <a16:creationId xmlns:a16="http://schemas.microsoft.com/office/drawing/2014/main" id="{ABE04A00-2BD6-FA41-892C-9FD5AB9CB833}"/>
               </a:ext>
             </a:extLst>
           </p:cNvPr>
@@ -11273,7 +11273,7 @@
             <p:cNvPr id="18" name="TextBox 16">
               <a:extLst>
                 <a:ext uri="{FF2B5EF4-FFF2-40B4-BE49-F238E27FC236}">
-                  <a16:creationId xmlns="" xmlns:a16="http://schemas.microsoft.com/office/drawing/2014/main" id="{595BF695-E72B-FE4C-9B8A-FDD64763EE11}"/>
+                  <a16:creationId xmlns:a16="http://schemas.microsoft.com/office/drawing/2014/main" id="{595BF695-E72B-FE4C-9B8A-FDD64763EE11}"/>
                 </a:ext>
               </a:extLst>
             </p:cNvPr>
@@ -11322,7 +11322,7 @@
             <p:cNvPr id="19" name="TextBox 6">
               <a:extLst>
                 <a:ext uri="{FF2B5EF4-FFF2-40B4-BE49-F238E27FC236}">
-                  <a16:creationId xmlns="" xmlns:a16="http://schemas.microsoft.com/office/drawing/2014/main" id="{DE561DF7-7202-AB4F-A8A4-D6856B08BFC9}"/>
+                  <a16:creationId xmlns:a16="http://schemas.microsoft.com/office/drawing/2014/main" id="{DE561DF7-7202-AB4F-A8A4-D6856B08BFC9}"/>
                 </a:ext>
               </a:extLst>
             </p:cNvPr>
@@ -11367,7 +11367,7 @@
             <p:cNvPr id="21" name="Rectangle : coins arrondis 20">
               <a:extLst>
                 <a:ext uri="{FF2B5EF4-FFF2-40B4-BE49-F238E27FC236}">
-                  <a16:creationId xmlns="" xmlns:a16="http://schemas.microsoft.com/office/drawing/2014/main" id="{404A649F-5039-D344-B8B0-9051828E9644}"/>
+                  <a16:creationId xmlns:a16="http://schemas.microsoft.com/office/drawing/2014/main" id="{404A649F-5039-D344-B8B0-9051828E9644}"/>
                 </a:ext>
               </a:extLst>
             </p:cNvPr>
@@ -11421,7 +11421,7 @@
             <p:cNvPr id="22" name="Rectangle : coins arrondis 21">
               <a:extLst>
                 <a:ext uri="{FF2B5EF4-FFF2-40B4-BE49-F238E27FC236}">
-                  <a16:creationId xmlns="" xmlns:a16="http://schemas.microsoft.com/office/drawing/2014/main" id="{6FD256F0-17B8-C242-9027-C6A9A92F2A4F}"/>
+                  <a16:creationId xmlns:a16="http://schemas.microsoft.com/office/drawing/2014/main" id="{6FD256F0-17B8-C242-9027-C6A9A92F2A4F}"/>
                 </a:ext>
               </a:extLst>
             </p:cNvPr>
@@ -11477,7 +11477,7 @@
             <p:cNvPr id="23" name="Ellipse 22">
               <a:extLst>
                 <a:ext uri="{FF2B5EF4-FFF2-40B4-BE49-F238E27FC236}">
-                  <a16:creationId xmlns="" xmlns:a16="http://schemas.microsoft.com/office/drawing/2014/main" id="{EF735648-0012-B94B-809B-A571431CACC4}"/>
+                  <a16:creationId xmlns:a16="http://schemas.microsoft.com/office/drawing/2014/main" id="{EF735648-0012-B94B-809B-A571431CACC4}"/>
                 </a:ext>
               </a:extLst>
             </p:cNvPr>
@@ -11529,7 +11529,7 @@
             <p:cNvPr id="24" name="Ellipse 23">
               <a:extLst>
                 <a:ext uri="{FF2B5EF4-FFF2-40B4-BE49-F238E27FC236}">
-                  <a16:creationId xmlns="" xmlns:a16="http://schemas.microsoft.com/office/drawing/2014/main" id="{AD90B05A-1839-A442-8729-11444EF260C1}"/>
+                  <a16:creationId xmlns:a16="http://schemas.microsoft.com/office/drawing/2014/main" id="{AD90B05A-1839-A442-8729-11444EF260C1}"/>
                 </a:ext>
               </a:extLst>
             </p:cNvPr>
@@ -11581,7 +11581,7 @@
             <p:cNvPr id="25" name="Ellipse 24">
               <a:extLst>
                 <a:ext uri="{FF2B5EF4-FFF2-40B4-BE49-F238E27FC236}">
-                  <a16:creationId xmlns="" xmlns:a16="http://schemas.microsoft.com/office/drawing/2014/main" id="{A789492A-B64D-834A-AD06-E9BF988337AA}"/>
+                  <a16:creationId xmlns:a16="http://schemas.microsoft.com/office/drawing/2014/main" id="{A789492A-B64D-834A-AD06-E9BF988337AA}"/>
                 </a:ext>
               </a:extLst>
             </p:cNvPr>
@@ -11633,7 +11633,7 @@
             <p:cNvPr id="26" name="Rectangle 25">
               <a:extLst>
                 <a:ext uri="{FF2B5EF4-FFF2-40B4-BE49-F238E27FC236}">
-                  <a16:creationId xmlns="" xmlns:a16="http://schemas.microsoft.com/office/drawing/2014/main" id="{E2CB2214-1C90-654A-9A27-4A2801DDA6FB}"/>
+                  <a16:creationId xmlns:a16="http://schemas.microsoft.com/office/drawing/2014/main" id="{E2CB2214-1C90-654A-9A27-4A2801DDA6FB}"/>
                 </a:ext>
               </a:extLst>
             </p:cNvPr>
@@ -11685,7 +11685,7 @@
             <p:cNvPr id="27" name="Graphique 26" descr="Loupe">
               <a:extLst>
                 <a:ext uri="{FF2B5EF4-FFF2-40B4-BE49-F238E27FC236}">
-                  <a16:creationId xmlns="" xmlns:a16="http://schemas.microsoft.com/office/drawing/2014/main" id="{FACAF2D0-56DC-E24C-A06A-57E8ADAF2DD1}"/>
+                  <a16:creationId xmlns:a16="http://schemas.microsoft.com/office/drawing/2014/main" id="{FACAF2D0-56DC-E24C-A06A-57E8ADAF2DD1}"/>
                 </a:ext>
               </a:extLst>
             </p:cNvPr>
@@ -11698,7 +11698,7 @@
             <a:blip r:embed="rId2">
               <a:extLst>
                 <a:ext uri="{96DAC541-7B7A-43D3-8B79-37D633B846F1}">
-                  <asvg:svgBlip xmlns="" xmlns:asvg="http://schemas.microsoft.com/office/drawing/2016/SVG/main" r:embed="rId3"/>
+                  <asvg:svgBlip xmlns:asvg="http://schemas.microsoft.com/office/drawing/2016/SVG/main" r:embed="rId3"/>
                 </a:ext>
               </a:extLst>
             </a:blip>
@@ -11721,7 +11721,7 @@
             <p:cNvPr id="28" name="Graphique 27" descr="Répéter">
               <a:extLst>
                 <a:ext uri="{FF2B5EF4-FFF2-40B4-BE49-F238E27FC236}">
-                  <a16:creationId xmlns="" xmlns:a16="http://schemas.microsoft.com/office/drawing/2014/main" id="{216D99D3-9B12-C842-8EB6-C6B63887B6CB}"/>
+                  <a16:creationId xmlns:a16="http://schemas.microsoft.com/office/drawing/2014/main" id="{216D99D3-9B12-C842-8EB6-C6B63887B6CB}"/>
                 </a:ext>
               </a:extLst>
             </p:cNvPr>
@@ -11734,7 +11734,7 @@
             <a:blip r:embed="rId4">
               <a:extLst>
                 <a:ext uri="{96DAC541-7B7A-43D3-8B79-37D633B846F1}">
-                  <asvg:svgBlip xmlns="" xmlns:asvg="http://schemas.microsoft.com/office/drawing/2016/SVG/main" r:embed="rId5"/>
+                  <asvg:svgBlip xmlns:asvg="http://schemas.microsoft.com/office/drawing/2016/SVG/main" r:embed="rId5"/>
                 </a:ext>
               </a:extLst>
             </a:blip>
@@ -11758,7 +11758,7 @@
           <p:cNvPr id="29" name="Plus 28">
             <a:extLst>
               <a:ext uri="{FF2B5EF4-FFF2-40B4-BE49-F238E27FC236}">
-                <a16:creationId xmlns="" xmlns:a16="http://schemas.microsoft.com/office/drawing/2014/main" id="{DBD67185-79A6-0B43-9E37-E1E388444649}"/>
+                <a16:creationId xmlns:a16="http://schemas.microsoft.com/office/drawing/2014/main" id="{DBD67185-79A6-0B43-9E37-E1E388444649}"/>
               </a:ext>
             </a:extLst>
           </p:cNvPr>
@@ -11840,7 +11840,7 @@
           <p:cNvPr id="9" name="Content Placeholder 8">
             <a:extLst>
               <a:ext uri="{FF2B5EF4-FFF2-40B4-BE49-F238E27FC236}">
-                <a16:creationId xmlns="" xmlns:a16="http://schemas.microsoft.com/office/drawing/2014/main" id="{7171008C-33D2-564A-9A5C-DE60B3631B53}"/>
+                <a16:creationId xmlns:a16="http://schemas.microsoft.com/office/drawing/2014/main" id="{7171008C-33D2-564A-9A5C-DE60B3631B53}"/>
               </a:ext>
             </a:extLst>
           </p:cNvPr>
@@ -12078,7 +12078,7 @@
           <p:cNvPr id="2" name="Title 1">
             <a:extLst>
               <a:ext uri="{FF2B5EF4-FFF2-40B4-BE49-F238E27FC236}">
-                <a16:creationId xmlns="" xmlns:a16="http://schemas.microsoft.com/office/drawing/2014/main" id="{292E5049-3D68-0B4C-8368-A3F7326DA3F3}"/>
+                <a16:creationId xmlns:a16="http://schemas.microsoft.com/office/drawing/2014/main" id="{292E5049-3D68-0B4C-8368-A3F7326DA3F3}"/>
               </a:ext>
             </a:extLst>
           </p:cNvPr>
@@ -12108,7 +12108,7 @@
           <p:cNvPr id="4" name="Date Placeholder 3">
             <a:extLst>
               <a:ext uri="{FF2B5EF4-FFF2-40B4-BE49-F238E27FC236}">
-                <a16:creationId xmlns="" xmlns:a16="http://schemas.microsoft.com/office/drawing/2014/main" id="{22A32B8D-BBE5-8C4E-9272-18FBB16939DF}"/>
+                <a16:creationId xmlns:a16="http://schemas.microsoft.com/office/drawing/2014/main" id="{22A32B8D-BBE5-8C4E-9272-18FBB16939DF}"/>
               </a:ext>
             </a:extLst>
           </p:cNvPr>
@@ -12126,7 +12126,7 @@
           <a:p>
             <a:fld id="{BB2FA04C-1355-4CE6-8050-4BD994E23BD5}" type="datetime4">
               <a:rPr lang="fr-FR" smtClean="0"/>
-              <a:t>6 juin 2019</a:t>
+              <a:t>7 juin 2019</a:t>
             </a:fld>
             <a:endParaRPr lang="fr-FR" dirty="0"/>
           </a:p>
@@ -12137,7 +12137,7 @@
           <p:cNvPr id="5" name="Footer Placeholder 4">
             <a:extLst>
               <a:ext uri="{FF2B5EF4-FFF2-40B4-BE49-F238E27FC236}">
-                <a16:creationId xmlns="" xmlns:a16="http://schemas.microsoft.com/office/drawing/2014/main" id="{83E54689-6744-D64C-AE5A-D5DF86385EA0}"/>
+                <a16:creationId xmlns:a16="http://schemas.microsoft.com/office/drawing/2014/main" id="{83E54689-6744-D64C-AE5A-D5DF86385EA0}"/>
               </a:ext>
             </a:extLst>
           </p:cNvPr>
@@ -12165,7 +12165,7 @@
           <p:cNvPr id="6" name="Slide Number Placeholder 5">
             <a:extLst>
               <a:ext uri="{FF2B5EF4-FFF2-40B4-BE49-F238E27FC236}">
-                <a16:creationId xmlns="" xmlns:a16="http://schemas.microsoft.com/office/drawing/2014/main" id="{EDC98D25-B28C-A949-9B74-5E32FB637545}"/>
+                <a16:creationId xmlns:a16="http://schemas.microsoft.com/office/drawing/2014/main" id="{EDC98D25-B28C-A949-9B74-5E32FB637545}"/>
               </a:ext>
             </a:extLst>
           </p:cNvPr>
@@ -12195,7 +12195,7 @@
           <p:cNvPr id="13" name="Rectangle 12">
             <a:extLst>
               <a:ext uri="{FF2B5EF4-FFF2-40B4-BE49-F238E27FC236}">
-                <a16:creationId xmlns="" xmlns:a16="http://schemas.microsoft.com/office/drawing/2014/main" id="{8E91D0EA-1410-614D-B508-C3507AD713B7}"/>
+                <a16:creationId xmlns:a16="http://schemas.microsoft.com/office/drawing/2014/main" id="{8E91D0EA-1410-614D-B508-C3507AD713B7}"/>
               </a:ext>
             </a:extLst>
           </p:cNvPr>
@@ -12250,7 +12250,7 @@
           <p:cNvPr id="14" name="Rectangle 13">
             <a:extLst>
               <a:ext uri="{FF2B5EF4-FFF2-40B4-BE49-F238E27FC236}">
-                <a16:creationId xmlns="" xmlns:a16="http://schemas.microsoft.com/office/drawing/2014/main" id="{AF6E6C00-99E6-194F-8254-D9BFE175F4D6}"/>
+                <a16:creationId xmlns:a16="http://schemas.microsoft.com/office/drawing/2014/main" id="{AF6E6C00-99E6-194F-8254-D9BFE175F4D6}"/>
               </a:ext>
             </a:extLst>
           </p:cNvPr>
@@ -12305,7 +12305,7 @@
           <p:cNvPr id="15" name="Rectangle 14">
             <a:extLst>
               <a:ext uri="{FF2B5EF4-FFF2-40B4-BE49-F238E27FC236}">
-                <a16:creationId xmlns="" xmlns:a16="http://schemas.microsoft.com/office/drawing/2014/main" id="{BD1C3F94-4B3F-D047-ADDF-DA3B0D295DB3}"/>
+                <a16:creationId xmlns:a16="http://schemas.microsoft.com/office/drawing/2014/main" id="{BD1C3F94-4B3F-D047-ADDF-DA3B0D295DB3}"/>
               </a:ext>
             </a:extLst>
           </p:cNvPr>
@@ -12360,7 +12360,7 @@
           <p:cNvPr id="16" name="TextBox 15">
             <a:extLst>
               <a:ext uri="{FF2B5EF4-FFF2-40B4-BE49-F238E27FC236}">
-                <a16:creationId xmlns="" xmlns:a16="http://schemas.microsoft.com/office/drawing/2014/main" id="{008AB252-CA57-8F4B-B7C6-14EB14613F70}"/>
+                <a16:creationId xmlns:a16="http://schemas.microsoft.com/office/drawing/2014/main" id="{008AB252-CA57-8F4B-B7C6-14EB14613F70}"/>
               </a:ext>
             </a:extLst>
           </p:cNvPr>
@@ -12402,7 +12402,7 @@
           <p:cNvPr id="17" name="TextBox 16">
             <a:extLst>
               <a:ext uri="{FF2B5EF4-FFF2-40B4-BE49-F238E27FC236}">
-                <a16:creationId xmlns="" xmlns:a16="http://schemas.microsoft.com/office/drawing/2014/main" id="{33B4B34C-BF08-2C43-8CCA-42996617454F}"/>
+                <a16:creationId xmlns:a16="http://schemas.microsoft.com/office/drawing/2014/main" id="{33B4B34C-BF08-2C43-8CCA-42996617454F}"/>
               </a:ext>
             </a:extLst>
           </p:cNvPr>
@@ -12440,7 +12440,7 @@
           <p:cNvPr id="18" name="Rectangle 17">
             <a:extLst>
               <a:ext uri="{FF2B5EF4-FFF2-40B4-BE49-F238E27FC236}">
-                <a16:creationId xmlns="" xmlns:a16="http://schemas.microsoft.com/office/drawing/2014/main" id="{FC888A80-A134-5646-A68C-8471F6229DE8}"/>
+                <a16:creationId xmlns:a16="http://schemas.microsoft.com/office/drawing/2014/main" id="{FC888A80-A134-5646-A68C-8471F6229DE8}"/>
               </a:ext>
             </a:extLst>
           </p:cNvPr>
@@ -12495,7 +12495,7 @@
           <p:cNvPr id="20" name="Straight Arrow Connector 19">
             <a:extLst>
               <a:ext uri="{FF2B5EF4-FFF2-40B4-BE49-F238E27FC236}">
-                <a16:creationId xmlns="" xmlns:a16="http://schemas.microsoft.com/office/drawing/2014/main" id="{409E42EF-D661-CC4A-9D12-49B94A7E09B7}"/>
+                <a16:creationId xmlns:a16="http://schemas.microsoft.com/office/drawing/2014/main" id="{409E42EF-D661-CC4A-9D12-49B94A7E09B7}"/>
               </a:ext>
             </a:extLst>
           </p:cNvPr>
@@ -12537,7 +12537,7 @@
           <p:cNvPr id="22" name="Straight Arrow Connector 21">
             <a:extLst>
               <a:ext uri="{FF2B5EF4-FFF2-40B4-BE49-F238E27FC236}">
-                <a16:creationId xmlns="" xmlns:a16="http://schemas.microsoft.com/office/drawing/2014/main" id="{2B2617B8-5CA1-224F-B3F6-5184E8D2A2DA}"/>
+                <a16:creationId xmlns:a16="http://schemas.microsoft.com/office/drawing/2014/main" id="{2B2617B8-5CA1-224F-B3F6-5184E8D2A2DA}"/>
               </a:ext>
             </a:extLst>
           </p:cNvPr>
@@ -12579,7 +12579,7 @@
           <p:cNvPr id="24" name="TextBox 23">
             <a:extLst>
               <a:ext uri="{FF2B5EF4-FFF2-40B4-BE49-F238E27FC236}">
-                <a16:creationId xmlns="" xmlns:a16="http://schemas.microsoft.com/office/drawing/2014/main" id="{D32DB8BF-560B-064F-9A52-8EDA227ED628}"/>
+                <a16:creationId xmlns:a16="http://schemas.microsoft.com/office/drawing/2014/main" id="{D32DB8BF-560B-064F-9A52-8EDA227ED628}"/>
               </a:ext>
             </a:extLst>
           </p:cNvPr>
@@ -12621,7 +12621,7 @@
           <p:cNvPr id="25" name="TextBox 24">
             <a:extLst>
               <a:ext uri="{FF2B5EF4-FFF2-40B4-BE49-F238E27FC236}">
-                <a16:creationId xmlns="" xmlns:a16="http://schemas.microsoft.com/office/drawing/2014/main" id="{87BADBD4-E805-1A4A-8716-63F8BF6582AC}"/>
+                <a16:creationId xmlns:a16="http://schemas.microsoft.com/office/drawing/2014/main" id="{87BADBD4-E805-1A4A-8716-63F8BF6582AC}"/>
               </a:ext>
             </a:extLst>
           </p:cNvPr>
@@ -12663,7 +12663,7 @@
           <p:cNvPr id="26" name="TextBox 25">
             <a:extLst>
               <a:ext uri="{FF2B5EF4-FFF2-40B4-BE49-F238E27FC236}">
-                <a16:creationId xmlns="" xmlns:a16="http://schemas.microsoft.com/office/drawing/2014/main" id="{C08E9D00-AEF1-394E-BABA-2D57190D6F9B}"/>
+                <a16:creationId xmlns:a16="http://schemas.microsoft.com/office/drawing/2014/main" id="{C08E9D00-AEF1-394E-BABA-2D57190D6F9B}"/>
               </a:ext>
             </a:extLst>
           </p:cNvPr>
@@ -12705,7 +12705,7 @@
           <p:cNvPr id="28" name="TextBox 27">
             <a:extLst>
               <a:ext uri="{FF2B5EF4-FFF2-40B4-BE49-F238E27FC236}">
-                <a16:creationId xmlns="" xmlns:a16="http://schemas.microsoft.com/office/drawing/2014/main" id="{7EFDA3C8-F281-5046-B611-74135653AE08}"/>
+                <a16:creationId xmlns:a16="http://schemas.microsoft.com/office/drawing/2014/main" id="{7EFDA3C8-F281-5046-B611-74135653AE08}"/>
               </a:ext>
             </a:extLst>
           </p:cNvPr>
@@ -12775,7 +12775,7 @@
           <p:cNvPr id="2" name="Titre 1">
             <a:extLst>
               <a:ext uri="{FF2B5EF4-FFF2-40B4-BE49-F238E27FC236}">
-                <a16:creationId xmlns="" xmlns:a16="http://schemas.microsoft.com/office/drawing/2014/main" id="{E01D1BDB-9CCB-324A-9F50-8BB6508F3668}"/>
+                <a16:creationId xmlns:a16="http://schemas.microsoft.com/office/drawing/2014/main" id="{E01D1BDB-9CCB-324A-9F50-8BB6508F3668}"/>
               </a:ext>
             </a:extLst>
           </p:cNvPr>
@@ -12807,7 +12807,7 @@
           <p:cNvPr id="3" name="Espace réservé de la date 2">
             <a:extLst>
               <a:ext uri="{FF2B5EF4-FFF2-40B4-BE49-F238E27FC236}">
-                <a16:creationId xmlns="" xmlns:a16="http://schemas.microsoft.com/office/drawing/2014/main" id="{AA9B1C76-EEB5-F04D-B29C-46E94431E47C}"/>
+                <a16:creationId xmlns:a16="http://schemas.microsoft.com/office/drawing/2014/main" id="{AA9B1C76-EEB5-F04D-B29C-46E94431E47C}"/>
               </a:ext>
             </a:extLst>
           </p:cNvPr>
@@ -12825,7 +12825,7 @@
           <a:p>
             <a:fld id="{BB2FA04C-1355-4CE6-8050-4BD994E23BD5}" type="datetime4">
               <a:rPr lang="fr-FR" smtClean="0"/>
-              <a:t>6 juin 2019</a:t>
+              <a:t>7 juin 2019</a:t>
             </a:fld>
             <a:endParaRPr lang="fr-FR" dirty="0"/>
           </a:p>
@@ -12836,7 +12836,7 @@
           <p:cNvPr id="4" name="Espace réservé du pied de page 3">
             <a:extLst>
               <a:ext uri="{FF2B5EF4-FFF2-40B4-BE49-F238E27FC236}">
-                <a16:creationId xmlns="" xmlns:a16="http://schemas.microsoft.com/office/drawing/2014/main" id="{395E64A5-7038-9440-B8CC-9A5F9C608F0C}"/>
+                <a16:creationId xmlns:a16="http://schemas.microsoft.com/office/drawing/2014/main" id="{395E64A5-7038-9440-B8CC-9A5F9C608F0C}"/>
               </a:ext>
             </a:extLst>
           </p:cNvPr>
@@ -12864,7 +12864,7 @@
           <p:cNvPr id="5" name="Espace réservé du numéro de diapositive 4">
             <a:extLst>
               <a:ext uri="{FF2B5EF4-FFF2-40B4-BE49-F238E27FC236}">
-                <a16:creationId xmlns="" xmlns:a16="http://schemas.microsoft.com/office/drawing/2014/main" id="{FE49C59A-DE19-5743-B6A8-1A8187D562EA}"/>
+                <a16:creationId xmlns:a16="http://schemas.microsoft.com/office/drawing/2014/main" id="{FE49C59A-DE19-5743-B6A8-1A8187D562EA}"/>
               </a:ext>
             </a:extLst>
           </p:cNvPr>
@@ -12894,7 +12894,7 @@
           <p:cNvPr id="6" name="Espace réservé du contenu 5">
             <a:extLst>
               <a:ext uri="{FF2B5EF4-FFF2-40B4-BE49-F238E27FC236}">
-                <a16:creationId xmlns="" xmlns:a16="http://schemas.microsoft.com/office/drawing/2014/main" id="{C222AB4F-84D7-5349-860B-CC53A3B512AE}"/>
+                <a16:creationId xmlns:a16="http://schemas.microsoft.com/office/drawing/2014/main" id="{C222AB4F-84D7-5349-860B-CC53A3B512AE}"/>
               </a:ext>
             </a:extLst>
           </p:cNvPr>
@@ -13055,7 +13055,7 @@
           <p:cNvPr id="8" name="Image 7">
             <a:extLst>
               <a:ext uri="{FF2B5EF4-FFF2-40B4-BE49-F238E27FC236}">
-                <a16:creationId xmlns="" xmlns:a16="http://schemas.microsoft.com/office/drawing/2014/main" id="{AF3D9743-9FB9-A840-92D5-53A95D1A4285}"/>
+                <a16:creationId xmlns:a16="http://schemas.microsoft.com/office/drawing/2014/main" id="{AF3D9743-9FB9-A840-92D5-53A95D1A4285}"/>
               </a:ext>
             </a:extLst>
           </p:cNvPr>
@@ -13114,7 +13114,7 @@
           <p:cNvPr id="2" name="Titre 1">
             <a:extLst>
               <a:ext uri="{FF2B5EF4-FFF2-40B4-BE49-F238E27FC236}">
-                <a16:creationId xmlns="" xmlns:a16="http://schemas.microsoft.com/office/drawing/2014/main" id="{E01D1BDB-9CCB-324A-9F50-8BB6508F3668}"/>
+                <a16:creationId xmlns:a16="http://schemas.microsoft.com/office/drawing/2014/main" id="{E01D1BDB-9CCB-324A-9F50-8BB6508F3668}"/>
               </a:ext>
             </a:extLst>
           </p:cNvPr>
@@ -13147,7 +13147,7 @@
           <p:cNvPr id="3" name="Espace réservé de la date 2">
             <a:extLst>
               <a:ext uri="{FF2B5EF4-FFF2-40B4-BE49-F238E27FC236}">
-                <a16:creationId xmlns="" xmlns:a16="http://schemas.microsoft.com/office/drawing/2014/main" id="{AA9B1C76-EEB5-F04D-B29C-46E94431E47C}"/>
+                <a16:creationId xmlns:a16="http://schemas.microsoft.com/office/drawing/2014/main" id="{AA9B1C76-EEB5-F04D-B29C-46E94431E47C}"/>
               </a:ext>
             </a:extLst>
           </p:cNvPr>
@@ -13165,7 +13165,7 @@
           <a:p>
             <a:fld id="{BB2FA04C-1355-4CE6-8050-4BD994E23BD5}" type="datetime4">
               <a:rPr lang="fr-FR" smtClean="0"/>
-              <a:t>6 juin 2019</a:t>
+              <a:t>7 juin 2019</a:t>
             </a:fld>
             <a:endParaRPr lang="fr-FR" dirty="0"/>
           </a:p>
@@ -13176,7 +13176,7 @@
           <p:cNvPr id="4" name="Espace réservé du pied de page 3">
             <a:extLst>
               <a:ext uri="{FF2B5EF4-FFF2-40B4-BE49-F238E27FC236}">
-                <a16:creationId xmlns="" xmlns:a16="http://schemas.microsoft.com/office/drawing/2014/main" id="{395E64A5-7038-9440-B8CC-9A5F9C608F0C}"/>
+                <a16:creationId xmlns:a16="http://schemas.microsoft.com/office/drawing/2014/main" id="{395E64A5-7038-9440-B8CC-9A5F9C608F0C}"/>
               </a:ext>
             </a:extLst>
           </p:cNvPr>
@@ -13204,7 +13204,7 @@
           <p:cNvPr id="5" name="Espace réservé du numéro de diapositive 4">
             <a:extLst>
               <a:ext uri="{FF2B5EF4-FFF2-40B4-BE49-F238E27FC236}">
-                <a16:creationId xmlns="" xmlns:a16="http://schemas.microsoft.com/office/drawing/2014/main" id="{FE49C59A-DE19-5743-B6A8-1A8187D562EA}"/>
+                <a16:creationId xmlns:a16="http://schemas.microsoft.com/office/drawing/2014/main" id="{FE49C59A-DE19-5743-B6A8-1A8187D562EA}"/>
               </a:ext>
             </a:extLst>
           </p:cNvPr>
@@ -13234,7 +13234,7 @@
           <p:cNvPr id="6" name="Espace réservé du contenu 5">
             <a:extLst>
               <a:ext uri="{FF2B5EF4-FFF2-40B4-BE49-F238E27FC236}">
-                <a16:creationId xmlns="" xmlns:a16="http://schemas.microsoft.com/office/drawing/2014/main" id="{C222AB4F-84D7-5349-860B-CC53A3B512AE}"/>
+                <a16:creationId xmlns:a16="http://schemas.microsoft.com/office/drawing/2014/main" id="{C222AB4F-84D7-5349-860B-CC53A3B512AE}"/>
               </a:ext>
             </a:extLst>
           </p:cNvPr>
@@ -13449,7 +13449,7 @@
           <p:cNvPr id="7" name="Image 6">
             <a:extLst>
               <a:ext uri="{FF2B5EF4-FFF2-40B4-BE49-F238E27FC236}">
-                <a16:creationId xmlns="" xmlns:a16="http://schemas.microsoft.com/office/drawing/2014/main" id="{D29F687E-830E-E340-B8F5-3BC0A1523B78}"/>
+                <a16:creationId xmlns:a16="http://schemas.microsoft.com/office/drawing/2014/main" id="{D29F687E-830E-E340-B8F5-3BC0A1523B78}"/>
               </a:ext>
             </a:extLst>
           </p:cNvPr>
@@ -13509,7 +13509,7 @@
           <p:cNvPr id="2" name="Titre 1">
             <a:extLst>
               <a:ext uri="{FF2B5EF4-FFF2-40B4-BE49-F238E27FC236}">
-                <a16:creationId xmlns="" xmlns:a16="http://schemas.microsoft.com/office/drawing/2014/main" id="{28A11F93-43D2-B249-8473-DDB3C25D8A3E}"/>
+                <a16:creationId xmlns:a16="http://schemas.microsoft.com/office/drawing/2014/main" id="{28A11F93-43D2-B249-8473-DDB3C25D8A3E}"/>
               </a:ext>
             </a:extLst>
           </p:cNvPr>
@@ -13545,7 +13545,7 @@
           <p:cNvPr id="3" name="Espace réservé de la date 2">
             <a:extLst>
               <a:ext uri="{FF2B5EF4-FFF2-40B4-BE49-F238E27FC236}">
-                <a16:creationId xmlns="" xmlns:a16="http://schemas.microsoft.com/office/drawing/2014/main" id="{72E02210-0E9F-3A41-B1C3-2383232B8F0C}"/>
+                <a16:creationId xmlns:a16="http://schemas.microsoft.com/office/drawing/2014/main" id="{72E02210-0E9F-3A41-B1C3-2383232B8F0C}"/>
               </a:ext>
             </a:extLst>
           </p:cNvPr>
@@ -13563,7 +13563,7 @@
           <a:p>
             <a:fld id="{BB2FA04C-1355-4CE6-8050-4BD994E23BD5}" type="datetime4">
               <a:rPr lang="fr-FR" smtClean="0"/>
-              <a:t>6 juin 2019</a:t>
+              <a:t>7 juin 2019</a:t>
             </a:fld>
             <a:endParaRPr lang="fr-FR" dirty="0"/>
           </a:p>
@@ -13574,7 +13574,7 @@
           <p:cNvPr id="4" name="Espace réservé du pied de page 3">
             <a:extLst>
               <a:ext uri="{FF2B5EF4-FFF2-40B4-BE49-F238E27FC236}">
-                <a16:creationId xmlns="" xmlns:a16="http://schemas.microsoft.com/office/drawing/2014/main" id="{8005E26B-55F4-3643-B123-6021AB1186DD}"/>
+                <a16:creationId xmlns:a16="http://schemas.microsoft.com/office/drawing/2014/main" id="{8005E26B-55F4-3643-B123-6021AB1186DD}"/>
               </a:ext>
             </a:extLst>
           </p:cNvPr>
@@ -13602,7 +13602,7 @@
           <p:cNvPr id="5" name="Espace réservé du numéro de diapositive 4">
             <a:extLst>
               <a:ext uri="{FF2B5EF4-FFF2-40B4-BE49-F238E27FC236}">
-                <a16:creationId xmlns="" xmlns:a16="http://schemas.microsoft.com/office/drawing/2014/main" id="{46EB57A9-90BD-EC4C-AE49-722BC5988F19}"/>
+                <a16:creationId xmlns:a16="http://schemas.microsoft.com/office/drawing/2014/main" id="{46EB57A9-90BD-EC4C-AE49-722BC5988F19}"/>
               </a:ext>
             </a:extLst>
           </p:cNvPr>
@@ -13632,7 +13632,7 @@
           <p:cNvPr id="6" name="Espace réservé du contenu 5">
             <a:extLst>
               <a:ext uri="{FF2B5EF4-FFF2-40B4-BE49-F238E27FC236}">
-                <a16:creationId xmlns="" xmlns:a16="http://schemas.microsoft.com/office/drawing/2014/main" id="{2E0B6639-1FBA-9C40-8C26-1F40C7F9CE72}"/>
+                <a16:creationId xmlns:a16="http://schemas.microsoft.com/office/drawing/2014/main" id="{2E0B6639-1FBA-9C40-8C26-1F40C7F9CE72}"/>
               </a:ext>
             </a:extLst>
           </p:cNvPr>
@@ -13764,7 +13764,7 @@
           <p:cNvPr id="7" name="Image 6">
             <a:extLst>
               <a:ext uri="{FF2B5EF4-FFF2-40B4-BE49-F238E27FC236}">
-                <a16:creationId xmlns="" xmlns:a16="http://schemas.microsoft.com/office/drawing/2014/main" id="{8120C3B8-D915-0841-A665-0DD03CD7948A}"/>
+                <a16:creationId xmlns:a16="http://schemas.microsoft.com/office/drawing/2014/main" id="{8120C3B8-D915-0841-A665-0DD03CD7948A}"/>
               </a:ext>
             </a:extLst>
           </p:cNvPr>
@@ -13824,7 +13824,7 @@
           <p:cNvPr id="2" name="Titre 1">
             <a:extLst>
               <a:ext uri="{FF2B5EF4-FFF2-40B4-BE49-F238E27FC236}">
-                <a16:creationId xmlns="" xmlns:a16="http://schemas.microsoft.com/office/drawing/2014/main" id="{08F09A9B-3867-A743-B279-32E29EC76597}"/>
+                <a16:creationId xmlns:a16="http://schemas.microsoft.com/office/drawing/2014/main" id="{08F09A9B-3867-A743-B279-32E29EC76597}"/>
               </a:ext>
             </a:extLst>
           </p:cNvPr>
@@ -13852,7 +13852,7 @@
           <p:cNvPr id="3" name="Espace réservé de la date 2">
             <a:extLst>
               <a:ext uri="{FF2B5EF4-FFF2-40B4-BE49-F238E27FC236}">
-                <a16:creationId xmlns="" xmlns:a16="http://schemas.microsoft.com/office/drawing/2014/main" id="{19460B09-ADC6-8B43-9432-B0B08EAAEBC4}"/>
+                <a16:creationId xmlns:a16="http://schemas.microsoft.com/office/drawing/2014/main" id="{19460B09-ADC6-8B43-9432-B0B08EAAEBC4}"/>
               </a:ext>
             </a:extLst>
           </p:cNvPr>
@@ -13870,7 +13870,7 @@
           <a:p>
             <a:fld id="{BB2FA04C-1355-4CE6-8050-4BD994E23BD5}" type="datetime4">
               <a:rPr lang="fr-FR" smtClean="0"/>
-              <a:t>6 juin 2019</a:t>
+              <a:t>7 juin 2019</a:t>
             </a:fld>
             <a:endParaRPr lang="fr-FR" dirty="0"/>
           </a:p>
@@ -13881,7 +13881,7 @@
           <p:cNvPr id="4" name="Espace réservé du pied de page 3">
             <a:extLst>
               <a:ext uri="{FF2B5EF4-FFF2-40B4-BE49-F238E27FC236}">
-                <a16:creationId xmlns="" xmlns:a16="http://schemas.microsoft.com/office/drawing/2014/main" id="{63006305-65C6-D44C-9213-8C733E156352}"/>
+                <a16:creationId xmlns:a16="http://schemas.microsoft.com/office/drawing/2014/main" id="{63006305-65C6-D44C-9213-8C733E156352}"/>
               </a:ext>
             </a:extLst>
           </p:cNvPr>
@@ -13909,7 +13909,7 @@
           <p:cNvPr id="5" name="Espace réservé du numéro de diapositive 4">
             <a:extLst>
               <a:ext uri="{FF2B5EF4-FFF2-40B4-BE49-F238E27FC236}">
-                <a16:creationId xmlns="" xmlns:a16="http://schemas.microsoft.com/office/drawing/2014/main" id="{3CB088AA-6A3C-CC4F-913C-1FF59BB31DCF}"/>
+                <a16:creationId xmlns:a16="http://schemas.microsoft.com/office/drawing/2014/main" id="{3CB088AA-6A3C-CC4F-913C-1FF59BB31DCF}"/>
               </a:ext>
             </a:extLst>
           </p:cNvPr>
@@ -13939,7 +13939,7 @@
           <p:cNvPr id="6" name="Espace réservé du contenu 5">
             <a:extLst>
               <a:ext uri="{FF2B5EF4-FFF2-40B4-BE49-F238E27FC236}">
-                <a16:creationId xmlns="" xmlns:a16="http://schemas.microsoft.com/office/drawing/2014/main" id="{D897DCF9-70C5-4840-A6FF-1CB7B5F9D836}"/>
+                <a16:creationId xmlns:a16="http://schemas.microsoft.com/office/drawing/2014/main" id="{D897DCF9-70C5-4840-A6FF-1CB7B5F9D836}"/>
               </a:ext>
             </a:extLst>
           </p:cNvPr>
@@ -14280,7 +14280,7 @@
           <a:p>
             <a:fld id="{BB2FA04C-1355-4CE6-8050-4BD994E23BD5}" type="datetime4">
               <a:rPr lang="fr-FR" smtClean="0"/>
-              <a:t>6 juin 2019</a:t>
+              <a:t>7 juin 2019</a:t>
             </a:fld>
             <a:endParaRPr lang="fr-FR" dirty="0"/>
           </a:p>
@@ -14337,7 +14337,7 @@
           <p:cNvPr id="8" name="Picture 7">
             <a:extLst>
               <a:ext uri="{FF2B5EF4-FFF2-40B4-BE49-F238E27FC236}">
-                <a16:creationId xmlns="" xmlns:a16="http://schemas.microsoft.com/office/drawing/2014/main" id="{D0FBC761-7416-AE43-BE36-517D120AE3A8}"/>
+                <a16:creationId xmlns:a16="http://schemas.microsoft.com/office/drawing/2014/main" id="{D0FBC761-7416-AE43-BE36-517D120AE3A8}"/>
               </a:ext>
             </a:extLst>
           </p:cNvPr>
@@ -14371,7 +14371,7 @@
           <p:cNvPr id="9" name="Rectangle 8">
             <a:extLst>
               <a:ext uri="{FF2B5EF4-FFF2-40B4-BE49-F238E27FC236}">
-                <a16:creationId xmlns="" xmlns:a16="http://schemas.microsoft.com/office/drawing/2014/main" id="{968B666C-5F06-B14B-943C-216D5B93860D}"/>
+                <a16:creationId xmlns:a16="http://schemas.microsoft.com/office/drawing/2014/main" id="{968B666C-5F06-B14B-943C-216D5B93860D}"/>
               </a:ext>
             </a:extLst>
           </p:cNvPr>
@@ -14405,7 +14405,7 @@
           <p:cNvPr id="10" name="Rectangle 9">
             <a:extLst>
               <a:ext uri="{FF2B5EF4-FFF2-40B4-BE49-F238E27FC236}">
-                <a16:creationId xmlns="" xmlns:a16="http://schemas.microsoft.com/office/drawing/2014/main" id="{0B42A9E5-241C-F643-9D7D-768315CDF7E6}"/>
+                <a16:creationId xmlns:a16="http://schemas.microsoft.com/office/drawing/2014/main" id="{0B42A9E5-241C-F643-9D7D-768315CDF7E6}"/>
               </a:ext>
             </a:extLst>
           </p:cNvPr>
@@ -14622,10 +14622,6 @@
               <a:rPr lang="fr-FR" sz="2400" b="1" dirty="0"/>
               <a:t>effets avancées</a:t>
             </a:r>
-            <a:r>
-              <a:rPr lang="fr-FR" sz="2400" dirty="0"/>
-              <a:t/>
-            </a:r>
             <a:br>
               <a:rPr lang="fr-FR" sz="2400" dirty="0"/>
             </a:br>
@@ -14654,7 +14650,7 @@
           <a:p>
             <a:fld id="{BB2FA04C-1355-4CE6-8050-4BD994E23BD5}" type="datetime4">
               <a:rPr lang="fr-FR" smtClean="0"/>
-              <a:t>6 juin 2019</a:t>
+              <a:t>7 juin 2019</a:t>
             </a:fld>
             <a:endParaRPr lang="fr-FR" dirty="0"/>
           </a:p>
@@ -14949,7 +14945,7 @@
           <a:p>
             <a:fld id="{1AC11C67-BE04-4C5F-B0EE-E01220C9093A}" type="datetime4">
               <a:rPr lang="fr-FR" smtClean="0"/>
-              <a:t>6 juin 2019</a:t>
+              <a:t>7 juin 2019</a:t>
             </a:fld>
             <a:endParaRPr lang="fr-FR" dirty="0"/>
           </a:p>
@@ -15044,7 +15040,7 @@
           <p:cNvPr id="8" name="Content Placeholder 2">
             <a:extLst>
               <a:ext uri="{FF2B5EF4-FFF2-40B4-BE49-F238E27FC236}">
-                <a16:creationId xmlns="" xmlns:a16="http://schemas.microsoft.com/office/drawing/2014/main" id="{913A25E9-AFDB-8F44-BA9A-06304EBCA55F}"/>
+                <a16:creationId xmlns:a16="http://schemas.microsoft.com/office/drawing/2014/main" id="{913A25E9-AFDB-8F44-BA9A-06304EBCA55F}"/>
               </a:ext>
             </a:extLst>
           </p:cNvPr>
@@ -15474,7 +15470,7 @@
           <a:p>
             <a:fld id="{1AC11C67-BE04-4C5F-B0EE-E01220C9093A}" type="datetime4">
               <a:rPr lang="fr-FR" smtClean="0"/>
-              <a:t>6 juin 2019</a:t>
+              <a:t>7 juin 2019</a:t>
             </a:fld>
             <a:endParaRPr lang="fr-FR" dirty="0"/>
           </a:p>
@@ -15531,7 +15527,7 @@
           <p:cNvPr id="9" name="TextBox 6">
             <a:extLst>
               <a:ext uri="{FF2B5EF4-FFF2-40B4-BE49-F238E27FC236}">
-                <a16:creationId xmlns="" xmlns:a16="http://schemas.microsoft.com/office/drawing/2014/main" id="{EDD30962-F634-9645-B9BC-FBF3B3AAEF28}"/>
+                <a16:creationId xmlns:a16="http://schemas.microsoft.com/office/drawing/2014/main" id="{EDD30962-F634-9645-B9BC-FBF3B3AAEF28}"/>
               </a:ext>
             </a:extLst>
           </p:cNvPr>
@@ -15567,7 +15563,7 @@
           <p:cNvPr id="10" name="Elbow Connector 8">
             <a:extLst>
               <a:ext uri="{FF2B5EF4-FFF2-40B4-BE49-F238E27FC236}">
-                <a16:creationId xmlns="" xmlns:a16="http://schemas.microsoft.com/office/drawing/2014/main" id="{BE849B3C-F263-7044-B8C8-46B3F993D569}"/>
+                <a16:creationId xmlns:a16="http://schemas.microsoft.com/office/drawing/2014/main" id="{BE849B3C-F263-7044-B8C8-46B3F993D569}"/>
               </a:ext>
             </a:extLst>
           </p:cNvPr>
@@ -15613,7 +15609,7 @@
           <p:cNvPr id="12" name="TextBox 14">
             <a:extLst>
               <a:ext uri="{FF2B5EF4-FFF2-40B4-BE49-F238E27FC236}">
-                <a16:creationId xmlns="" xmlns:a16="http://schemas.microsoft.com/office/drawing/2014/main" id="{62D5A010-7FFF-6F4F-9E2D-16AC2EBFE53A}"/>
+                <a16:creationId xmlns:a16="http://schemas.microsoft.com/office/drawing/2014/main" id="{62D5A010-7FFF-6F4F-9E2D-16AC2EBFE53A}"/>
               </a:ext>
             </a:extLst>
           </p:cNvPr>
@@ -15649,7 +15645,7 @@
           <p:cNvPr id="13" name="Left Brace 15">
             <a:extLst>
               <a:ext uri="{FF2B5EF4-FFF2-40B4-BE49-F238E27FC236}">
-                <a16:creationId xmlns="" xmlns:a16="http://schemas.microsoft.com/office/drawing/2014/main" id="{8CF3268E-666A-B144-8A4E-6D07E4E555ED}"/>
+                <a16:creationId xmlns:a16="http://schemas.microsoft.com/office/drawing/2014/main" id="{8CF3268E-666A-B144-8A4E-6D07E4E555ED}"/>
               </a:ext>
             </a:extLst>
           </p:cNvPr>
@@ -15701,7 +15697,7 @@
           <p:cNvPr id="14" name="TextBox 16">
             <a:extLst>
               <a:ext uri="{FF2B5EF4-FFF2-40B4-BE49-F238E27FC236}">
-                <a16:creationId xmlns="" xmlns:a16="http://schemas.microsoft.com/office/drawing/2014/main" id="{1C0582AA-0788-E54A-81AC-2EB296DD9A7D}"/>
+                <a16:creationId xmlns:a16="http://schemas.microsoft.com/office/drawing/2014/main" id="{1C0582AA-0788-E54A-81AC-2EB296DD9A7D}"/>
               </a:ext>
             </a:extLst>
           </p:cNvPr>
@@ -15736,7 +15732,7 @@
           <p:cNvPr id="15" name="Left Brace 17">
             <a:extLst>
               <a:ext uri="{FF2B5EF4-FFF2-40B4-BE49-F238E27FC236}">
-                <a16:creationId xmlns="" xmlns:a16="http://schemas.microsoft.com/office/drawing/2014/main" id="{5979B6E7-F022-3744-8F00-B2315C77AC21}"/>
+                <a16:creationId xmlns:a16="http://schemas.microsoft.com/office/drawing/2014/main" id="{5979B6E7-F022-3744-8F00-B2315C77AC21}"/>
               </a:ext>
             </a:extLst>
           </p:cNvPr>
@@ -15788,7 +15784,7 @@
           <p:cNvPr id="16" name="TextBox 18">
             <a:extLst>
               <a:ext uri="{FF2B5EF4-FFF2-40B4-BE49-F238E27FC236}">
-                <a16:creationId xmlns="" xmlns:a16="http://schemas.microsoft.com/office/drawing/2014/main" id="{FF7CEF00-34E1-6A4C-818C-3622FCE07DC0}"/>
+                <a16:creationId xmlns:a16="http://schemas.microsoft.com/office/drawing/2014/main" id="{FF7CEF00-34E1-6A4C-818C-3622FCE07DC0}"/>
               </a:ext>
             </a:extLst>
           </p:cNvPr>
@@ -15824,7 +15820,7 @@
           <p:cNvPr id="19" name="Left Brace 15">
             <a:extLst>
               <a:ext uri="{FF2B5EF4-FFF2-40B4-BE49-F238E27FC236}">
-                <a16:creationId xmlns="" xmlns:a16="http://schemas.microsoft.com/office/drawing/2014/main" id="{A0767C1C-D467-CE4B-9532-1E8296F7ED5F}"/>
+                <a16:creationId xmlns:a16="http://schemas.microsoft.com/office/drawing/2014/main" id="{A0767C1C-D467-CE4B-9532-1E8296F7ED5F}"/>
               </a:ext>
             </a:extLst>
           </p:cNvPr>
@@ -15876,7 +15872,7 @@
           <p:cNvPr id="20" name="Left Brace 17">
             <a:extLst>
               <a:ext uri="{FF2B5EF4-FFF2-40B4-BE49-F238E27FC236}">
-                <a16:creationId xmlns="" xmlns:a16="http://schemas.microsoft.com/office/drawing/2014/main" id="{705FFFFC-475A-BB4D-87D6-BAC46DC32578}"/>
+                <a16:creationId xmlns:a16="http://schemas.microsoft.com/office/drawing/2014/main" id="{705FFFFC-475A-BB4D-87D6-BAC46DC32578}"/>
               </a:ext>
             </a:extLst>
           </p:cNvPr>
@@ -15928,7 +15924,7 @@
           <p:cNvPr id="21" name="TextBox 18">
             <a:extLst>
               <a:ext uri="{FF2B5EF4-FFF2-40B4-BE49-F238E27FC236}">
-                <a16:creationId xmlns="" xmlns:a16="http://schemas.microsoft.com/office/drawing/2014/main" id="{45019D55-77A4-2547-8B5D-17D0DC3B2758}"/>
+                <a16:creationId xmlns:a16="http://schemas.microsoft.com/office/drawing/2014/main" id="{45019D55-77A4-2547-8B5D-17D0DC3B2758}"/>
               </a:ext>
             </a:extLst>
           </p:cNvPr>
@@ -16009,15 +16005,7 @@
           <a:p>
             <a:r>
               <a:rPr lang="fr-FR" b="1" dirty="0"/>
-              <a:t>Où définir les règles </a:t>
-            </a:r>
-            <a:r>
-              <a:rPr lang="fr-FR" b="1" dirty="0" smtClean="0"/>
-              <a:t>(1/3</a:t>
-            </a:r>
-            <a:r>
-              <a:rPr lang="fr-FR" b="1" dirty="0"/>
-              <a:t>)</a:t>
+              <a:t>Où définir les règles (1/3)</a:t>
             </a:r>
             <a:endParaRPr lang="fr-FR" dirty="0"/>
           </a:p>
@@ -16134,7 +16122,7 @@
           <a:p>
             <a:fld id="{1AC11C67-BE04-4C5F-B0EE-E01220C9093A}" type="datetime4">
               <a:rPr lang="fr-FR" smtClean="0"/>
-              <a:t>6 juin 2019</a:t>
+              <a:t>7 juin 2019</a:t>
             </a:fld>
             <a:endParaRPr lang="fr-FR" dirty="0"/>
           </a:p>
@@ -16191,7 +16179,7 @@
           <p:cNvPr id="7" name="Content Placeholder 2">
             <a:extLst>
               <a:ext uri="{FF2B5EF4-FFF2-40B4-BE49-F238E27FC236}">
-                <a16:creationId xmlns="" xmlns:a16="http://schemas.microsoft.com/office/drawing/2014/main" id="{5C173360-0263-4A41-8E12-F39A96C3D0D9}"/>
+                <a16:creationId xmlns:a16="http://schemas.microsoft.com/office/drawing/2014/main" id="{5C173360-0263-4A41-8E12-F39A96C3D0D9}"/>
               </a:ext>
             </a:extLst>
           </p:cNvPr>
@@ -16221,7 +16209,7 @@
         </p:spPr>
         <p:txBody>
           <a:bodyPr vert="horz" lIns="91440" tIns="45720" rIns="91440" bIns="45720" rtlCol="0" anchor="ctr">
-            <a:normAutofit lnSpcReduction="10000"/>
+            <a:normAutofit/>
           </a:bodyPr>
           <a:lstStyle>
             <a:lvl1pPr marL="447675" indent="-447675" algn="l" defTabSz="457200" rtl="0" eaLnBrk="1" latinLnBrk="0" hangingPunct="1">
@@ -16393,7 +16381,6 @@
           </a:p>
           <a:p>
             <a:pPr marL="47625" indent="0">
-              <a:buFont typeface="Brix Slab Bold" pitchFamily="50" charset="0"/>
               <a:buNone/>
             </a:pPr>
             <a:r>
@@ -16404,7 +16391,47 @@
                 <a:latin typeface="Source Code Pro" panose="020B0509030403020204" pitchFamily="49" charset="0"/>
                 <a:ea typeface="Source Code Pro" panose="020B0509030403020204" pitchFamily="49" charset="0"/>
               </a:rPr>
-              <a:t>&lt;html&gt;</a:t>
+              <a:t>&lt;html </a:t>
+            </a:r>
+            <a:r>
+              <a:rPr lang="fr-FR" sz="1400" dirty="0" err="1">
+                <a:solidFill>
+                  <a:srgbClr val="008080"/>
+                </a:solidFill>
+                <a:latin typeface="Source Code Pro" panose="020B0509030403020204" pitchFamily="49" charset="0"/>
+                <a:ea typeface="Source Code Pro" panose="020B0509030403020204" pitchFamily="49" charset="0"/>
+              </a:rPr>
+              <a:t>lang</a:t>
+            </a:r>
+            <a:r>
+              <a:rPr lang="fr-FR" sz="1400" dirty="0">
+                <a:solidFill>
+                  <a:srgbClr val="010080"/>
+                </a:solidFill>
+                <a:latin typeface="Source Code Pro" panose="020B0509030403020204" pitchFamily="49" charset="0"/>
+                <a:ea typeface="Source Code Pro" panose="020B0509030403020204" pitchFamily="49" charset="0"/>
+              </a:rPr>
+              <a:t>="</a:t>
+            </a:r>
+            <a:r>
+              <a:rPr lang="fr-FR" sz="1400" dirty="0" err="1">
+                <a:solidFill>
+                  <a:srgbClr val="990000"/>
+                </a:solidFill>
+                <a:latin typeface="Source Code Pro" panose="020B0509030403020204" pitchFamily="49" charset="0"/>
+                <a:ea typeface="Source Code Pro" panose="020B0509030403020204" pitchFamily="49" charset="0"/>
+              </a:rPr>
+              <a:t>fr</a:t>
+            </a:r>
+            <a:r>
+              <a:rPr lang="fr-FR" sz="1400" dirty="0">
+                <a:solidFill>
+                  <a:srgbClr val="010080"/>
+                </a:solidFill>
+                <a:latin typeface="Source Code Pro" panose="020B0509030403020204" pitchFamily="49" charset="0"/>
+                <a:ea typeface="Source Code Pro" panose="020B0509030403020204" pitchFamily="49" charset="0"/>
+              </a:rPr>
+              <a:t>"&gt;</a:t>
             </a:r>
           </a:p>
           <a:p>
@@ -16787,7 +16814,7 @@
           <p:cNvPr id="8" name="Content Placeholder 2">
             <a:extLst>
               <a:ext uri="{FF2B5EF4-FFF2-40B4-BE49-F238E27FC236}">
-                <a16:creationId xmlns="" xmlns:a16="http://schemas.microsoft.com/office/drawing/2014/main" id="{494117E9-33D6-D343-B36F-0889BA2BA91A}"/>
+                <a16:creationId xmlns:a16="http://schemas.microsoft.com/office/drawing/2014/main" id="{494117E9-33D6-D343-B36F-0889BA2BA91A}"/>
               </a:ext>
             </a:extLst>
           </p:cNvPr>
@@ -17121,7 +17148,7 @@
           <p:cNvPr id="9" name="ZoneTexte 8">
             <a:extLst>
               <a:ext uri="{FF2B5EF4-FFF2-40B4-BE49-F238E27FC236}">
-                <a16:creationId xmlns="" xmlns:a16="http://schemas.microsoft.com/office/drawing/2014/main" id="{E0A8355A-3233-4A42-A253-6535E38E26EA}"/>
+                <a16:creationId xmlns:a16="http://schemas.microsoft.com/office/drawing/2014/main" id="{E0A8355A-3233-4A42-A253-6535E38E26EA}"/>
               </a:ext>
             </a:extLst>
           </p:cNvPr>
@@ -17161,7 +17188,7 @@
           <p:cNvPr id="10" name="ZoneTexte 9">
             <a:extLst>
               <a:ext uri="{FF2B5EF4-FFF2-40B4-BE49-F238E27FC236}">
-                <a16:creationId xmlns="" xmlns:a16="http://schemas.microsoft.com/office/drawing/2014/main" id="{123ED65B-E527-464E-9A44-10B7B13C2E29}"/>
+                <a16:creationId xmlns:a16="http://schemas.microsoft.com/office/drawing/2014/main" id="{123ED65B-E527-464E-9A44-10B7B13C2E29}"/>
               </a:ext>
             </a:extLst>
           </p:cNvPr>
@@ -17246,11 +17273,7 @@
           <a:p>
             <a:r>
               <a:rPr lang="fr-FR" b="1" dirty="0"/>
-              <a:t>Où définir les </a:t>
-            </a:r>
-            <a:r>
-              <a:rPr lang="fr-FR" b="1" dirty="0" smtClean="0"/>
-              <a:t>règles (2/3)</a:t>
+              <a:t>Où définir les règles (2/3)</a:t>
             </a:r>
             <a:endParaRPr lang="fr-FR" dirty="0"/>
           </a:p>
@@ -17303,7 +17326,7 @@
           <a:p>
             <a:fld id="{1AC11C67-BE04-4C5F-B0EE-E01220C9093A}" type="datetime4">
               <a:rPr lang="fr-FR" smtClean="0"/>
-              <a:t>6 juin 2019</a:t>
+              <a:t>7 juin 2019</a:t>
             </a:fld>
             <a:endParaRPr lang="fr-FR" dirty="0"/>
           </a:p>
@@ -17360,7 +17383,7 @@
           <p:cNvPr id="7" name="Content Placeholder 2">
             <a:extLst>
               <a:ext uri="{FF2B5EF4-FFF2-40B4-BE49-F238E27FC236}">
-                <a16:creationId xmlns="" xmlns:a16="http://schemas.microsoft.com/office/drawing/2014/main" id="{090641FE-2C02-524B-8103-71F39B04A597}"/>
+                <a16:creationId xmlns:a16="http://schemas.microsoft.com/office/drawing/2014/main" id="{090641FE-2C02-524B-8103-71F39B04A597}"/>
               </a:ext>
             </a:extLst>
           </p:cNvPr>
@@ -17562,7 +17585,6 @@
           </a:p>
           <a:p>
             <a:pPr marL="47625" indent="0">
-              <a:buFont typeface="Brix Slab Bold" pitchFamily="50" charset="0"/>
               <a:buNone/>
             </a:pPr>
             <a:r>
@@ -17573,7 +17595,47 @@
                 <a:latin typeface="Source Code Pro" panose="020B0509030403020204" pitchFamily="49" charset="0"/>
                 <a:ea typeface="Source Code Pro" panose="020B0509030403020204" pitchFamily="49" charset="0"/>
               </a:rPr>
-              <a:t>&lt;html&gt;</a:t>
+              <a:t>&lt;html </a:t>
+            </a:r>
+            <a:r>
+              <a:rPr lang="fr-FR" sz="1400" dirty="0" err="1">
+                <a:solidFill>
+                  <a:srgbClr val="008080"/>
+                </a:solidFill>
+                <a:latin typeface="Source Code Pro" panose="020B0509030403020204" pitchFamily="49" charset="0"/>
+                <a:ea typeface="Source Code Pro" panose="020B0509030403020204" pitchFamily="49" charset="0"/>
+              </a:rPr>
+              <a:t>lang</a:t>
+            </a:r>
+            <a:r>
+              <a:rPr lang="fr-FR" sz="1400" dirty="0">
+                <a:solidFill>
+                  <a:srgbClr val="010080"/>
+                </a:solidFill>
+                <a:latin typeface="Source Code Pro" panose="020B0509030403020204" pitchFamily="49" charset="0"/>
+                <a:ea typeface="Source Code Pro" panose="020B0509030403020204" pitchFamily="49" charset="0"/>
+              </a:rPr>
+              <a:t>="</a:t>
+            </a:r>
+            <a:r>
+              <a:rPr lang="fr-FR" sz="1400" dirty="0" err="1">
+                <a:solidFill>
+                  <a:srgbClr val="990000"/>
+                </a:solidFill>
+                <a:latin typeface="Source Code Pro" panose="020B0509030403020204" pitchFamily="49" charset="0"/>
+                <a:ea typeface="Source Code Pro" panose="020B0509030403020204" pitchFamily="49" charset="0"/>
+              </a:rPr>
+              <a:t>fr</a:t>
+            </a:r>
+            <a:r>
+              <a:rPr lang="fr-FR" sz="1400" dirty="0">
+                <a:solidFill>
+                  <a:srgbClr val="010080"/>
+                </a:solidFill>
+                <a:latin typeface="Source Code Pro" panose="020B0509030403020204" pitchFamily="49" charset="0"/>
+                <a:ea typeface="Source Code Pro" panose="020B0509030403020204" pitchFamily="49" charset="0"/>
+              </a:rPr>
+              <a:t>"&gt;</a:t>
             </a:r>
           </a:p>
           <a:p>
@@ -18104,11 +18166,7 @@
             </a:r>
             <a:r>
               <a:rPr lang="fr-FR" b="1"/>
-              <a:t>règles </a:t>
-            </a:r>
-            <a:r>
-              <a:rPr lang="fr-FR" b="1" smtClean="0"/>
-              <a:t>(3/3)</a:t>
+              <a:t>règles (3/3)</a:t>
             </a:r>
             <a:endParaRPr lang="fr-FR" dirty="0"/>
           </a:p>
@@ -18180,7 +18238,7 @@
           <a:p>
             <a:fld id="{1AC11C67-BE04-4C5F-B0EE-E01220C9093A}" type="datetime4">
               <a:rPr lang="fr-FR" smtClean="0"/>
-              <a:t>6 juin 2019</a:t>
+              <a:t>7 juin 2019</a:t>
             </a:fld>
             <a:endParaRPr lang="fr-FR" dirty="0"/>
           </a:p>
@@ -18237,7 +18295,7 @@
           <p:cNvPr id="7" name="Content Placeholder 2">
             <a:extLst>
               <a:ext uri="{FF2B5EF4-FFF2-40B4-BE49-F238E27FC236}">
-                <a16:creationId xmlns="" xmlns:a16="http://schemas.microsoft.com/office/drawing/2014/main" id="{3E15AB0B-0182-D441-9A33-5D3D6C95448A}"/>
+                <a16:creationId xmlns:a16="http://schemas.microsoft.com/office/drawing/2014/main" id="{3E15AB0B-0182-D441-9A33-5D3D6C95448A}"/>
               </a:ext>
             </a:extLst>
           </p:cNvPr>
@@ -18439,7 +18497,6 @@
           </a:p>
           <a:p>
             <a:pPr marL="47625" indent="0">
-              <a:buFont typeface="Brix Slab Bold" pitchFamily="50" charset="0"/>
               <a:buNone/>
             </a:pPr>
             <a:r>
@@ -18450,7 +18507,47 @@
                 <a:latin typeface="Source Code Pro" panose="020B0509030403020204" pitchFamily="49" charset="0"/>
                 <a:ea typeface="Source Code Pro" panose="020B0509030403020204" pitchFamily="49" charset="0"/>
               </a:rPr>
-              <a:t>&lt;html&gt;</a:t>
+              <a:t>&lt;html </a:t>
+            </a:r>
+            <a:r>
+              <a:rPr lang="fr-FR" sz="1400" dirty="0" err="1">
+                <a:solidFill>
+                  <a:srgbClr val="008080"/>
+                </a:solidFill>
+                <a:latin typeface="Source Code Pro" panose="020B0509030403020204" pitchFamily="49" charset="0"/>
+                <a:ea typeface="Source Code Pro" panose="020B0509030403020204" pitchFamily="49" charset="0"/>
+              </a:rPr>
+              <a:t>lang</a:t>
+            </a:r>
+            <a:r>
+              <a:rPr lang="fr-FR" sz="1400" dirty="0">
+                <a:solidFill>
+                  <a:srgbClr val="010080"/>
+                </a:solidFill>
+                <a:latin typeface="Source Code Pro" panose="020B0509030403020204" pitchFamily="49" charset="0"/>
+                <a:ea typeface="Source Code Pro" panose="020B0509030403020204" pitchFamily="49" charset="0"/>
+              </a:rPr>
+              <a:t>="</a:t>
+            </a:r>
+            <a:r>
+              <a:rPr lang="fr-FR" sz="1400" dirty="0" err="1">
+                <a:solidFill>
+                  <a:srgbClr val="990000"/>
+                </a:solidFill>
+                <a:latin typeface="Source Code Pro" panose="020B0509030403020204" pitchFamily="49" charset="0"/>
+                <a:ea typeface="Source Code Pro" panose="020B0509030403020204" pitchFamily="49" charset="0"/>
+              </a:rPr>
+              <a:t>fr</a:t>
+            </a:r>
+            <a:r>
+              <a:rPr lang="fr-FR" sz="1400" dirty="0">
+                <a:solidFill>
+                  <a:srgbClr val="010080"/>
+                </a:solidFill>
+                <a:latin typeface="Source Code Pro" panose="020B0509030403020204" pitchFamily="49" charset="0"/>
+                <a:ea typeface="Source Code Pro" panose="020B0509030403020204" pitchFamily="49" charset="0"/>
+              </a:rPr>
+              <a:t>"&gt;</a:t>
             </a:r>
           </a:p>
           <a:p>
@@ -18819,7 +18916,7 @@
           <p:cNvPr id="2" name="Title 1">
             <a:extLst>
               <a:ext uri="{FF2B5EF4-FFF2-40B4-BE49-F238E27FC236}">
-                <a16:creationId xmlns="" xmlns:a16="http://schemas.microsoft.com/office/drawing/2014/main" id="{3D781D41-FD24-2A4C-A8D0-86EB5557FD04}"/>
+                <a16:creationId xmlns:a16="http://schemas.microsoft.com/office/drawing/2014/main" id="{3D781D41-FD24-2A4C-A8D0-86EB5557FD04}"/>
               </a:ext>
             </a:extLst>
           </p:cNvPr>
@@ -18847,7 +18944,7 @@
           <p:cNvPr id="4" name="Date Placeholder 3">
             <a:extLst>
               <a:ext uri="{FF2B5EF4-FFF2-40B4-BE49-F238E27FC236}">
-                <a16:creationId xmlns="" xmlns:a16="http://schemas.microsoft.com/office/drawing/2014/main" id="{420C55B6-3956-EB44-90B6-D4EB4D98C4FE}"/>
+                <a16:creationId xmlns:a16="http://schemas.microsoft.com/office/drawing/2014/main" id="{420C55B6-3956-EB44-90B6-D4EB4D98C4FE}"/>
               </a:ext>
             </a:extLst>
           </p:cNvPr>
@@ -18865,7 +18962,7 @@
           <a:p>
             <a:fld id="{BB2FA04C-1355-4CE6-8050-4BD994E23BD5}" type="datetime4">
               <a:rPr lang="fr-FR" smtClean="0"/>
-              <a:t>6 juin 2019</a:t>
+              <a:t>7 juin 2019</a:t>
             </a:fld>
             <a:endParaRPr lang="fr-FR" dirty="0"/>
           </a:p>
@@ -18876,7 +18973,7 @@
           <p:cNvPr id="5" name="Footer Placeholder 4">
             <a:extLst>
               <a:ext uri="{FF2B5EF4-FFF2-40B4-BE49-F238E27FC236}">
-                <a16:creationId xmlns="" xmlns:a16="http://schemas.microsoft.com/office/drawing/2014/main" id="{FB56D601-127F-104C-A384-EF5CEAAACB54}"/>
+                <a16:creationId xmlns:a16="http://schemas.microsoft.com/office/drawing/2014/main" id="{FB56D601-127F-104C-A384-EF5CEAAACB54}"/>
               </a:ext>
             </a:extLst>
           </p:cNvPr>
@@ -18904,7 +19001,7 @@
           <p:cNvPr id="6" name="Slide Number Placeholder 5">
             <a:extLst>
               <a:ext uri="{FF2B5EF4-FFF2-40B4-BE49-F238E27FC236}">
-                <a16:creationId xmlns="" xmlns:a16="http://schemas.microsoft.com/office/drawing/2014/main" id="{D22605A9-962F-7843-908C-8E40FDB95761}"/>
+                <a16:creationId xmlns:a16="http://schemas.microsoft.com/office/drawing/2014/main" id="{D22605A9-962F-7843-908C-8E40FDB95761}"/>
               </a:ext>
             </a:extLst>
           </p:cNvPr>
@@ -18934,7 +19031,7 @@
           <p:cNvPr id="3" name="Espace réservé du contenu 2">
             <a:extLst>
               <a:ext uri="{FF2B5EF4-FFF2-40B4-BE49-F238E27FC236}">
-                <a16:creationId xmlns="" xmlns:a16="http://schemas.microsoft.com/office/drawing/2014/main" id="{756785C8-1B4B-B24E-91F6-FB8870B517EA}"/>
+                <a16:creationId xmlns:a16="http://schemas.microsoft.com/office/drawing/2014/main" id="{756785C8-1B4B-B24E-91F6-FB8870B517EA}"/>
               </a:ext>
             </a:extLst>
           </p:cNvPr>
@@ -18974,7 +19071,7 @@
           <p:cNvPr id="21" name="TextBox 20">
             <a:extLst>
               <a:ext uri="{FF2B5EF4-FFF2-40B4-BE49-F238E27FC236}">
-                <a16:creationId xmlns="" xmlns:a16="http://schemas.microsoft.com/office/drawing/2014/main" id="{A0B5BAA9-287C-734F-8CAC-6FC17D944F90}"/>
+                <a16:creationId xmlns:a16="http://schemas.microsoft.com/office/drawing/2014/main" id="{A0B5BAA9-287C-734F-8CAC-6FC17D944F90}"/>
               </a:ext>
             </a:extLst>
           </p:cNvPr>
@@ -19023,7 +19120,7 @@
           <p:cNvPr id="9" name="Content Placeholder 2">
             <a:extLst>
               <a:ext uri="{FF2B5EF4-FFF2-40B4-BE49-F238E27FC236}">
-                <a16:creationId xmlns="" xmlns:a16="http://schemas.microsoft.com/office/drawing/2014/main" id="{562BA10A-E9B9-2841-B04F-956545F6FA38}"/>
+                <a16:creationId xmlns:a16="http://schemas.microsoft.com/office/drawing/2014/main" id="{562BA10A-E9B9-2841-B04F-956545F6FA38}"/>
               </a:ext>
             </a:extLst>
           </p:cNvPr>
@@ -19968,7 +20065,7 @@
           <p:cNvPr id="2" name="Title 1">
             <a:extLst>
               <a:ext uri="{FF2B5EF4-FFF2-40B4-BE49-F238E27FC236}">
-                <a16:creationId xmlns="" xmlns:a16="http://schemas.microsoft.com/office/drawing/2014/main" id="{3D781D41-FD24-2A4C-A8D0-86EB5557FD04}"/>
+                <a16:creationId xmlns:a16="http://schemas.microsoft.com/office/drawing/2014/main" id="{3D781D41-FD24-2A4C-A8D0-86EB5557FD04}"/>
               </a:ext>
             </a:extLst>
           </p:cNvPr>
@@ -19986,15 +20083,7 @@
           <a:p>
             <a:r>
               <a:rPr lang="fr-FR" b="1" dirty="0"/>
-              <a:t>Propriétés graphiques de base </a:t>
-            </a:r>
-            <a:r>
-              <a:rPr lang="fr-FR" b="1" dirty="0" smtClean="0"/>
-              <a:t>(2/2</a:t>
-            </a:r>
-            <a:r>
-              <a:rPr lang="fr-FR" b="1" dirty="0"/>
-              <a:t>)</a:t>
+              <a:t>Propriétés graphiques de base (2/2)</a:t>
             </a:r>
           </a:p>
         </p:txBody>
@@ -20004,7 +20093,7 @@
           <p:cNvPr id="4" name="Date Placeholder 3">
             <a:extLst>
               <a:ext uri="{FF2B5EF4-FFF2-40B4-BE49-F238E27FC236}">
-                <a16:creationId xmlns="" xmlns:a16="http://schemas.microsoft.com/office/drawing/2014/main" id="{420C55B6-3956-EB44-90B6-D4EB4D98C4FE}"/>
+                <a16:creationId xmlns:a16="http://schemas.microsoft.com/office/drawing/2014/main" id="{420C55B6-3956-EB44-90B6-D4EB4D98C4FE}"/>
               </a:ext>
             </a:extLst>
           </p:cNvPr>
@@ -20027,7 +20116,7 @@
           <a:p>
             <a:fld id="{BB2FA04C-1355-4CE6-8050-4BD994E23BD5}" type="datetime4">
               <a:rPr lang="fr-FR" smtClean="0"/>
-              <a:t>6 juin 2019</a:t>
+              <a:t>7 juin 2019</a:t>
             </a:fld>
             <a:endParaRPr lang="fr-FR" dirty="0"/>
           </a:p>
@@ -20038,7 +20127,7 @@
           <p:cNvPr id="5" name="Footer Placeholder 4">
             <a:extLst>
               <a:ext uri="{FF2B5EF4-FFF2-40B4-BE49-F238E27FC236}">
-                <a16:creationId xmlns="" xmlns:a16="http://schemas.microsoft.com/office/drawing/2014/main" id="{FB56D601-127F-104C-A384-EF5CEAAACB54}"/>
+                <a16:creationId xmlns:a16="http://schemas.microsoft.com/office/drawing/2014/main" id="{FB56D601-127F-104C-A384-EF5CEAAACB54}"/>
               </a:ext>
             </a:extLst>
           </p:cNvPr>
@@ -20066,7 +20155,7 @@
           <p:cNvPr id="6" name="Slide Number Placeholder 5">
             <a:extLst>
               <a:ext uri="{FF2B5EF4-FFF2-40B4-BE49-F238E27FC236}">
-                <a16:creationId xmlns="" xmlns:a16="http://schemas.microsoft.com/office/drawing/2014/main" id="{D22605A9-962F-7843-908C-8E40FDB95761}"/>
+                <a16:creationId xmlns:a16="http://schemas.microsoft.com/office/drawing/2014/main" id="{D22605A9-962F-7843-908C-8E40FDB95761}"/>
               </a:ext>
             </a:extLst>
           </p:cNvPr>
@@ -20096,7 +20185,7 @@
           <p:cNvPr id="8" name="Espace réservé du contenu 7">
             <a:extLst>
               <a:ext uri="{FF2B5EF4-FFF2-40B4-BE49-F238E27FC236}">
-                <a16:creationId xmlns="" xmlns:a16="http://schemas.microsoft.com/office/drawing/2014/main" id="{749A70A8-5D61-8E48-BADA-70DB9F81783A}"/>
+                <a16:creationId xmlns:a16="http://schemas.microsoft.com/office/drawing/2014/main" id="{749A70A8-5D61-8E48-BADA-70DB9F81783A}"/>
               </a:ext>
             </a:extLst>
           </p:cNvPr>
@@ -20136,7 +20225,7 @@
           <p:cNvPr id="7" name="TextBox 6">
             <a:extLst>
               <a:ext uri="{FF2B5EF4-FFF2-40B4-BE49-F238E27FC236}">
-                <a16:creationId xmlns="" xmlns:a16="http://schemas.microsoft.com/office/drawing/2014/main" id="{308C2EE4-3F46-4F47-9966-5587D2C9591E}"/>
+                <a16:creationId xmlns:a16="http://schemas.microsoft.com/office/drawing/2014/main" id="{308C2EE4-3F46-4F47-9966-5587D2C9591E}"/>
               </a:ext>
             </a:extLst>
           </p:cNvPr>
@@ -20209,7 +20298,7 @@
           <p:cNvPr id="12" name="Content Placeholder 2">
             <a:extLst>
               <a:ext uri="{FF2B5EF4-FFF2-40B4-BE49-F238E27FC236}">
-                <a16:creationId xmlns="" xmlns:a16="http://schemas.microsoft.com/office/drawing/2014/main" id="{ABA71136-0F66-0C4D-BCD6-B0BEBD964A33}"/>
+                <a16:creationId xmlns:a16="http://schemas.microsoft.com/office/drawing/2014/main" id="{ABA71136-0F66-0C4D-BCD6-B0BEBD964A33}"/>
               </a:ext>
             </a:extLst>
           </p:cNvPr>
@@ -20634,7 +20723,7 @@
           <p:cNvPr id="15" name="Content Placeholder 2">
             <a:extLst>
               <a:ext uri="{FF2B5EF4-FFF2-40B4-BE49-F238E27FC236}">
-                <a16:creationId xmlns="" xmlns:a16="http://schemas.microsoft.com/office/drawing/2014/main" id="{F767B455-168E-D24B-B02C-7D162C906359}"/>
+                <a16:creationId xmlns:a16="http://schemas.microsoft.com/office/drawing/2014/main" id="{F767B455-168E-D24B-B02C-7D162C906359}"/>
               </a:ext>
             </a:extLst>
           </p:cNvPr>
@@ -20664,7 +20753,7 @@
         </p:spPr>
         <p:txBody>
           <a:bodyPr vert="horz" lIns="91440" tIns="45720" rIns="91440" bIns="45720" rtlCol="0" anchor="ctr">
-            <a:normAutofit fontScale="92500" lnSpcReduction="20000"/>
+            <a:normAutofit fontScale="92500" lnSpcReduction="10000"/>
           </a:bodyPr>
           <a:lstStyle>
             <a:lvl1pPr marL="447675" indent="-447675" algn="l" defTabSz="457200" rtl="0" eaLnBrk="1" latinLnBrk="0" hangingPunct="1">
@@ -20943,7 +21032,7 @@
           <p:cNvPr id="10" name="Plus 9">
             <a:extLst>
               <a:ext uri="{FF2B5EF4-FFF2-40B4-BE49-F238E27FC236}">
-                <a16:creationId xmlns="" xmlns:a16="http://schemas.microsoft.com/office/drawing/2014/main" id="{F6CEA39A-55A7-8C46-ACD3-69397F1DE365}"/>
+                <a16:creationId xmlns:a16="http://schemas.microsoft.com/office/drawing/2014/main" id="{F6CEA39A-55A7-8C46-ACD3-69397F1DE365}"/>
               </a:ext>
             </a:extLst>
           </p:cNvPr>
@@ -20995,7 +21084,7 @@
           <p:cNvPr id="18" name="Flèche droite rayée 17">
             <a:extLst>
               <a:ext uri="{FF2B5EF4-FFF2-40B4-BE49-F238E27FC236}">
-                <a16:creationId xmlns="" xmlns:a16="http://schemas.microsoft.com/office/drawing/2014/main" id="{E90FC745-45D7-584B-8E89-80FAA1361D05}"/>
+                <a16:creationId xmlns:a16="http://schemas.microsoft.com/office/drawing/2014/main" id="{E90FC745-45D7-584B-8E89-80FAA1361D05}"/>
               </a:ext>
             </a:extLst>
           </p:cNvPr>
@@ -21047,7 +21136,7 @@
           <p:cNvPr id="20" name="Rectangle : coins arrondis 19">
             <a:extLst>
               <a:ext uri="{FF2B5EF4-FFF2-40B4-BE49-F238E27FC236}">
-                <a16:creationId xmlns="" xmlns:a16="http://schemas.microsoft.com/office/drawing/2014/main" id="{397BE9E5-63FB-2242-9A3D-6510240775F1}"/>
+                <a16:creationId xmlns:a16="http://schemas.microsoft.com/office/drawing/2014/main" id="{397BE9E5-63FB-2242-9A3D-6510240775F1}"/>
               </a:ext>
             </a:extLst>
           </p:cNvPr>
@@ -21101,7 +21190,7 @@
           <p:cNvPr id="21" name="Rectangle : coins arrondis 20">
             <a:extLst>
               <a:ext uri="{FF2B5EF4-FFF2-40B4-BE49-F238E27FC236}">
-                <a16:creationId xmlns="" xmlns:a16="http://schemas.microsoft.com/office/drawing/2014/main" id="{43EEB19E-5A83-8945-9823-A618EAA24233}"/>
+                <a16:creationId xmlns:a16="http://schemas.microsoft.com/office/drawing/2014/main" id="{43EEB19E-5A83-8945-9823-A618EAA24233}"/>
               </a:ext>
             </a:extLst>
           </p:cNvPr>
@@ -21157,7 +21246,7 @@
           <p:cNvPr id="22" name="Ellipse 21">
             <a:extLst>
               <a:ext uri="{FF2B5EF4-FFF2-40B4-BE49-F238E27FC236}">
-                <a16:creationId xmlns="" xmlns:a16="http://schemas.microsoft.com/office/drawing/2014/main" id="{DDE1EAB2-B699-7B4A-B187-6B85B5D944AB}"/>
+                <a16:creationId xmlns:a16="http://schemas.microsoft.com/office/drawing/2014/main" id="{DDE1EAB2-B699-7B4A-B187-6B85B5D944AB}"/>
               </a:ext>
             </a:extLst>
           </p:cNvPr>
@@ -21209,7 +21298,7 @@
           <p:cNvPr id="23" name="Ellipse 22">
             <a:extLst>
               <a:ext uri="{FF2B5EF4-FFF2-40B4-BE49-F238E27FC236}">
-                <a16:creationId xmlns="" xmlns:a16="http://schemas.microsoft.com/office/drawing/2014/main" id="{0BC6605C-33BB-D64D-8170-2A958F70BC81}"/>
+                <a16:creationId xmlns:a16="http://schemas.microsoft.com/office/drawing/2014/main" id="{0BC6605C-33BB-D64D-8170-2A958F70BC81}"/>
               </a:ext>
             </a:extLst>
           </p:cNvPr>
@@ -21261,7 +21350,7 @@
           <p:cNvPr id="24" name="Ellipse 23">
             <a:extLst>
               <a:ext uri="{FF2B5EF4-FFF2-40B4-BE49-F238E27FC236}">
-                <a16:creationId xmlns="" xmlns:a16="http://schemas.microsoft.com/office/drawing/2014/main" id="{7BC1CD17-D109-7D40-BBFD-1C4F5E36A617}"/>
+                <a16:creationId xmlns:a16="http://schemas.microsoft.com/office/drawing/2014/main" id="{7BC1CD17-D109-7D40-BBFD-1C4F5E36A617}"/>
               </a:ext>
             </a:extLst>
           </p:cNvPr>
@@ -21313,7 +21402,7 @@
           <p:cNvPr id="25" name="Rectangle 24">
             <a:extLst>
               <a:ext uri="{FF2B5EF4-FFF2-40B4-BE49-F238E27FC236}">
-                <a16:creationId xmlns="" xmlns:a16="http://schemas.microsoft.com/office/drawing/2014/main" id="{E8B3E2B1-7AF7-8142-AD5E-CA9CE2377906}"/>
+                <a16:creationId xmlns:a16="http://schemas.microsoft.com/office/drawing/2014/main" id="{E8B3E2B1-7AF7-8142-AD5E-CA9CE2377906}"/>
               </a:ext>
             </a:extLst>
           </p:cNvPr>
@@ -21365,7 +21454,7 @@
           <p:cNvPr id="27" name="Graphique 26" descr="Loupe">
             <a:extLst>
               <a:ext uri="{FF2B5EF4-FFF2-40B4-BE49-F238E27FC236}">
-                <a16:creationId xmlns="" xmlns:a16="http://schemas.microsoft.com/office/drawing/2014/main" id="{A5D67965-D227-1A41-ACA7-395C17B189ED}"/>
+                <a16:creationId xmlns:a16="http://schemas.microsoft.com/office/drawing/2014/main" id="{A5D67965-D227-1A41-ACA7-395C17B189ED}"/>
               </a:ext>
             </a:extLst>
           </p:cNvPr>
@@ -21378,7 +21467,7 @@
           <a:blip r:embed="rId2">
             <a:extLst>
               <a:ext uri="{96DAC541-7B7A-43D3-8B79-37D633B846F1}">
-                <asvg:svgBlip xmlns="" xmlns:asvg="http://schemas.microsoft.com/office/drawing/2016/SVG/main" r:embed="rId3"/>
+                <asvg:svgBlip xmlns:asvg="http://schemas.microsoft.com/office/drawing/2016/SVG/main" r:embed="rId3"/>
               </a:ext>
             </a:extLst>
           </a:blip>
@@ -21401,7 +21490,7 @@
           <p:cNvPr id="29" name="Graphique 28" descr="Répéter">
             <a:extLst>
               <a:ext uri="{FF2B5EF4-FFF2-40B4-BE49-F238E27FC236}">
-                <a16:creationId xmlns="" xmlns:a16="http://schemas.microsoft.com/office/drawing/2014/main" id="{1537298F-A117-9345-B2DA-8B063931E3BE}"/>
+                <a16:creationId xmlns:a16="http://schemas.microsoft.com/office/drawing/2014/main" id="{1537298F-A117-9345-B2DA-8B063931E3BE}"/>
               </a:ext>
             </a:extLst>
           </p:cNvPr>
@@ -21414,7 +21503,7 @@
           <a:blip r:embed="rId4">
             <a:extLst>
               <a:ext uri="{96DAC541-7B7A-43D3-8B79-37D633B846F1}">
-                <asvg:svgBlip xmlns="" xmlns:asvg="http://schemas.microsoft.com/office/drawing/2016/SVG/main" r:embed="rId5"/>
+                <asvg:svgBlip xmlns:asvg="http://schemas.microsoft.com/office/drawing/2016/SVG/main" r:embed="rId5"/>
               </a:ext>
             </a:extLst>
           </a:blip>

--- a/web/3-CSS/css.pptx
+++ b/web/3-CSS/css.pptx
@@ -231,7 +231,7 @@
           <a:p>
             <a:fld id="{5EB47243-285B-2741-8C7D-C88258D9CCFA}" type="datetimeFigureOut">
               <a:rPr lang="fr-FR" smtClean="0"/>
-              <a:t>07/06/2019</a:t>
+              <a:t>12/06/2019</a:t>
             </a:fld>
             <a:endParaRPr lang="fr-FR"/>
           </a:p>
@@ -397,7 +397,7 @@
           <a:p>
             <a:fld id="{7D088D39-B4EA-D24B-B9C3-6A64886EABE2}" type="datetimeFigureOut">
               <a:rPr lang="fr-FR" smtClean="0"/>
-              <a:t>07/06/2019</a:t>
+              <a:t>12/06/2019</a:t>
             </a:fld>
             <a:endParaRPr lang="fr-FR"/>
           </a:p>
@@ -1913,7 +1913,7 @@
           <a:p>
             <a:fld id="{BB2FA04C-1355-4CE6-8050-4BD994E23BD5}" type="datetime4">
               <a:rPr lang="fr-FR" smtClean="0"/>
-              <a:t>7 juin 2019</a:t>
+              <a:t>12 juin 2019</a:t>
             </a:fld>
             <a:endParaRPr lang="fr-FR" dirty="0"/>
           </a:p>
@@ -2504,7 +2504,7 @@
           <a:p>
             <a:fld id="{A81C4219-47FF-4375-968D-EABA4A212953}" type="datetime4">
               <a:rPr lang="fr-FR" smtClean="0"/>
-              <a:t>7 juin 2019</a:t>
+              <a:t>12 juin 2019</a:t>
             </a:fld>
             <a:endParaRPr lang="fr-FR" dirty="0"/>
           </a:p>
@@ -4340,7 +4340,7 @@
           <a:p>
             <a:fld id="{81E3CCF4-D669-4BB6-B0BE-EE495E88AE6B}" type="datetime4">
               <a:rPr lang="fr-FR" smtClean="0"/>
-              <a:t>7 juin 2019</a:t>
+              <a:t>12 juin 2019</a:t>
             </a:fld>
             <a:endParaRPr lang="fr-FR" dirty="0"/>
           </a:p>
@@ -5276,7 +5276,7 @@
           <a:p>
             <a:fld id="{2E52B8B1-858B-4633-AE57-5B6CA9292F2B}" type="datetime4">
               <a:rPr lang="fr-FR" smtClean="0"/>
-              <a:t>7 juin 2019</a:t>
+              <a:t>12 juin 2019</a:t>
             </a:fld>
             <a:endParaRPr lang="fr-FR" dirty="0"/>
           </a:p>
@@ -5907,7 +5907,7 @@
           <a:p>
             <a:fld id="{BB2FA04C-1355-4CE6-8050-4BD994E23BD5}" type="datetime4">
               <a:rPr lang="fr-FR" smtClean="0"/>
-              <a:t>7 juin 2019</a:t>
+              <a:t>12 juin 2019</a:t>
             </a:fld>
             <a:endParaRPr lang="fr-FR" dirty="0"/>
           </a:p>
@@ -7421,7 +7421,7 @@
           <a:p>
             <a:fld id="{BB2FA04C-1355-4CE6-8050-4BD994E23BD5}" type="datetime4">
               <a:rPr lang="fr-FR" smtClean="0"/>
-              <a:t>7 juin 2019</a:t>
+              <a:t>12 juin 2019</a:t>
             </a:fld>
             <a:endParaRPr lang="fr-FR" dirty="0"/>
           </a:p>
@@ -8368,7 +8368,7 @@
           <a:p>
             <a:fld id="{BB2FA04C-1355-4CE6-8050-4BD994E23BD5}" type="datetime4">
               <a:rPr lang="fr-FR" smtClean="0"/>
-              <a:t>7 juin 2019</a:t>
+              <a:t>12 juin 2019</a:t>
             </a:fld>
             <a:endParaRPr lang="fr-FR" dirty="0"/>
           </a:p>
@@ -9329,7 +9329,7 @@
           <a:p>
             <a:fld id="{BB2FA04C-1355-4CE6-8050-4BD994E23BD5}" type="datetime4">
               <a:rPr lang="fr-FR" smtClean="0"/>
-              <a:t>7 juin 2019</a:t>
+              <a:t>12 juin 2019</a:t>
             </a:fld>
             <a:endParaRPr lang="fr-FR" dirty="0"/>
           </a:p>
@@ -10194,7 +10194,7 @@
           <a:p>
             <a:fld id="{BB2FA04C-1355-4CE6-8050-4BD994E23BD5}" type="datetime4">
               <a:rPr lang="fr-FR" smtClean="0"/>
-              <a:t>7 juin 2019</a:t>
+              <a:t>12 juin 2019</a:t>
             </a:fld>
             <a:endParaRPr lang="fr-FR" dirty="0"/>
           </a:p>
@@ -12126,7 +12126,7 @@
           <a:p>
             <a:fld id="{BB2FA04C-1355-4CE6-8050-4BD994E23BD5}" type="datetime4">
               <a:rPr lang="fr-FR" smtClean="0"/>
-              <a:t>7 juin 2019</a:t>
+              <a:t>12 juin 2019</a:t>
             </a:fld>
             <a:endParaRPr lang="fr-FR" dirty="0"/>
           </a:p>
@@ -12825,7 +12825,7 @@
           <a:p>
             <a:fld id="{BB2FA04C-1355-4CE6-8050-4BD994E23BD5}" type="datetime4">
               <a:rPr lang="fr-FR" smtClean="0"/>
-              <a:t>7 juin 2019</a:t>
+              <a:t>12 juin 2019</a:t>
             </a:fld>
             <a:endParaRPr lang="fr-FR" dirty="0"/>
           </a:p>
@@ -13043,8 +13043,8 @@
               <a:t> ou </a:t>
             </a:r>
             <a:r>
-              <a:rPr lang="fr-FR" i="1" dirty="0" err="1"/>
-              <a:t>inkline</a:t>
+              <a:rPr lang="fr-FR" i="1"/>
+              <a:t>inline</a:t>
             </a:r>
             <a:endParaRPr lang="fr-FR" i="1" dirty="0"/>
           </a:p>
@@ -13165,7 +13165,7 @@
           <a:p>
             <a:fld id="{BB2FA04C-1355-4CE6-8050-4BD994E23BD5}" type="datetime4">
               <a:rPr lang="fr-FR" smtClean="0"/>
-              <a:t>7 juin 2019</a:t>
+              <a:t>12 juin 2019</a:t>
             </a:fld>
             <a:endParaRPr lang="fr-FR" dirty="0"/>
           </a:p>
@@ -13563,7 +13563,7 @@
           <a:p>
             <a:fld id="{BB2FA04C-1355-4CE6-8050-4BD994E23BD5}" type="datetime4">
               <a:rPr lang="fr-FR" smtClean="0"/>
-              <a:t>7 juin 2019</a:t>
+              <a:t>12 juin 2019</a:t>
             </a:fld>
             <a:endParaRPr lang="fr-FR" dirty="0"/>
           </a:p>
@@ -13870,7 +13870,7 @@
           <a:p>
             <a:fld id="{BB2FA04C-1355-4CE6-8050-4BD994E23BD5}" type="datetime4">
               <a:rPr lang="fr-FR" smtClean="0"/>
-              <a:t>7 juin 2019</a:t>
+              <a:t>12 juin 2019</a:t>
             </a:fld>
             <a:endParaRPr lang="fr-FR" dirty="0"/>
           </a:p>
@@ -14280,7 +14280,7 @@
           <a:p>
             <a:fld id="{BB2FA04C-1355-4CE6-8050-4BD994E23BD5}" type="datetime4">
               <a:rPr lang="fr-FR" smtClean="0"/>
-              <a:t>7 juin 2019</a:t>
+              <a:t>12 juin 2019</a:t>
             </a:fld>
             <a:endParaRPr lang="fr-FR" dirty="0"/>
           </a:p>
@@ -14650,7 +14650,7 @@
           <a:p>
             <a:fld id="{BB2FA04C-1355-4CE6-8050-4BD994E23BD5}" type="datetime4">
               <a:rPr lang="fr-FR" smtClean="0"/>
-              <a:t>7 juin 2019</a:t>
+              <a:t>12 juin 2019</a:t>
             </a:fld>
             <a:endParaRPr lang="fr-FR" dirty="0"/>
           </a:p>
@@ -14945,7 +14945,7 @@
           <a:p>
             <a:fld id="{1AC11C67-BE04-4C5F-B0EE-E01220C9093A}" type="datetime4">
               <a:rPr lang="fr-FR" smtClean="0"/>
-              <a:t>7 juin 2019</a:t>
+              <a:t>12 juin 2019</a:t>
             </a:fld>
             <a:endParaRPr lang="fr-FR" dirty="0"/>
           </a:p>
@@ -15470,7 +15470,7 @@
           <a:p>
             <a:fld id="{1AC11C67-BE04-4C5F-B0EE-E01220C9093A}" type="datetime4">
               <a:rPr lang="fr-FR" smtClean="0"/>
-              <a:t>7 juin 2019</a:t>
+              <a:t>12 juin 2019</a:t>
             </a:fld>
             <a:endParaRPr lang="fr-FR" dirty="0"/>
           </a:p>
@@ -16122,7 +16122,7 @@
           <a:p>
             <a:fld id="{1AC11C67-BE04-4C5F-B0EE-E01220C9093A}" type="datetime4">
               <a:rPr lang="fr-FR" smtClean="0"/>
-              <a:t>7 juin 2019</a:t>
+              <a:t>12 juin 2019</a:t>
             </a:fld>
             <a:endParaRPr lang="fr-FR" dirty="0"/>
           </a:p>
@@ -17326,7 +17326,7 @@
           <a:p>
             <a:fld id="{1AC11C67-BE04-4C5F-B0EE-E01220C9093A}" type="datetime4">
               <a:rPr lang="fr-FR" smtClean="0"/>
-              <a:t>7 juin 2019</a:t>
+              <a:t>12 juin 2019</a:t>
             </a:fld>
             <a:endParaRPr lang="fr-FR" dirty="0"/>
           </a:p>
@@ -18238,7 +18238,7 @@
           <a:p>
             <a:fld id="{1AC11C67-BE04-4C5F-B0EE-E01220C9093A}" type="datetime4">
               <a:rPr lang="fr-FR" smtClean="0"/>
-              <a:t>7 juin 2019</a:t>
+              <a:t>12 juin 2019</a:t>
             </a:fld>
             <a:endParaRPr lang="fr-FR" dirty="0"/>
           </a:p>
@@ -18962,7 +18962,7 @@
           <a:p>
             <a:fld id="{BB2FA04C-1355-4CE6-8050-4BD994E23BD5}" type="datetime4">
               <a:rPr lang="fr-FR" smtClean="0"/>
-              <a:t>7 juin 2019</a:t>
+              <a:t>12 juin 2019</a:t>
             </a:fld>
             <a:endParaRPr lang="fr-FR" dirty="0"/>
           </a:p>
@@ -20116,7 +20116,7 @@
           <a:p>
             <a:fld id="{BB2FA04C-1355-4CE6-8050-4BD994E23BD5}" type="datetime4">
               <a:rPr lang="fr-FR" smtClean="0"/>
-              <a:t>7 juin 2019</a:t>
+              <a:t>12 juin 2019</a:t>
             </a:fld>
             <a:endParaRPr lang="fr-FR" dirty="0"/>
           </a:p>

--- a/web/3-CSS/css.pptx
+++ b/web/3-CSS/css.pptx
@@ -297,7 +297,7 @@
           <a:p>
             <a:fld id="{C5CA9166-BC48-2C47-B9BF-6F57720E77B8}" type="slidenum">
               <a:rPr lang="fr-FR" smtClean="0"/>
-              <a:t>‹N°›</a:t>
+              <a:t>‹#›</a:t>
             </a:fld>
             <a:endParaRPr lang="fr-FR"/>
           </a:p>
@@ -555,7 +555,7 @@
           <a:p>
             <a:fld id="{1C0E2CBA-6097-B848-A7DA-4D7BD6EB303B}" type="slidenum">
               <a:rPr lang="fr-FR" smtClean="0"/>
-              <a:t>‹N°›</a:t>
+              <a:t>‹#›</a:t>
             </a:fld>
             <a:endParaRPr lang="fr-FR"/>
           </a:p>
@@ -1991,7 +1991,7 @@
             <a:fld id="{DCE37727-CC04-7A46-938D-2CCFF056F773}" type="slidenum">
               <a:rPr lang="fr-FR" smtClean="0"/>
               <a:pPr/>
-              <a:t>‹N°›</a:t>
+              <a:t>‹#›</a:t>
             </a:fld>
             <a:endParaRPr lang="fr-FR"/>
           </a:p>
@@ -2582,7 +2582,7 @@
             <a:fld id="{DCE37727-CC04-7A46-938D-2CCFF056F773}" type="slidenum">
               <a:rPr lang="fr-FR" smtClean="0"/>
               <a:pPr/>
-              <a:t>‹N°›</a:t>
+              <a:t>‹#›</a:t>
             </a:fld>
             <a:endParaRPr lang="fr-FR"/>
           </a:p>
@@ -4418,7 +4418,7 @@
             <a:fld id="{DCE37727-CC04-7A46-938D-2CCFF056F773}" type="slidenum">
               <a:rPr lang="fr-FR" smtClean="0"/>
               <a:pPr/>
-              <a:t>‹N°›</a:t>
+              <a:t>‹#›</a:t>
             </a:fld>
             <a:endParaRPr lang="fr-FR"/>
           </a:p>
@@ -5354,7 +5354,7 @@
             <a:fld id="{DCE37727-CC04-7A46-938D-2CCFF056F773}" type="slidenum">
               <a:rPr lang="fr-FR" smtClean="0"/>
               <a:pPr/>
-              <a:t>‹N°›</a:t>
+              <a:t>‹#›</a:t>
             </a:fld>
             <a:endParaRPr lang="fr-FR"/>
           </a:p>
@@ -9035,7 +9035,7 @@
               <a:t> </a:t>
             </a:r>
             <a:r>
-              <a:rPr lang="fr-FR" sz="2000">
+              <a:rPr lang="fr-FR" sz="2000" dirty="0" err="1">
                 <a:solidFill>
                   <a:srgbClr val="008080"/>
                 </a:solidFill>
@@ -9045,7 +9045,7 @@
               <a:t>bold</a:t>
             </a:r>
             <a:r>
-              <a:rPr lang="fr-FR" sz="2000">
+              <a:rPr lang="fr-FR" sz="2000" dirty="0">
                 <a:solidFill>
                   <a:srgbClr val="657B83"/>
                 </a:solidFill>
@@ -9055,7 +9055,7 @@
               <a:t>;</a:t>
             </a:r>
             <a:r>
-              <a:rPr lang="fr-FR" sz="2000">
+              <a:rPr lang="fr-FR" sz="2000" dirty="0">
                 <a:solidFill>
                   <a:schemeClr val="bg1"/>
                 </a:solidFill>
@@ -9106,7 +9106,7 @@
               <a:t> </a:t>
             </a:r>
             <a:r>
-              <a:rPr lang="fr-FR" sz="2000" dirty="0">
+              <a:rPr lang="fr-FR" sz="2000">
                 <a:solidFill>
                   <a:srgbClr val="657B83"/>
                 </a:solidFill>
@@ -9115,13 +9115,13 @@
               <a:t>{ </a:t>
             </a:r>
             <a:r>
-              <a:rPr lang="fr-FR" sz="2000" dirty="0" err="1">
+              <a:rPr lang="fr-FR" sz="2000">
                 <a:solidFill>
                   <a:srgbClr val="990000"/>
                 </a:solidFill>
                 <a:latin typeface="Source Code Pro" panose="020B0509030403020204" pitchFamily="49" charset="0"/>
               </a:rPr>
-              <a:t>text</a:t>
+              <a:t>font-size</a:t>
             </a:r>
             <a:r>
               <a:rPr lang="fr-FR" sz="2000" dirty="0">
@@ -9130,7 +9130,7 @@
                 </a:solidFill>
                 <a:latin typeface="Source Code Pro" panose="020B0509030403020204" pitchFamily="49" charset="0"/>
               </a:rPr>
-              <a:t>-size:</a:t>
+              <a:t>:</a:t>
             </a:r>
             <a:r>
               <a:rPr lang="fr-FR" sz="2000" dirty="0">

--- a/web/3-CSS/css.pptx
+++ b/web/3-CSS/css.pptx
@@ -231,7 +231,7 @@
           <a:p>
             <a:fld id="{5EB47243-285B-2741-8C7D-C88258D9CCFA}" type="datetimeFigureOut">
               <a:rPr lang="fr-FR" smtClean="0"/>
-              <a:t>12/06/2019</a:t>
+              <a:t>07/06/2021</a:t>
             </a:fld>
             <a:endParaRPr lang="fr-FR"/>
           </a:p>
@@ -397,7 +397,7 @@
           <a:p>
             <a:fld id="{7D088D39-B4EA-D24B-B9C3-6A64886EABE2}" type="datetimeFigureOut">
               <a:rPr lang="fr-FR" smtClean="0"/>
-              <a:t>12/06/2019</a:t>
+              <a:t>07/06/2021</a:t>
             </a:fld>
             <a:endParaRPr lang="fr-FR"/>
           </a:p>
@@ -1913,7 +1913,7 @@
           <a:p>
             <a:fld id="{BB2FA04C-1355-4CE6-8050-4BD994E23BD5}" type="datetime4">
               <a:rPr lang="fr-FR" smtClean="0"/>
-              <a:t>12 juin 2019</a:t>
+              <a:t>7 juin 2021</a:t>
             </a:fld>
             <a:endParaRPr lang="fr-FR" dirty="0"/>
           </a:p>
@@ -2504,7 +2504,7 @@
           <a:p>
             <a:fld id="{A81C4219-47FF-4375-968D-EABA4A212953}" type="datetime4">
               <a:rPr lang="fr-FR" smtClean="0"/>
-              <a:t>12 juin 2019</a:t>
+              <a:t>7 juin 2021</a:t>
             </a:fld>
             <a:endParaRPr lang="fr-FR" dirty="0"/>
           </a:p>
@@ -4340,7 +4340,7 @@
           <a:p>
             <a:fld id="{81E3CCF4-D669-4BB6-B0BE-EE495E88AE6B}" type="datetime4">
               <a:rPr lang="fr-FR" smtClean="0"/>
-              <a:t>12 juin 2019</a:t>
+              <a:t>7 juin 2021</a:t>
             </a:fld>
             <a:endParaRPr lang="fr-FR" dirty="0"/>
           </a:p>
@@ -5276,7 +5276,7 @@
           <a:p>
             <a:fld id="{2E52B8B1-858B-4633-AE57-5B6CA9292F2B}" type="datetime4">
               <a:rPr lang="fr-FR" smtClean="0"/>
-              <a:t>12 juin 2019</a:t>
+              <a:t>7 juin 2021</a:t>
             </a:fld>
             <a:endParaRPr lang="fr-FR" dirty="0"/>
           </a:p>
@@ -5907,7 +5907,7 @@
           <a:p>
             <a:fld id="{BB2FA04C-1355-4CE6-8050-4BD994E23BD5}" type="datetime4">
               <a:rPr lang="fr-FR" smtClean="0"/>
-              <a:t>12 juin 2019</a:t>
+              <a:t>7 juin 2021</a:t>
             </a:fld>
             <a:endParaRPr lang="fr-FR" dirty="0"/>
           </a:p>
@@ -7421,7 +7421,7 @@
           <a:p>
             <a:fld id="{BB2FA04C-1355-4CE6-8050-4BD994E23BD5}" type="datetime4">
               <a:rPr lang="fr-FR" smtClean="0"/>
-              <a:t>12 juin 2019</a:t>
+              <a:t>7 juin 2021</a:t>
             </a:fld>
             <a:endParaRPr lang="fr-FR" dirty="0"/>
           </a:p>
@@ -7535,6 +7535,11 @@
             <a:endParaRPr lang="fr-FR" dirty="0"/>
           </a:p>
           <a:p>
+            <a:pPr>
+              <a:spcBef>
+                <a:spcPts val="1176"/>
+              </a:spcBef>
+            </a:pPr>
             <a:r>
               <a:rPr lang="fr-FR" dirty="0"/>
               <a:t>Style appliqué à </a:t>
@@ -7563,6 +7568,9 @@
           </a:p>
           <a:p>
             <a:pPr marL="0" indent="0">
+              <a:spcBef>
+                <a:spcPts val="0"/>
+              </a:spcBef>
               <a:buNone/>
             </a:pPr>
             <a:r>
@@ -7596,8 +7604,8 @@
         </p:nvSpPr>
         <p:spPr>
           <a:xfrm>
-            <a:off x="901702" y="1840363"/>
-            <a:ext cx="6666471" cy="1643701"/>
+            <a:off x="901702" y="1774371"/>
+            <a:ext cx="6666471" cy="2090058"/>
           </a:xfrm>
           <a:prstGeom prst="rect">
             <a:avLst/>
@@ -8279,7 +8287,7 @@
         </p:blipFill>
         <p:spPr>
           <a:xfrm>
-            <a:off x="901701" y="5596466"/>
+            <a:off x="901701" y="5607352"/>
             <a:ext cx="468792" cy="468792"/>
           </a:xfrm>
           <a:prstGeom prst="rect">
@@ -8368,7 +8376,7 @@
           <a:p>
             <a:fld id="{BB2FA04C-1355-4CE6-8050-4BD994E23BD5}" type="datetime4">
               <a:rPr lang="fr-FR" smtClean="0"/>
-              <a:t>12 juin 2019</a:t>
+              <a:t>7 juin 2021</a:t>
             </a:fld>
             <a:endParaRPr lang="fr-FR" dirty="0"/>
           </a:p>
@@ -8477,28 +8485,28 @@
             <a:pPr lvl="1"/>
             <a:r>
               <a:rPr lang="fr-FR" dirty="0"/>
-              <a:t>Clic ou survol d’un lien avec la souris</a:t>
+              <a:t>clic ou survol d’un lien avec la souris</a:t>
             </a:r>
           </a:p>
           <a:p>
             <a:pPr lvl="1"/>
             <a:r>
               <a:rPr lang="fr-FR" dirty="0"/>
-              <a:t>Lien déjà visité</a:t>
+              <a:t>lien déjà visité</a:t>
             </a:r>
           </a:p>
           <a:p>
             <a:pPr lvl="1"/>
             <a:r>
               <a:rPr lang="fr-FR" dirty="0"/>
-              <a:t>Premier caractère d’un paragraphe </a:t>
+              <a:t>premier caractère d’un paragraphe </a:t>
             </a:r>
           </a:p>
           <a:p>
             <a:pPr lvl="1"/>
             <a:r>
               <a:rPr lang="fr-FR" dirty="0"/>
-              <a:t>Etc.</a:t>
+              <a:t>etc.</a:t>
             </a:r>
           </a:p>
         </p:txBody>
@@ -9329,7 +9337,7 @@
           <a:p>
             <a:fld id="{BB2FA04C-1355-4CE6-8050-4BD994E23BD5}" type="datetime4">
               <a:rPr lang="fr-FR" smtClean="0"/>
-              <a:t>12 juin 2019</a:t>
+              <a:t>7 juin 2021</a:t>
             </a:fld>
             <a:endParaRPr lang="fr-FR" dirty="0"/>
           </a:p>
@@ -9500,7 +9508,7 @@
         <p:spPr>
           <a:xfrm>
             <a:off x="901702" y="1840363"/>
-            <a:ext cx="6666471" cy="628517"/>
+            <a:ext cx="6666471" cy="698855"/>
           </a:xfrm>
           <a:prstGeom prst="rect">
             <a:avLst/>
@@ -9677,6 +9685,9 @@
               <a:lnSpc>
                 <a:spcPct val="150000"/>
               </a:lnSpc>
+              <a:spcBef>
+                <a:spcPts val="0"/>
+              </a:spcBef>
               <a:buNone/>
             </a:pPr>
             <a:r>
@@ -10194,7 +10205,7 @@
           <a:p>
             <a:fld id="{BB2FA04C-1355-4CE6-8050-4BD994E23BD5}" type="datetime4">
               <a:rPr lang="fr-FR" smtClean="0"/>
-              <a:t>12 juin 2019</a:t>
+              <a:t>7 juin 2021</a:t>
             </a:fld>
             <a:endParaRPr lang="fr-FR" dirty="0"/>
           </a:p>
@@ -11767,8 +11778,8 @@
         </p:nvSpPr>
         <p:spPr>
           <a:xfrm>
-            <a:off x="498145" y="3163677"/>
-            <a:ext cx="295422" cy="379828"/>
+            <a:off x="585232" y="3098362"/>
+            <a:ext cx="403557" cy="379828"/>
           </a:xfrm>
           <a:prstGeom prst="mathPlus">
             <a:avLst/>
@@ -12015,7 +12026,7 @@
             </a:r>
             <a:r>
               <a:rPr lang="fr-FR" sz="2400" b="1" dirty="0"/>
-              <a:t>imbriquées</a:t>
+              <a:t>imbriqués</a:t>
             </a:r>
             <a:r>
               <a:rPr lang="fr-FR" sz="2400" dirty="0"/>
@@ -12126,7 +12137,7 @@
           <a:p>
             <a:fld id="{BB2FA04C-1355-4CE6-8050-4BD994E23BD5}" type="datetime4">
               <a:rPr lang="fr-FR" smtClean="0"/>
-              <a:t>12 juin 2019</a:t>
+              <a:t>7 juin 2021</a:t>
             </a:fld>
             <a:endParaRPr lang="fr-FR" dirty="0"/>
           </a:p>
@@ -12825,7 +12836,7 @@
           <a:p>
             <a:fld id="{BB2FA04C-1355-4CE6-8050-4BD994E23BD5}" type="datetime4">
               <a:rPr lang="fr-FR" smtClean="0"/>
-              <a:t>12 juin 2019</a:t>
+              <a:t>7 juin 2021</a:t>
             </a:fld>
             <a:endParaRPr lang="fr-FR" dirty="0"/>
           </a:p>
@@ -13165,7 +13176,7 @@
           <a:p>
             <a:fld id="{BB2FA04C-1355-4CE6-8050-4BD994E23BD5}" type="datetime4">
               <a:rPr lang="fr-FR" smtClean="0"/>
-              <a:t>12 juin 2019</a:t>
+              <a:t>7 juin 2021</a:t>
             </a:fld>
             <a:endParaRPr lang="fr-FR" dirty="0"/>
           </a:p>
@@ -13563,7 +13574,7 @@
           <a:p>
             <a:fld id="{BB2FA04C-1355-4CE6-8050-4BD994E23BD5}" type="datetime4">
               <a:rPr lang="fr-FR" smtClean="0"/>
-              <a:t>12 juin 2019</a:t>
+              <a:t>7 juin 2021</a:t>
             </a:fld>
             <a:endParaRPr lang="fr-FR" dirty="0"/>
           </a:p>
@@ -13870,7 +13881,7 @@
           <a:p>
             <a:fld id="{BB2FA04C-1355-4CE6-8050-4BD994E23BD5}" type="datetime4">
               <a:rPr lang="fr-FR" smtClean="0"/>
-              <a:t>12 juin 2019</a:t>
+              <a:t>7 juin 2021</a:t>
             </a:fld>
             <a:endParaRPr lang="fr-FR" dirty="0"/>
           </a:p>
@@ -14280,7 +14291,7 @@
           <a:p>
             <a:fld id="{BB2FA04C-1355-4CE6-8050-4BD994E23BD5}" type="datetime4">
               <a:rPr lang="fr-FR" smtClean="0"/>
-              <a:t>12 juin 2019</a:t>
+              <a:t>7 juin 2021</a:t>
             </a:fld>
             <a:endParaRPr lang="fr-FR" dirty="0"/>
           </a:p>
@@ -14650,7 +14661,7 @@
           <a:p>
             <a:fld id="{BB2FA04C-1355-4CE6-8050-4BD994E23BD5}" type="datetime4">
               <a:rPr lang="fr-FR" smtClean="0"/>
-              <a:t>12 juin 2019</a:t>
+              <a:t>7 juin 2021</a:t>
             </a:fld>
             <a:endParaRPr lang="fr-FR" dirty="0"/>
           </a:p>
@@ -14945,7 +14956,7 @@
           <a:p>
             <a:fld id="{1AC11C67-BE04-4C5F-B0EE-E01220C9093A}" type="datetime4">
               <a:rPr lang="fr-FR" smtClean="0"/>
-              <a:t>12 juin 2019</a:t>
+              <a:t>7 juin 2021</a:t>
             </a:fld>
             <a:endParaRPr lang="fr-FR" dirty="0"/>
           </a:p>
@@ -15470,7 +15481,7 @@
           <a:p>
             <a:fld id="{1AC11C67-BE04-4C5F-B0EE-E01220C9093A}" type="datetime4">
               <a:rPr lang="fr-FR" smtClean="0"/>
-              <a:t>12 juin 2019</a:t>
+              <a:t>7 juin 2021</a:t>
             </a:fld>
             <a:endParaRPr lang="fr-FR" dirty="0"/>
           </a:p>
@@ -16034,7 +16045,7 @@
           <a:lstStyle/>
           <a:p>
             <a:r>
-              <a:rPr lang="fr-FR" sz="2400" dirty="0"/>
+              <a:rPr lang="fr-FR" sz="2400" b="1" dirty="0"/>
               <a:t>Dans un fichier </a:t>
             </a:r>
             <a:r>
@@ -16042,8 +16053,12 @@
               <a:t>css</a:t>
             </a:r>
             <a:r>
+              <a:rPr lang="fr-FR" sz="2400" b="1" dirty="0"/>
+              <a:t> séparé </a:t>
+            </a:r>
+            <a:r>
               <a:rPr lang="fr-FR" sz="2400" dirty="0"/>
-              <a:t> séparé (</a:t>
+              <a:t>(</a:t>
             </a:r>
             <a:r>
               <a:rPr lang="fr-FR" sz="2400" b="1" dirty="0">
@@ -16122,7 +16137,7 @@
           <a:p>
             <a:fld id="{1AC11C67-BE04-4C5F-B0EE-E01220C9093A}" type="datetime4">
               <a:rPr lang="fr-FR" smtClean="0"/>
-              <a:t>12 juin 2019</a:t>
+              <a:t>7 juin 2021</a:t>
             </a:fld>
             <a:endParaRPr lang="fr-FR" dirty="0"/>
           </a:p>
@@ -17303,7 +17318,7 @@
           <a:p>
             <a:pPr marL="457200" indent="-457200"/>
             <a:r>
-              <a:rPr lang="fr-FR" sz="2400" dirty="0"/>
+              <a:rPr lang="fr-FR" sz="2400" b="1" dirty="0"/>
               <a:t>Dans l’entête du document HTML</a:t>
             </a:r>
           </a:p>
@@ -17326,7 +17341,7 @@
           <a:p>
             <a:fld id="{1AC11C67-BE04-4C5F-B0EE-E01220C9093A}" type="datetime4">
               <a:rPr lang="fr-FR" smtClean="0"/>
-              <a:t>12 juin 2019</a:t>
+              <a:t>7 juin 2021</a:t>
             </a:fld>
             <a:endParaRPr lang="fr-FR" dirty="0"/>
           </a:p>
@@ -18196,15 +18211,15 @@
           <a:p>
             <a:pPr marL="457200" indent="-457200"/>
             <a:r>
-              <a:rPr lang="fr-FR" sz="2400" dirty="0"/>
+              <a:rPr lang="fr-FR" sz="2400" b="1" dirty="0"/>
               <a:t>Dans l’attribut « </a:t>
             </a:r>
             <a:r>
-              <a:rPr lang="fr-FR" sz="2400" i="1" dirty="0"/>
+              <a:rPr lang="fr-FR" sz="2400" b="1" i="1" dirty="0"/>
               <a:t>style</a:t>
             </a:r>
             <a:r>
-              <a:rPr lang="fr-FR" sz="2400" dirty="0"/>
+              <a:rPr lang="fr-FR" sz="2400" b="1" dirty="0"/>
               <a:t> » des éléments HTML </a:t>
             </a:r>
           </a:p>
@@ -18238,7 +18253,7 @@
           <a:p>
             <a:fld id="{1AC11C67-BE04-4C5F-B0EE-E01220C9093A}" type="datetime4">
               <a:rPr lang="fr-FR" smtClean="0"/>
-              <a:t>12 juin 2019</a:t>
+              <a:t>7 juin 2021</a:t>
             </a:fld>
             <a:endParaRPr lang="fr-FR" dirty="0"/>
           </a:p>
@@ -18962,7 +18977,7 @@
           <a:p>
             <a:fld id="{BB2FA04C-1355-4CE6-8050-4BD994E23BD5}" type="datetime4">
               <a:rPr lang="fr-FR" smtClean="0"/>
-              <a:t>12 juin 2019</a:t>
+              <a:t>7 juin 2021</a:t>
             </a:fld>
             <a:endParaRPr lang="fr-FR" dirty="0"/>
           </a:p>
@@ -20116,7 +20131,7 @@
           <a:p>
             <a:fld id="{BB2FA04C-1355-4CE6-8050-4BD994E23BD5}" type="datetime4">
               <a:rPr lang="fr-FR" smtClean="0"/>
-              <a:t>12 juin 2019</a:t>
+              <a:t>7 juin 2021</a:t>
             </a:fld>
             <a:endParaRPr lang="fr-FR" dirty="0"/>
           </a:p>

--- a/web/3-CSS/css.pptx
+++ b/web/3-CSS/css.pptx
@@ -231,7 +231,7 @@
           <a:p>
             <a:fld id="{5EB47243-285B-2741-8C7D-C88258D9CCFA}" type="datetimeFigureOut">
               <a:rPr lang="fr-FR" smtClean="0"/>
-              <a:t>07/06/2021</a:t>
+              <a:t>17/06/2021</a:t>
             </a:fld>
             <a:endParaRPr lang="fr-FR"/>
           </a:p>
@@ -397,7 +397,7 @@
           <a:p>
             <a:fld id="{7D088D39-B4EA-D24B-B9C3-6A64886EABE2}" type="datetimeFigureOut">
               <a:rPr lang="fr-FR" smtClean="0"/>
-              <a:t>07/06/2021</a:t>
+              <a:t>17/06/2021</a:t>
             </a:fld>
             <a:endParaRPr lang="fr-FR"/>
           </a:p>
@@ -1913,7 +1913,7 @@
           <a:p>
             <a:fld id="{BB2FA04C-1355-4CE6-8050-4BD994E23BD5}" type="datetime4">
               <a:rPr lang="fr-FR" smtClean="0"/>
-              <a:t>7 juin 2021</a:t>
+              <a:t>17 juin 2021</a:t>
             </a:fld>
             <a:endParaRPr lang="fr-FR" dirty="0"/>
           </a:p>
@@ -2504,7 +2504,7 @@
           <a:p>
             <a:fld id="{A81C4219-47FF-4375-968D-EABA4A212953}" type="datetime4">
               <a:rPr lang="fr-FR" smtClean="0"/>
-              <a:t>7 juin 2021</a:t>
+              <a:t>17 juin 2021</a:t>
             </a:fld>
             <a:endParaRPr lang="fr-FR" dirty="0"/>
           </a:p>
@@ -4340,7 +4340,7 @@
           <a:p>
             <a:fld id="{81E3CCF4-D669-4BB6-B0BE-EE495E88AE6B}" type="datetime4">
               <a:rPr lang="fr-FR" smtClean="0"/>
-              <a:t>7 juin 2021</a:t>
+              <a:t>17 juin 2021</a:t>
             </a:fld>
             <a:endParaRPr lang="fr-FR" dirty="0"/>
           </a:p>
@@ -5276,7 +5276,7 @@
           <a:p>
             <a:fld id="{2E52B8B1-858B-4633-AE57-5B6CA9292F2B}" type="datetime4">
               <a:rPr lang="fr-FR" smtClean="0"/>
-              <a:t>7 juin 2021</a:t>
+              <a:t>17 juin 2021</a:t>
             </a:fld>
             <a:endParaRPr lang="fr-FR" dirty="0"/>
           </a:p>
@@ -5907,7 +5907,7 @@
           <a:p>
             <a:fld id="{BB2FA04C-1355-4CE6-8050-4BD994E23BD5}" type="datetime4">
               <a:rPr lang="fr-FR" smtClean="0"/>
-              <a:t>7 juin 2021</a:t>
+              <a:t>17 juin 2021</a:t>
             </a:fld>
             <a:endParaRPr lang="fr-FR" dirty="0"/>
           </a:p>
@@ -7421,7 +7421,7 @@
           <a:p>
             <a:fld id="{BB2FA04C-1355-4CE6-8050-4BD994E23BD5}" type="datetime4">
               <a:rPr lang="fr-FR" smtClean="0"/>
-              <a:t>7 juin 2021</a:t>
+              <a:t>17 juin 2021</a:t>
             </a:fld>
             <a:endParaRPr lang="fr-FR" dirty="0"/>
           </a:p>
@@ -8376,7 +8376,7 @@
           <a:p>
             <a:fld id="{BB2FA04C-1355-4CE6-8050-4BD994E23BD5}" type="datetime4">
               <a:rPr lang="fr-FR" smtClean="0"/>
-              <a:t>7 juin 2021</a:t>
+              <a:t>17 juin 2021</a:t>
             </a:fld>
             <a:endParaRPr lang="fr-FR" dirty="0"/>
           </a:p>
@@ -9337,7 +9337,7 @@
           <a:p>
             <a:fld id="{BB2FA04C-1355-4CE6-8050-4BD994E23BD5}" type="datetime4">
               <a:rPr lang="fr-FR" smtClean="0"/>
-              <a:t>7 juin 2021</a:t>
+              <a:t>17 juin 2021</a:t>
             </a:fld>
             <a:endParaRPr lang="fr-FR" dirty="0"/>
           </a:p>
@@ -10205,7 +10205,7 @@
           <a:p>
             <a:fld id="{BB2FA04C-1355-4CE6-8050-4BD994E23BD5}" type="datetime4">
               <a:rPr lang="fr-FR" smtClean="0"/>
-              <a:t>7 juin 2021</a:t>
+              <a:t>17 juin 2021</a:t>
             </a:fld>
             <a:endParaRPr lang="fr-FR" dirty="0"/>
           </a:p>
@@ -12137,7 +12137,7 @@
           <a:p>
             <a:fld id="{BB2FA04C-1355-4CE6-8050-4BD994E23BD5}" type="datetime4">
               <a:rPr lang="fr-FR" smtClean="0"/>
-              <a:t>7 juin 2021</a:t>
+              <a:t>17 juin 2021</a:t>
             </a:fld>
             <a:endParaRPr lang="fr-FR" dirty="0"/>
           </a:p>
@@ -12836,7 +12836,7 @@
           <a:p>
             <a:fld id="{BB2FA04C-1355-4CE6-8050-4BD994E23BD5}" type="datetime4">
               <a:rPr lang="fr-FR" smtClean="0"/>
-              <a:t>7 juin 2021</a:t>
+              <a:t>17 juin 2021</a:t>
             </a:fld>
             <a:endParaRPr lang="fr-FR" dirty="0"/>
           </a:p>
@@ -13176,7 +13176,7 @@
           <a:p>
             <a:fld id="{BB2FA04C-1355-4CE6-8050-4BD994E23BD5}" type="datetime4">
               <a:rPr lang="fr-FR" smtClean="0"/>
-              <a:t>7 juin 2021</a:t>
+              <a:t>17 juin 2021</a:t>
             </a:fld>
             <a:endParaRPr lang="fr-FR" dirty="0"/>
           </a:p>
@@ -13574,7 +13574,7 @@
           <a:p>
             <a:fld id="{BB2FA04C-1355-4CE6-8050-4BD994E23BD5}" type="datetime4">
               <a:rPr lang="fr-FR" smtClean="0"/>
-              <a:t>7 juin 2021</a:t>
+              <a:t>17 juin 2021</a:t>
             </a:fld>
             <a:endParaRPr lang="fr-FR" dirty="0"/>
           </a:p>
@@ -13881,7 +13881,7 @@
           <a:p>
             <a:fld id="{BB2FA04C-1355-4CE6-8050-4BD994E23BD5}" type="datetime4">
               <a:rPr lang="fr-FR" smtClean="0"/>
-              <a:t>7 juin 2021</a:t>
+              <a:t>17 juin 2021</a:t>
             </a:fld>
             <a:endParaRPr lang="fr-FR" dirty="0"/>
           </a:p>
@@ -14214,7 +14214,7 @@
           <a:p>
             <a:r>
               <a:rPr lang="fr-FR" dirty="0"/>
-              <a:t>Bloc 1</a:t>
+              <a:t>Bloc 1 - Web</a:t>
             </a:r>
           </a:p>
         </p:txBody>
@@ -14291,7 +14291,7 @@
           <a:p>
             <a:fld id="{BB2FA04C-1355-4CE6-8050-4BD994E23BD5}" type="datetime4">
               <a:rPr lang="fr-FR" smtClean="0"/>
-              <a:t>7 juin 2021</a:t>
+              <a:t>17 juin 2021</a:t>
             </a:fld>
             <a:endParaRPr lang="fr-FR" dirty="0"/>
           </a:p>
@@ -14661,7 +14661,7 @@
           <a:p>
             <a:fld id="{BB2FA04C-1355-4CE6-8050-4BD994E23BD5}" type="datetime4">
               <a:rPr lang="fr-FR" smtClean="0"/>
-              <a:t>7 juin 2021</a:t>
+              <a:t>17 juin 2021</a:t>
             </a:fld>
             <a:endParaRPr lang="fr-FR" dirty="0"/>
           </a:p>
@@ -14956,7 +14956,7 @@
           <a:p>
             <a:fld id="{1AC11C67-BE04-4C5F-B0EE-E01220C9093A}" type="datetime4">
               <a:rPr lang="fr-FR" smtClean="0"/>
-              <a:t>7 juin 2021</a:t>
+              <a:t>17 juin 2021</a:t>
             </a:fld>
             <a:endParaRPr lang="fr-FR" dirty="0"/>
           </a:p>
@@ -15481,7 +15481,7 @@
           <a:p>
             <a:fld id="{1AC11C67-BE04-4C5F-B0EE-E01220C9093A}" type="datetime4">
               <a:rPr lang="fr-FR" smtClean="0"/>
-              <a:t>7 juin 2021</a:t>
+              <a:t>17 juin 2021</a:t>
             </a:fld>
             <a:endParaRPr lang="fr-FR" dirty="0"/>
           </a:p>
@@ -16137,7 +16137,7 @@
           <a:p>
             <a:fld id="{1AC11C67-BE04-4C5F-B0EE-E01220C9093A}" type="datetime4">
               <a:rPr lang="fr-FR" smtClean="0"/>
-              <a:t>7 juin 2021</a:t>
+              <a:t>17 juin 2021</a:t>
             </a:fld>
             <a:endParaRPr lang="fr-FR" dirty="0"/>
           </a:p>
@@ -16205,8 +16205,8 @@
         </p:nvSpPr>
         <p:spPr>
           <a:xfrm>
-            <a:off x="3274541" y="3521676"/>
-            <a:ext cx="5165124" cy="2926984"/>
+            <a:off x="3035302" y="3015343"/>
+            <a:ext cx="5419027" cy="3193831"/>
           </a:xfrm>
           <a:prstGeom prst="rect">
             <a:avLst/>
@@ -16556,7 +16556,7 @@
                 <a:latin typeface="Source Code Pro" panose="020B0509030403020204" pitchFamily="49" charset="0"/>
                 <a:ea typeface="Source Code Pro" panose="020B0509030403020204" pitchFamily="49" charset="0"/>
               </a:rPr>
-              <a:t>" /&gt; </a:t>
+              <a:t>"&gt; </a:t>
             </a:r>
           </a:p>
           <a:p>
@@ -16671,7 +16671,7 @@
                 <a:latin typeface="Source Code Pro" panose="020B0509030403020204" pitchFamily="49" charset="0"/>
                 <a:ea typeface="Source Code Pro" panose="020B0509030403020204" pitchFamily="49" charset="0"/>
               </a:rPr>
-              <a:t>" /&gt; </a:t>
+              <a:t>"&gt; </a:t>
             </a:r>
           </a:p>
           <a:p>
@@ -17212,7 +17212,7 @@
         </p:nvSpPr>
         <p:spPr>
           <a:xfrm>
-            <a:off x="6767150" y="6112698"/>
+            <a:off x="6788488" y="5841146"/>
             <a:ext cx="1665841" cy="338554"/>
           </a:xfrm>
           <a:prstGeom prst="rect">
@@ -17232,7 +17232,7 @@
                 <a:latin typeface="Source Code Pro" panose="020B0509030403020204" pitchFamily="49" charset="0"/>
                 <a:ea typeface="Source Code Pro" panose="020B0509030403020204" pitchFamily="49" charset="0"/>
               </a:rPr>
-              <a:t>example.html</a:t>
+              <a:t>exemple.html</a:t>
             </a:r>
             <a:endParaRPr lang="fr-FR" sz="1600" dirty="0"/>
           </a:p>
@@ -17341,7 +17341,7 @@
           <a:p>
             <a:fld id="{1AC11C67-BE04-4C5F-B0EE-E01220C9093A}" type="datetime4">
               <a:rPr lang="fr-FR" smtClean="0"/>
-              <a:t>7 juin 2021</a:t>
+              <a:t>17 juin 2021</a:t>
             </a:fld>
             <a:endParaRPr lang="fr-FR" dirty="0"/>
           </a:p>
@@ -17760,7 +17760,7 @@
                 <a:latin typeface="Source Code Pro" panose="020B0509030403020204" pitchFamily="49" charset="0"/>
                 <a:ea typeface="Source Code Pro" panose="020B0509030403020204" pitchFamily="49" charset="0"/>
               </a:rPr>
-              <a:t> /&gt; </a:t>
+              <a:t>&gt; </a:t>
             </a:r>
           </a:p>
           <a:p>
@@ -18253,7 +18253,7 @@
           <a:p>
             <a:fld id="{1AC11C67-BE04-4C5F-B0EE-E01220C9093A}" type="datetime4">
               <a:rPr lang="fr-FR" smtClean="0"/>
-              <a:t>7 juin 2021</a:t>
+              <a:t>17 juin 2021</a:t>
             </a:fld>
             <a:endParaRPr lang="fr-FR" dirty="0"/>
           </a:p>
@@ -18672,7 +18672,7 @@
                 <a:latin typeface="Source Code Pro" panose="020B0509030403020204" pitchFamily="49" charset="0"/>
                 <a:ea typeface="Source Code Pro" panose="020B0509030403020204" pitchFamily="49" charset="0"/>
               </a:rPr>
-              <a:t>" /&gt; </a:t>
+              <a:t>"&gt; </a:t>
             </a:r>
           </a:p>
           <a:p>
@@ -18977,7 +18977,7 @@
           <a:p>
             <a:fld id="{BB2FA04C-1355-4CE6-8050-4BD994E23BD5}" type="datetime4">
               <a:rPr lang="fr-FR" smtClean="0"/>
-              <a:t>7 juin 2021</a:t>
+              <a:t>17 juin 2021</a:t>
             </a:fld>
             <a:endParaRPr lang="fr-FR" dirty="0"/>
           </a:p>
@@ -20131,7 +20131,7 @@
           <a:p>
             <a:fld id="{BB2FA04C-1355-4CE6-8050-4BD994E23BD5}" type="datetime4">
               <a:rPr lang="fr-FR" smtClean="0"/>
-              <a:t>7 juin 2021</a:t>
+              <a:t>17 juin 2021</a:t>
             </a:fld>
             <a:endParaRPr lang="fr-FR" dirty="0"/>
           </a:p>
